--- a/images/objects_dropped.pptx
+++ b/images/objects_dropped.pptx
@@ -2,18 +2,18 @@
 <file path=ppt/presentation.xml><?xml version="1.0" encoding="utf-8"?>
 <p:presentation xmlns:a="http://schemas.openxmlformats.org/drawingml/2006/main" xmlns:r="http://schemas.openxmlformats.org/officeDocument/2006/relationships" xmlns:p="http://schemas.openxmlformats.org/presentationml/2006/main" saveSubsetFonts="1">
   <p:sldMasterIdLst>
-    <p:sldMasterId id="2147483648" r:id="rId1"/>
+    <p:sldMasterId id="2147483672" r:id="rId1"/>
   </p:sldMasterIdLst>
   <p:sldIdLst>
     <p:sldId id="256" r:id="rId2"/>
   </p:sldIdLst>
-  <p:sldSz cx="12192000" cy="6858000"/>
+  <p:sldSz cx="2286000" cy="3657600"/>
   <p:notesSz cx="6858000" cy="9144000"/>
   <p:defaultTextStyle>
     <a:defPPr>
       <a:defRPr lang="en-US"/>
     </a:defPPr>
-    <a:lvl1pPr marL="0" algn="l" defTabSz="914400" rtl="0" eaLnBrk="1" latinLnBrk="0" hangingPunct="1">
+    <a:lvl1pPr marL="0" algn="l" defTabSz="457200" rtl="0" eaLnBrk="1" latinLnBrk="0" hangingPunct="1">
       <a:defRPr sz="1800" kern="1200">
         <a:solidFill>
           <a:schemeClr val="tx1"/>
@@ -23,7 +23,7 @@
         <a:cs typeface="+mn-cs"/>
       </a:defRPr>
     </a:lvl1pPr>
-    <a:lvl2pPr marL="457200" algn="l" defTabSz="914400" rtl="0" eaLnBrk="1" latinLnBrk="0" hangingPunct="1">
+    <a:lvl2pPr marL="457200" algn="l" defTabSz="457200" rtl="0" eaLnBrk="1" latinLnBrk="0" hangingPunct="1">
       <a:defRPr sz="1800" kern="1200">
         <a:solidFill>
           <a:schemeClr val="tx1"/>
@@ -33,7 +33,7 @@
         <a:cs typeface="+mn-cs"/>
       </a:defRPr>
     </a:lvl2pPr>
-    <a:lvl3pPr marL="914400" algn="l" defTabSz="914400" rtl="0" eaLnBrk="1" latinLnBrk="0" hangingPunct="1">
+    <a:lvl3pPr marL="914400" algn="l" defTabSz="457200" rtl="0" eaLnBrk="1" latinLnBrk="0" hangingPunct="1">
       <a:defRPr sz="1800" kern="1200">
         <a:solidFill>
           <a:schemeClr val="tx1"/>
@@ -43,7 +43,7 @@
         <a:cs typeface="+mn-cs"/>
       </a:defRPr>
     </a:lvl3pPr>
-    <a:lvl4pPr marL="1371600" algn="l" defTabSz="914400" rtl="0" eaLnBrk="1" latinLnBrk="0" hangingPunct="1">
+    <a:lvl4pPr marL="1371600" algn="l" defTabSz="457200" rtl="0" eaLnBrk="1" latinLnBrk="0" hangingPunct="1">
       <a:defRPr sz="1800" kern="1200">
         <a:solidFill>
           <a:schemeClr val="tx1"/>
@@ -53,7 +53,7 @@
         <a:cs typeface="+mn-cs"/>
       </a:defRPr>
     </a:lvl4pPr>
-    <a:lvl5pPr marL="1828800" algn="l" defTabSz="914400" rtl="0" eaLnBrk="1" latinLnBrk="0" hangingPunct="1">
+    <a:lvl5pPr marL="1828800" algn="l" defTabSz="457200" rtl="0" eaLnBrk="1" latinLnBrk="0" hangingPunct="1">
       <a:defRPr sz="1800" kern="1200">
         <a:solidFill>
           <a:schemeClr val="tx1"/>
@@ -63,7 +63,7 @@
         <a:cs typeface="+mn-cs"/>
       </a:defRPr>
     </a:lvl5pPr>
-    <a:lvl6pPr marL="2286000" algn="l" defTabSz="914400" rtl="0" eaLnBrk="1" latinLnBrk="0" hangingPunct="1">
+    <a:lvl6pPr marL="2286000" algn="l" defTabSz="457200" rtl="0" eaLnBrk="1" latinLnBrk="0" hangingPunct="1">
       <a:defRPr sz="1800" kern="1200">
         <a:solidFill>
           <a:schemeClr val="tx1"/>
@@ -73,7 +73,7 @@
         <a:cs typeface="+mn-cs"/>
       </a:defRPr>
     </a:lvl6pPr>
-    <a:lvl7pPr marL="2743200" algn="l" defTabSz="914400" rtl="0" eaLnBrk="1" latinLnBrk="0" hangingPunct="1">
+    <a:lvl7pPr marL="2743200" algn="l" defTabSz="457200" rtl="0" eaLnBrk="1" latinLnBrk="0" hangingPunct="1">
       <a:defRPr sz="1800" kern="1200">
         <a:solidFill>
           <a:schemeClr val="tx1"/>
@@ -83,7 +83,7 @@
         <a:cs typeface="+mn-cs"/>
       </a:defRPr>
     </a:lvl7pPr>
-    <a:lvl8pPr marL="3200400" algn="l" defTabSz="914400" rtl="0" eaLnBrk="1" latinLnBrk="0" hangingPunct="1">
+    <a:lvl8pPr marL="3200400" algn="l" defTabSz="457200" rtl="0" eaLnBrk="1" latinLnBrk="0" hangingPunct="1">
       <a:defRPr sz="1800" kern="1200">
         <a:solidFill>
           <a:schemeClr val="tx1"/>
@@ -93,7 +93,7 @@
         <a:cs typeface="+mn-cs"/>
       </a:defRPr>
     </a:lvl8pPr>
-    <a:lvl9pPr marL="3657600" algn="l" defTabSz="914400" rtl="0" eaLnBrk="1" latinLnBrk="0" hangingPunct="1">
+    <a:lvl9pPr marL="3657600" algn="l" defTabSz="457200" rtl="0" eaLnBrk="1" latinLnBrk="0" hangingPunct="1">
       <a:defRPr sz="1800" kern="1200">
         <a:solidFill>
           <a:schemeClr val="tx1"/>
@@ -104,7 +104,495 @@
       </a:defRPr>
     </a:lvl9pPr>
   </p:defaultTextStyle>
+  <p:extLst>
+    <p:ext uri="{EFAFB233-063F-42B5-8137-9DF3F51BA10A}">
+      <p15:sldGuideLst xmlns:p15="http://schemas.microsoft.com/office/powerpoint/2012/main"/>
+    </p:ext>
+  </p:extLst>
 </p:presentation>
+</file>
+
+<file path=ppt/charts/chart1.xml><?xml version="1.0" encoding="utf-8"?>
+<c:chartSpace xmlns:c="http://schemas.openxmlformats.org/drawingml/2006/chart" xmlns:a="http://schemas.openxmlformats.org/drawingml/2006/main" xmlns:r="http://schemas.openxmlformats.org/officeDocument/2006/relationships" xmlns:c16r2="http://schemas.microsoft.com/office/drawing/2015/06/chart">
+  <c:date1904 val="0"/>
+  <c:lang val="en-US"/>
+  <c:roundedCorners val="0"/>
+  <mc:AlternateContent xmlns:mc="http://schemas.openxmlformats.org/markup-compatibility/2006">
+    <mc:Choice xmlns:c14="http://schemas.microsoft.com/office/drawing/2007/8/2/chart" Requires="c14">
+      <c14:style val="102"/>
+    </mc:Choice>
+    <mc:Fallback>
+      <c:style val="2"/>
+    </mc:Fallback>
+  </mc:AlternateContent>
+  <c:chart>
+    <c:autoTitleDeleted val="1"/>
+    <c:plotArea>
+      <c:layout/>
+      <c:barChart>
+        <c:barDir val="col"/>
+        <c:grouping val="stacked"/>
+        <c:varyColors val="0"/>
+        <c:ser>
+          <c:idx val="0"/>
+          <c:order val="0"/>
+          <c:tx>
+            <c:strRef>
+              <c:f>'Programming Issues'!$B$34</c:f>
+              <c:strCache>
+                <c:ptCount val="1"/>
+                <c:pt idx="0">
+                  <c:v>Min</c:v>
+                </c:pt>
+              </c:strCache>
+            </c:strRef>
+          </c:tx>
+          <c:spPr>
+            <a:noFill/>
+            <a:extLst>
+              <a:ext uri="{909E8E84-426E-40DD-AFC4-6F175D3DCCD1}">
+                <a14:hiddenFill xmlns:a14="http://schemas.microsoft.com/office/drawing/2010/main">
+                  <a:solidFill>
+                    <a:srgbClr val="4472C4"/>
+                  </a:solidFill>
+                </a14:hiddenFill>
+              </a:ext>
+            </a:extLst>
+          </c:spPr>
+          <c:invertIfNegative val="0"/>
+          <c:cat>
+            <c:strRef>
+              <c:f>'Programming Issues'!$C$33:$D$33</c:f>
+              <c:strCache>
+                <c:ptCount val="2"/>
+                <c:pt idx="0">
+                  <c:v>Duplo</c:v>
+                </c:pt>
+                <c:pt idx="1">
+                  <c:v>RSOY</c:v>
+                </c:pt>
+              </c:strCache>
+            </c:strRef>
+          </c:cat>
+          <c:val>
+            <c:numRef>
+              <c:f>'Programming Issues'!$C$34:$D$34</c:f>
+              <c:numCache>
+                <c:formatCode>General</c:formatCode>
+                <c:ptCount val="2"/>
+                <c:pt idx="0">
+                  <c:v>0</c:v>
+                </c:pt>
+                <c:pt idx="1">
+                  <c:v>1</c:v>
+                </c:pt>
+              </c:numCache>
+            </c:numRef>
+          </c:val>
+          <c:extLst>
+            <c:ext xmlns:c16="http://schemas.microsoft.com/office/drawing/2014/chart" uri="{C3380CC4-5D6E-409C-BE32-E72D297353CC}">
+              <c16:uniqueId val="{00000000-6CDD-4EAE-93E4-10E3C957BD8F}"/>
+            </c:ext>
+          </c:extLst>
+        </c:ser>
+        <c:ser>
+          <c:idx val="1"/>
+          <c:order val="1"/>
+          <c:tx>
+            <c:strRef>
+              <c:f>'Programming Issues'!$B$35</c:f>
+              <c:strCache>
+                <c:ptCount val="1"/>
+                <c:pt idx="0">
+                  <c:v>Q1-Min</c:v>
+                </c:pt>
+              </c:strCache>
+            </c:strRef>
+          </c:tx>
+          <c:spPr>
+            <a:noFill/>
+            <a:extLst>
+              <a:ext uri="{909E8E84-426E-40DD-AFC4-6F175D3DCCD1}">
+                <a14:hiddenFill xmlns:a14="http://schemas.microsoft.com/office/drawing/2010/main">
+                  <a:solidFill>
+                    <a:srgbClr val="ED7D31"/>
+                  </a:solidFill>
+                </a14:hiddenFill>
+              </a:ext>
+            </a:extLst>
+          </c:spPr>
+          <c:invertIfNegative val="0"/>
+          <c:errBars>
+            <c:errBarType val="minus"/>
+            <c:errValType val="percentage"/>
+            <c:noEndCap val="0"/>
+            <c:val val="100"/>
+            <c:spPr>
+              <a:ln w="19050"/>
+            </c:spPr>
+          </c:errBars>
+          <c:cat>
+            <c:strRef>
+              <c:f>'Programming Issues'!$C$33:$D$33</c:f>
+              <c:strCache>
+                <c:ptCount val="2"/>
+                <c:pt idx="0">
+                  <c:v>Duplo</c:v>
+                </c:pt>
+                <c:pt idx="1">
+                  <c:v>RSOY</c:v>
+                </c:pt>
+              </c:strCache>
+            </c:strRef>
+          </c:cat>
+          <c:val>
+            <c:numRef>
+              <c:f>'Programming Issues'!$C$35:$D$35</c:f>
+              <c:numCache>
+                <c:formatCode>General</c:formatCode>
+                <c:ptCount val="2"/>
+                <c:pt idx="0">
+                  <c:v>2</c:v>
+                </c:pt>
+                <c:pt idx="1">
+                  <c:v>2</c:v>
+                </c:pt>
+              </c:numCache>
+            </c:numRef>
+          </c:val>
+          <c:extLst>
+            <c:ext xmlns:c16="http://schemas.microsoft.com/office/drawing/2014/chart" uri="{C3380CC4-5D6E-409C-BE32-E72D297353CC}">
+              <c16:uniqueId val="{00000001-6CDD-4EAE-93E4-10E3C957BD8F}"/>
+            </c:ext>
+          </c:extLst>
+        </c:ser>
+        <c:ser>
+          <c:idx val="2"/>
+          <c:order val="2"/>
+          <c:tx>
+            <c:strRef>
+              <c:f>'Programming Issues'!$B$36</c:f>
+              <c:strCache>
+                <c:ptCount val="1"/>
+                <c:pt idx="0">
+                  <c:v>Med-Q1</c:v>
+                </c:pt>
+              </c:strCache>
+            </c:strRef>
+          </c:tx>
+          <c:spPr>
+            <a:ln w="19050">
+              <a:solidFill>
+                <a:schemeClr val="tx1"/>
+              </a:solidFill>
+            </a:ln>
+          </c:spPr>
+          <c:invertIfNegative val="0"/>
+          <c:cat>
+            <c:strRef>
+              <c:f>'Programming Issues'!$C$33:$D$33</c:f>
+              <c:strCache>
+                <c:ptCount val="2"/>
+                <c:pt idx="0">
+                  <c:v>Duplo</c:v>
+                </c:pt>
+                <c:pt idx="1">
+                  <c:v>RSOY</c:v>
+                </c:pt>
+              </c:strCache>
+            </c:strRef>
+          </c:cat>
+          <c:val>
+            <c:numRef>
+              <c:f>'Programming Issues'!$C$36:$D$36</c:f>
+              <c:numCache>
+                <c:formatCode>General</c:formatCode>
+                <c:ptCount val="2"/>
+                <c:pt idx="0">
+                  <c:v>1</c:v>
+                </c:pt>
+                <c:pt idx="1">
+                  <c:v>3</c:v>
+                </c:pt>
+              </c:numCache>
+            </c:numRef>
+          </c:val>
+          <c:extLst>
+            <c:ext xmlns:c16="http://schemas.microsoft.com/office/drawing/2014/chart" uri="{C3380CC4-5D6E-409C-BE32-E72D297353CC}">
+              <c16:uniqueId val="{00000002-6CDD-4EAE-93E4-10E3C957BD8F}"/>
+            </c:ext>
+          </c:extLst>
+        </c:ser>
+        <c:ser>
+          <c:idx val="3"/>
+          <c:order val="3"/>
+          <c:tx>
+            <c:strRef>
+              <c:f>'Programming Issues'!$B$37</c:f>
+              <c:strCache>
+                <c:ptCount val="1"/>
+                <c:pt idx="0">
+                  <c:v>Q3-Med</c:v>
+                </c:pt>
+              </c:strCache>
+            </c:strRef>
+          </c:tx>
+          <c:spPr>
+            <a:ln w="19050">
+              <a:solidFill>
+                <a:schemeClr val="tx1"/>
+              </a:solidFill>
+            </a:ln>
+          </c:spPr>
+          <c:invertIfNegative val="0"/>
+          <c:dPt>
+            <c:idx val="0"/>
+            <c:invertIfNegative val="0"/>
+            <c:bubble3D val="0"/>
+            <c:spPr>
+              <a:solidFill>
+                <a:schemeClr val="accent4">
+                  <a:lumMod val="60000"/>
+                  <a:lumOff val="40000"/>
+                </a:schemeClr>
+              </a:solidFill>
+              <a:ln w="19050">
+                <a:solidFill>
+                  <a:schemeClr val="tx1"/>
+                </a:solidFill>
+              </a:ln>
+            </c:spPr>
+            <c:extLst>
+              <c:ext xmlns:c16="http://schemas.microsoft.com/office/drawing/2014/chart" uri="{C3380CC4-5D6E-409C-BE32-E72D297353CC}">
+                <c16:uniqueId val="{00000006-6CDD-4EAE-93E4-10E3C957BD8F}"/>
+              </c:ext>
+            </c:extLst>
+          </c:dPt>
+          <c:dPt>
+            <c:idx val="1"/>
+            <c:invertIfNegative val="0"/>
+            <c:bubble3D val="0"/>
+            <c:spPr>
+              <a:solidFill>
+                <a:schemeClr val="accent6">
+                  <a:lumMod val="60000"/>
+                  <a:lumOff val="40000"/>
+                </a:schemeClr>
+              </a:solidFill>
+              <a:ln w="19050">
+                <a:solidFill>
+                  <a:schemeClr val="tx1"/>
+                </a:solidFill>
+              </a:ln>
+            </c:spPr>
+            <c:extLst>
+              <c:ext xmlns:c16="http://schemas.microsoft.com/office/drawing/2014/chart" uri="{C3380CC4-5D6E-409C-BE32-E72D297353CC}">
+                <c16:uniqueId val="{00000005-6CDD-4EAE-93E4-10E3C957BD8F}"/>
+              </c:ext>
+            </c:extLst>
+          </c:dPt>
+          <c:errBars>
+            <c:errBarType val="plus"/>
+            <c:errValType val="cust"/>
+            <c:noEndCap val="0"/>
+            <c:plus>
+              <c:numRef>
+                <c:f>'Programming Issues'!$C$38:$D$38</c:f>
+                <c:numCache>
+                  <c:formatCode>General</c:formatCode>
+                  <c:ptCount val="2"/>
+                  <c:pt idx="0">
+                    <c:v>8</c:v>
+                  </c:pt>
+                  <c:pt idx="1">
+                    <c:v>12</c:v>
+                  </c:pt>
+                </c:numCache>
+              </c:numRef>
+            </c:plus>
+            <c:spPr>
+              <a:ln w="19050">
+                <a:solidFill>
+                  <a:schemeClr val="tx1"/>
+                </a:solidFill>
+              </a:ln>
+            </c:spPr>
+          </c:errBars>
+          <c:cat>
+            <c:strRef>
+              <c:f>'Programming Issues'!$C$33:$D$33</c:f>
+              <c:strCache>
+                <c:ptCount val="2"/>
+                <c:pt idx="0">
+                  <c:v>Duplo</c:v>
+                </c:pt>
+                <c:pt idx="1">
+                  <c:v>RSOY</c:v>
+                </c:pt>
+              </c:strCache>
+            </c:strRef>
+          </c:cat>
+          <c:val>
+            <c:numRef>
+              <c:f>'Programming Issues'!$C$37:$D$37</c:f>
+              <c:numCache>
+                <c:formatCode>General</c:formatCode>
+                <c:ptCount val="2"/>
+                <c:pt idx="0">
+                  <c:v>4</c:v>
+                </c:pt>
+                <c:pt idx="1">
+                  <c:v>3</c:v>
+                </c:pt>
+              </c:numCache>
+            </c:numRef>
+          </c:val>
+          <c:extLst>
+            <c:ext xmlns:c16="http://schemas.microsoft.com/office/drawing/2014/chart" uri="{C3380CC4-5D6E-409C-BE32-E72D297353CC}">
+              <c16:uniqueId val="{00000003-6CDD-4EAE-93E4-10E3C957BD8F}"/>
+            </c:ext>
+          </c:extLst>
+        </c:ser>
+        <c:dLbls>
+          <c:showLegendKey val="0"/>
+          <c:showVal val="0"/>
+          <c:showCatName val="0"/>
+          <c:showSerName val="0"/>
+          <c:showPercent val="0"/>
+          <c:showBubbleSize val="0"/>
+        </c:dLbls>
+        <c:gapWidth val="150"/>
+        <c:overlap val="100"/>
+        <c:axId val="1198167040"/>
+        <c:axId val="1176041392"/>
+      </c:barChart>
+      <c:scatterChart>
+        <c:scatterStyle val="lineMarker"/>
+        <c:varyColors val="0"/>
+        <c:ser>
+          <c:idx val="4"/>
+          <c:order val="4"/>
+          <c:tx>
+            <c:v>m</c:v>
+          </c:tx>
+          <c:spPr>
+            <a:ln w="19050">
+              <a:noFill/>
+            </a:ln>
+          </c:spPr>
+          <c:marker>
+            <c:symbol val="x"/>
+            <c:size val="5"/>
+            <c:spPr>
+              <a:ln w="19050">
+                <a:solidFill>
+                  <a:srgbClr val="000000"/>
+                </a:solidFill>
+                <a:prstDash val="solid"/>
+              </a:ln>
+            </c:spPr>
+          </c:marker>
+          <c:yVal>
+            <c:numRef>
+              <c:f>'Programming Issues'!$C$39:$D$39</c:f>
+              <c:numCache>
+                <c:formatCode>General</c:formatCode>
+                <c:ptCount val="2"/>
+                <c:pt idx="0">
+                  <c:v>4.72</c:v>
+                </c:pt>
+                <c:pt idx="1">
+                  <c:v>6.92</c:v>
+                </c:pt>
+              </c:numCache>
+            </c:numRef>
+          </c:yVal>
+          <c:smooth val="0"/>
+          <c:extLst>
+            <c:ext xmlns:c16="http://schemas.microsoft.com/office/drawing/2014/chart" uri="{C3380CC4-5D6E-409C-BE32-E72D297353CC}">
+              <c16:uniqueId val="{00000004-6CDD-4EAE-93E4-10E3C957BD8F}"/>
+            </c:ext>
+          </c:extLst>
+        </c:ser>
+        <c:dLbls>
+          <c:showLegendKey val="0"/>
+          <c:showVal val="0"/>
+          <c:showCatName val="0"/>
+          <c:showSerName val="0"/>
+          <c:showPercent val="0"/>
+          <c:showBubbleSize val="0"/>
+        </c:dLbls>
+        <c:axId val="1198167040"/>
+        <c:axId val="1176041392"/>
+      </c:scatterChart>
+      <c:catAx>
+        <c:axId val="1198167040"/>
+        <c:scaling>
+          <c:orientation val="minMax"/>
+        </c:scaling>
+        <c:delete val="0"/>
+        <c:axPos val="b"/>
+        <c:numFmt formatCode="General" sourceLinked="1"/>
+        <c:majorTickMark val="out"/>
+        <c:minorTickMark val="none"/>
+        <c:tickLblPos val="nextTo"/>
+        <c:crossAx val="1176041392"/>
+        <c:crosses val="autoZero"/>
+        <c:auto val="1"/>
+        <c:lblAlgn val="ctr"/>
+        <c:lblOffset val="100"/>
+        <c:noMultiLvlLbl val="0"/>
+      </c:catAx>
+      <c:valAx>
+        <c:axId val="1176041392"/>
+        <c:scaling>
+          <c:orientation val="minMax"/>
+          <c:max val="40"/>
+        </c:scaling>
+        <c:delete val="0"/>
+        <c:axPos val="l"/>
+        <c:majorGridlines/>
+        <c:numFmt formatCode="General" sourceLinked="1"/>
+        <c:majorTickMark val="out"/>
+        <c:minorTickMark val="none"/>
+        <c:tickLblPos val="nextTo"/>
+        <c:crossAx val="1198167040"/>
+        <c:crosses val="autoZero"/>
+        <c:crossBetween val="between"/>
+      </c:valAx>
+      <c:spPr>
+        <a:solidFill>
+          <a:schemeClr val="bg1">
+            <a:lumMod val="95000"/>
+          </a:schemeClr>
+        </a:solidFill>
+      </c:spPr>
+    </c:plotArea>
+    <c:plotVisOnly val="1"/>
+    <c:dispBlanksAs val="gap"/>
+    <c:extLst>
+      <c:ext xmlns:c16r3="http://schemas.microsoft.com/office/drawing/2017/03/chart" uri="{56B9EC1D-385E-4148-901F-78D8002777C0}">
+        <c16r3:dataDisplayOptions16>
+          <c16r3:dispNaAsBlank val="1"/>
+        </c16r3:dataDisplayOptions16>
+      </c:ext>
+    </c:extLst>
+    <c:showDLblsOverMax val="0"/>
+  </c:chart>
+  <c:txPr>
+    <a:bodyPr/>
+    <a:lstStyle/>
+    <a:p>
+      <a:pPr>
+        <a:defRPr sz="1200"/>
+      </a:pPr>
+      <a:endParaRPr lang="en-US"/>
+    </a:p>
+  </c:txPr>
+  <c:externalData r:id="rId1">
+    <c:autoUpdate val="0"/>
+  </c:externalData>
+</c:chartSpace>
 </file>
 
 <file path=ppt/slideLayouts/slideLayout1.xml><?xml version="1.0" encoding="utf-8"?>
@@ -126,13 +614,7 @@
       </p:grpSpPr>
       <p:sp>
         <p:nvSpPr>
-          <p:cNvPr id="2" name="Title 1">
-            <a:extLst>
-              <a:ext uri="{FF2B5EF4-FFF2-40B4-BE49-F238E27FC236}">
-                <a16:creationId xmlns:a16="http://schemas.microsoft.com/office/drawing/2014/main" id="{2ECE63BC-4BA6-42CA-9880-DE0C4BA7E54B}"/>
-              </a:ext>
-            </a:extLst>
-          </p:cNvPr>
+          <p:cNvPr id="2" name="Title 1"/>
           <p:cNvSpPr>
             <a:spLocks noGrp="1"/>
           </p:cNvSpPr>
@@ -142,15 +624,15 @@
         </p:nvSpPr>
         <p:spPr>
           <a:xfrm>
-            <a:off x="1524000" y="1122363"/>
-            <a:ext cx="9144000" cy="2387600"/>
+            <a:off x="171450" y="598593"/>
+            <a:ext cx="1943100" cy="1273387"/>
           </a:xfrm>
         </p:spPr>
         <p:txBody>
           <a:bodyPr anchor="b"/>
           <a:lstStyle>
             <a:lvl1pPr algn="ctr">
-              <a:defRPr sz="6000"/>
+              <a:defRPr sz="1500"/>
             </a:lvl1pPr>
           </a:lstStyle>
           <a:p>
@@ -158,18 +640,13 @@
               <a:rPr lang="en-US"/>
               <a:t>Click to edit Master title style</a:t>
             </a:r>
-          </a:p>
-        </p:txBody>
-      </p:sp>
-      <p:sp>
-        <p:nvSpPr>
-          <p:cNvPr id="3" name="Subtitle 2">
-            <a:extLst>
-              <a:ext uri="{FF2B5EF4-FFF2-40B4-BE49-F238E27FC236}">
-                <a16:creationId xmlns:a16="http://schemas.microsoft.com/office/drawing/2014/main" id="{6106F7F9-8A16-49E6-8D5D-1C383EBCC807}"/>
-              </a:ext>
-            </a:extLst>
-          </p:cNvPr>
+            <a:endParaRPr lang="en-US" dirty="0"/>
+          </a:p>
+        </p:txBody>
+      </p:sp>
+      <p:sp>
+        <p:nvSpPr>
+          <p:cNvPr id="3" name="Subtitle 2"/>
           <p:cNvSpPr>
             <a:spLocks noGrp="1"/>
           </p:cNvSpPr>
@@ -179,8 +656,8 @@
         </p:nvSpPr>
         <p:spPr>
           <a:xfrm>
-            <a:off x="1524000" y="3602038"/>
-            <a:ext cx="9144000" cy="1655762"/>
+            <a:off x="285750" y="1921087"/>
+            <a:ext cx="1714500" cy="883073"/>
           </a:xfrm>
         </p:spPr>
         <p:txBody>
@@ -188,39 +665,39 @@
           <a:lstStyle>
             <a:lvl1pPr marL="0" indent="0" algn="ctr">
               <a:buNone/>
-              <a:defRPr sz="2400"/>
+              <a:defRPr sz="600"/>
             </a:lvl1pPr>
-            <a:lvl2pPr marL="457200" indent="0" algn="ctr">
-              <a:buNone/>
-              <a:defRPr sz="2000"/>
+            <a:lvl2pPr marL="114300" indent="0" algn="ctr">
+              <a:buNone/>
+              <a:defRPr sz="500"/>
             </a:lvl2pPr>
-            <a:lvl3pPr marL="914400" indent="0" algn="ctr">
-              <a:buNone/>
-              <a:defRPr sz="1800"/>
+            <a:lvl3pPr marL="228600" indent="0" algn="ctr">
+              <a:buNone/>
+              <a:defRPr sz="450"/>
             </a:lvl3pPr>
-            <a:lvl4pPr marL="1371600" indent="0" algn="ctr">
-              <a:buNone/>
-              <a:defRPr sz="1600"/>
+            <a:lvl4pPr marL="342900" indent="0" algn="ctr">
+              <a:buNone/>
+              <a:defRPr sz="400"/>
             </a:lvl4pPr>
-            <a:lvl5pPr marL="1828800" indent="0" algn="ctr">
-              <a:buNone/>
-              <a:defRPr sz="1600"/>
+            <a:lvl5pPr marL="457200" indent="0" algn="ctr">
+              <a:buNone/>
+              <a:defRPr sz="400"/>
             </a:lvl5pPr>
-            <a:lvl6pPr marL="2286000" indent="0" algn="ctr">
-              <a:buNone/>
-              <a:defRPr sz="1600"/>
+            <a:lvl6pPr marL="571500" indent="0" algn="ctr">
+              <a:buNone/>
+              <a:defRPr sz="400"/>
             </a:lvl6pPr>
-            <a:lvl7pPr marL="2743200" indent="0" algn="ctr">
-              <a:buNone/>
-              <a:defRPr sz="1600"/>
+            <a:lvl7pPr marL="685800" indent="0" algn="ctr">
+              <a:buNone/>
+              <a:defRPr sz="400"/>
             </a:lvl7pPr>
-            <a:lvl8pPr marL="3200400" indent="0" algn="ctr">
-              <a:buNone/>
-              <a:defRPr sz="1600"/>
+            <a:lvl8pPr marL="800100" indent="0" algn="ctr">
+              <a:buNone/>
+              <a:defRPr sz="400"/>
             </a:lvl8pPr>
-            <a:lvl9pPr marL="3657600" indent="0" algn="ctr">
-              <a:buNone/>
-              <a:defRPr sz="1600"/>
+            <a:lvl9pPr marL="914400" indent="0" algn="ctr">
+              <a:buNone/>
+              <a:defRPr sz="400"/>
             </a:lvl9pPr>
           </a:lstStyle>
           <a:p>
@@ -228,18 +705,13 @@
               <a:rPr lang="en-US"/>
               <a:t>Click to edit Master subtitle style</a:t>
             </a:r>
-          </a:p>
-        </p:txBody>
-      </p:sp>
-      <p:sp>
-        <p:nvSpPr>
-          <p:cNvPr id="4" name="Date Placeholder 3">
-            <a:extLst>
-              <a:ext uri="{FF2B5EF4-FFF2-40B4-BE49-F238E27FC236}">
-                <a16:creationId xmlns:a16="http://schemas.microsoft.com/office/drawing/2014/main" id="{C1BF03B1-DD97-4F58-A38F-2D7881B490DC}"/>
-              </a:ext>
-            </a:extLst>
-          </p:cNvPr>
+            <a:endParaRPr lang="en-US" dirty="0"/>
+          </a:p>
+        </p:txBody>
+      </p:sp>
+      <p:sp>
+        <p:nvSpPr>
+          <p:cNvPr id="4" name="Date Placeholder 3"/>
           <p:cNvSpPr>
             <a:spLocks noGrp="1"/>
           </p:cNvSpPr>
@@ -262,13 +734,7 @@
       </p:sp>
       <p:sp>
         <p:nvSpPr>
-          <p:cNvPr id="5" name="Footer Placeholder 4">
-            <a:extLst>
-              <a:ext uri="{FF2B5EF4-FFF2-40B4-BE49-F238E27FC236}">
-                <a16:creationId xmlns:a16="http://schemas.microsoft.com/office/drawing/2014/main" id="{7D6F36F4-C573-4BD8-9519-7B5680A2D345}"/>
-              </a:ext>
-            </a:extLst>
-          </p:cNvPr>
+          <p:cNvPr id="5" name="Footer Placeholder 4"/>
           <p:cNvSpPr>
             <a:spLocks noGrp="1"/>
           </p:cNvSpPr>
@@ -287,13 +753,7 @@
       </p:sp>
       <p:sp>
         <p:nvSpPr>
-          <p:cNvPr id="6" name="Slide Number Placeholder 5">
-            <a:extLst>
-              <a:ext uri="{FF2B5EF4-FFF2-40B4-BE49-F238E27FC236}">
-                <a16:creationId xmlns:a16="http://schemas.microsoft.com/office/drawing/2014/main" id="{96495C7E-D1A2-4F4F-9AD1-50713BC3D05C}"/>
-              </a:ext>
-            </a:extLst>
-          </p:cNvPr>
+          <p:cNvPr id="6" name="Slide Number Placeholder 5"/>
           <p:cNvSpPr>
             <a:spLocks noGrp="1"/>
           </p:cNvSpPr>
@@ -317,7 +777,7 @@
     </p:spTree>
     <p:extLst>
       <p:ext uri="{BB962C8B-B14F-4D97-AF65-F5344CB8AC3E}">
-        <p14:creationId xmlns:p14="http://schemas.microsoft.com/office/powerpoint/2010/main" val="4187734138"/>
+        <p14:creationId xmlns:p14="http://schemas.microsoft.com/office/powerpoint/2010/main" val="1530688099"/>
       </p:ext>
     </p:extLst>
   </p:cSld>
@@ -346,13 +806,7 @@
       </p:grpSpPr>
       <p:sp>
         <p:nvSpPr>
-          <p:cNvPr id="2" name="Title 1">
-            <a:extLst>
-              <a:ext uri="{FF2B5EF4-FFF2-40B4-BE49-F238E27FC236}">
-                <a16:creationId xmlns:a16="http://schemas.microsoft.com/office/drawing/2014/main" id="{3BB458B7-BD52-4F9B-9D4C-A9AD946432E6}"/>
-              </a:ext>
-            </a:extLst>
-          </p:cNvPr>
+          <p:cNvPr id="2" name="Title 1"/>
           <p:cNvSpPr>
             <a:spLocks noGrp="1"/>
           </p:cNvSpPr>
@@ -369,18 +823,13 @@
               <a:rPr lang="en-US"/>
               <a:t>Click to edit Master title style</a:t>
             </a:r>
-          </a:p>
-        </p:txBody>
-      </p:sp>
-      <p:sp>
-        <p:nvSpPr>
-          <p:cNvPr id="3" name="Vertical Text Placeholder 2">
-            <a:extLst>
-              <a:ext uri="{FF2B5EF4-FFF2-40B4-BE49-F238E27FC236}">
-                <a16:creationId xmlns:a16="http://schemas.microsoft.com/office/drawing/2014/main" id="{26A4BEF0-7AC2-413B-8533-38AAF6F946C8}"/>
-              </a:ext>
-            </a:extLst>
-          </p:cNvPr>
+            <a:endParaRPr lang="en-US" dirty="0"/>
+          </a:p>
+        </p:txBody>
+      </p:sp>
+      <p:sp>
+        <p:nvSpPr>
+          <p:cNvPr id="3" name="Vertical Text Placeholder 2"/>
           <p:cNvSpPr>
             <a:spLocks noGrp="1"/>
           </p:cNvSpPr>
@@ -426,18 +875,13 @@
               <a:rPr lang="en-US"/>
               <a:t>Fifth level</a:t>
             </a:r>
-          </a:p>
-        </p:txBody>
-      </p:sp>
-      <p:sp>
-        <p:nvSpPr>
-          <p:cNvPr id="4" name="Date Placeholder 3">
-            <a:extLst>
-              <a:ext uri="{FF2B5EF4-FFF2-40B4-BE49-F238E27FC236}">
-                <a16:creationId xmlns:a16="http://schemas.microsoft.com/office/drawing/2014/main" id="{2A6A0F4E-44BE-43E3-9C50-961A6D33267D}"/>
-              </a:ext>
-            </a:extLst>
-          </p:cNvPr>
+            <a:endParaRPr lang="en-US" dirty="0"/>
+          </a:p>
+        </p:txBody>
+      </p:sp>
+      <p:sp>
+        <p:nvSpPr>
+          <p:cNvPr id="4" name="Date Placeholder 3"/>
           <p:cNvSpPr>
             <a:spLocks noGrp="1"/>
           </p:cNvSpPr>
@@ -460,13 +904,7 @@
       </p:sp>
       <p:sp>
         <p:nvSpPr>
-          <p:cNvPr id="5" name="Footer Placeholder 4">
-            <a:extLst>
-              <a:ext uri="{FF2B5EF4-FFF2-40B4-BE49-F238E27FC236}">
-                <a16:creationId xmlns:a16="http://schemas.microsoft.com/office/drawing/2014/main" id="{85101CF7-F4A8-4BB5-A1B2-B6F5BF12AED2}"/>
-              </a:ext>
-            </a:extLst>
-          </p:cNvPr>
+          <p:cNvPr id="5" name="Footer Placeholder 4"/>
           <p:cNvSpPr>
             <a:spLocks noGrp="1"/>
           </p:cNvSpPr>
@@ -485,13 +923,7 @@
       </p:sp>
       <p:sp>
         <p:nvSpPr>
-          <p:cNvPr id="6" name="Slide Number Placeholder 5">
-            <a:extLst>
-              <a:ext uri="{FF2B5EF4-FFF2-40B4-BE49-F238E27FC236}">
-                <a16:creationId xmlns:a16="http://schemas.microsoft.com/office/drawing/2014/main" id="{EECAB707-8CD4-492B-BA80-2FB00C7B22EC}"/>
-              </a:ext>
-            </a:extLst>
-          </p:cNvPr>
+          <p:cNvPr id="6" name="Slide Number Placeholder 5"/>
           <p:cNvSpPr>
             <a:spLocks noGrp="1"/>
           </p:cNvSpPr>
@@ -515,7 +947,7 @@
     </p:spTree>
     <p:extLst>
       <p:ext uri="{BB962C8B-B14F-4D97-AF65-F5344CB8AC3E}">
-        <p14:creationId xmlns:p14="http://schemas.microsoft.com/office/powerpoint/2010/main" val="263995078"/>
+        <p14:creationId xmlns:p14="http://schemas.microsoft.com/office/powerpoint/2010/main" val="2063032866"/>
       </p:ext>
     </p:extLst>
   </p:cSld>
@@ -544,13 +976,7 @@
       </p:grpSpPr>
       <p:sp>
         <p:nvSpPr>
-          <p:cNvPr id="2" name="Vertical Title 1">
-            <a:extLst>
-              <a:ext uri="{FF2B5EF4-FFF2-40B4-BE49-F238E27FC236}">
-                <a16:creationId xmlns:a16="http://schemas.microsoft.com/office/drawing/2014/main" id="{944BBCC2-49C9-4F5A-8978-34C4DC157B63}"/>
-              </a:ext>
-            </a:extLst>
-          </p:cNvPr>
+          <p:cNvPr id="2" name="Vertical Title 1"/>
           <p:cNvSpPr>
             <a:spLocks noGrp="1"/>
           </p:cNvSpPr>
@@ -560,8 +986,8 @@
         </p:nvSpPr>
         <p:spPr>
           <a:xfrm>
-            <a:off x="8724900" y="365125"/>
-            <a:ext cx="2628900" cy="5811838"/>
+            <a:off x="1635919" y="194733"/>
+            <a:ext cx="492919" cy="3099647"/>
           </a:xfrm>
         </p:spPr>
         <p:txBody>
@@ -572,18 +998,13 @@
               <a:rPr lang="en-US"/>
               <a:t>Click to edit Master title style</a:t>
             </a:r>
-          </a:p>
-        </p:txBody>
-      </p:sp>
-      <p:sp>
-        <p:nvSpPr>
-          <p:cNvPr id="3" name="Vertical Text Placeholder 2">
-            <a:extLst>
-              <a:ext uri="{FF2B5EF4-FFF2-40B4-BE49-F238E27FC236}">
-                <a16:creationId xmlns:a16="http://schemas.microsoft.com/office/drawing/2014/main" id="{8B941990-7475-44B2-A94F-D3C226D41BD6}"/>
-              </a:ext>
-            </a:extLst>
-          </p:cNvPr>
+            <a:endParaRPr lang="en-US" dirty="0"/>
+          </a:p>
+        </p:txBody>
+      </p:sp>
+      <p:sp>
+        <p:nvSpPr>
+          <p:cNvPr id="3" name="Vertical Text Placeholder 2"/>
           <p:cNvSpPr>
             <a:spLocks noGrp="1"/>
           </p:cNvSpPr>
@@ -593,8 +1014,8 @@
         </p:nvSpPr>
         <p:spPr>
           <a:xfrm>
-            <a:off x="838200" y="365125"/>
-            <a:ext cx="7734300" cy="5811838"/>
+            <a:off x="157163" y="194733"/>
+            <a:ext cx="1450181" cy="3099647"/>
           </a:xfrm>
         </p:spPr>
         <p:txBody>
@@ -634,18 +1055,13 @@
               <a:rPr lang="en-US"/>
               <a:t>Fifth level</a:t>
             </a:r>
-          </a:p>
-        </p:txBody>
-      </p:sp>
-      <p:sp>
-        <p:nvSpPr>
-          <p:cNvPr id="4" name="Date Placeholder 3">
-            <a:extLst>
-              <a:ext uri="{FF2B5EF4-FFF2-40B4-BE49-F238E27FC236}">
-                <a16:creationId xmlns:a16="http://schemas.microsoft.com/office/drawing/2014/main" id="{F3DFA6EF-1A15-4DCD-821B-3CC165568859}"/>
-              </a:ext>
-            </a:extLst>
-          </p:cNvPr>
+            <a:endParaRPr lang="en-US" dirty="0"/>
+          </a:p>
+        </p:txBody>
+      </p:sp>
+      <p:sp>
+        <p:nvSpPr>
+          <p:cNvPr id="4" name="Date Placeholder 3"/>
           <p:cNvSpPr>
             <a:spLocks noGrp="1"/>
           </p:cNvSpPr>
@@ -668,13 +1084,7 @@
       </p:sp>
       <p:sp>
         <p:nvSpPr>
-          <p:cNvPr id="5" name="Footer Placeholder 4">
-            <a:extLst>
-              <a:ext uri="{FF2B5EF4-FFF2-40B4-BE49-F238E27FC236}">
-                <a16:creationId xmlns:a16="http://schemas.microsoft.com/office/drawing/2014/main" id="{3CA20CB7-649E-4399-8620-781A171EF100}"/>
-              </a:ext>
-            </a:extLst>
-          </p:cNvPr>
+          <p:cNvPr id="5" name="Footer Placeholder 4"/>
           <p:cNvSpPr>
             <a:spLocks noGrp="1"/>
           </p:cNvSpPr>
@@ -693,13 +1103,7 @@
       </p:sp>
       <p:sp>
         <p:nvSpPr>
-          <p:cNvPr id="6" name="Slide Number Placeholder 5">
-            <a:extLst>
-              <a:ext uri="{FF2B5EF4-FFF2-40B4-BE49-F238E27FC236}">
-                <a16:creationId xmlns:a16="http://schemas.microsoft.com/office/drawing/2014/main" id="{506F6415-9F53-438F-BC9F-5DE65409013F}"/>
-              </a:ext>
-            </a:extLst>
-          </p:cNvPr>
+          <p:cNvPr id="6" name="Slide Number Placeholder 5"/>
           <p:cNvSpPr>
             <a:spLocks noGrp="1"/>
           </p:cNvSpPr>
@@ -723,7 +1127,7 @@
     </p:spTree>
     <p:extLst>
       <p:ext uri="{BB962C8B-B14F-4D97-AF65-F5344CB8AC3E}">
-        <p14:creationId xmlns:p14="http://schemas.microsoft.com/office/powerpoint/2010/main" val="88503721"/>
+        <p14:creationId xmlns:p14="http://schemas.microsoft.com/office/powerpoint/2010/main" val="2990557364"/>
       </p:ext>
     </p:extLst>
   </p:cSld>
@@ -752,13 +1156,7 @@
       </p:grpSpPr>
       <p:sp>
         <p:nvSpPr>
-          <p:cNvPr id="2" name="Title 1">
-            <a:extLst>
-              <a:ext uri="{FF2B5EF4-FFF2-40B4-BE49-F238E27FC236}">
-                <a16:creationId xmlns:a16="http://schemas.microsoft.com/office/drawing/2014/main" id="{FE8EDDA7-E097-4E48-9CD2-F0C9543CEA28}"/>
-              </a:ext>
-            </a:extLst>
-          </p:cNvPr>
+          <p:cNvPr id="2" name="Title 1"/>
           <p:cNvSpPr>
             <a:spLocks noGrp="1"/>
           </p:cNvSpPr>
@@ -775,18 +1173,13 @@
               <a:rPr lang="en-US"/>
               <a:t>Click to edit Master title style</a:t>
             </a:r>
-          </a:p>
-        </p:txBody>
-      </p:sp>
-      <p:sp>
-        <p:nvSpPr>
-          <p:cNvPr id="3" name="Content Placeholder 2">
-            <a:extLst>
-              <a:ext uri="{FF2B5EF4-FFF2-40B4-BE49-F238E27FC236}">
-                <a16:creationId xmlns:a16="http://schemas.microsoft.com/office/drawing/2014/main" id="{4A1DBE20-D2D7-4041-B944-88EB732A5571}"/>
-              </a:ext>
-            </a:extLst>
-          </p:cNvPr>
+            <a:endParaRPr lang="en-US" dirty="0"/>
+          </a:p>
+        </p:txBody>
+      </p:sp>
+      <p:sp>
+        <p:nvSpPr>
+          <p:cNvPr id="3" name="Content Placeholder 2"/>
           <p:cNvSpPr>
             <a:spLocks noGrp="1"/>
           </p:cNvSpPr>
@@ -832,18 +1225,13 @@
               <a:rPr lang="en-US"/>
               <a:t>Fifth level</a:t>
             </a:r>
-          </a:p>
-        </p:txBody>
-      </p:sp>
-      <p:sp>
-        <p:nvSpPr>
-          <p:cNvPr id="4" name="Date Placeholder 3">
-            <a:extLst>
-              <a:ext uri="{FF2B5EF4-FFF2-40B4-BE49-F238E27FC236}">
-                <a16:creationId xmlns:a16="http://schemas.microsoft.com/office/drawing/2014/main" id="{25A0C9C5-434D-4172-963C-19F9EE4E02D8}"/>
-              </a:ext>
-            </a:extLst>
-          </p:cNvPr>
+            <a:endParaRPr lang="en-US" dirty="0"/>
+          </a:p>
+        </p:txBody>
+      </p:sp>
+      <p:sp>
+        <p:nvSpPr>
+          <p:cNvPr id="4" name="Date Placeholder 3"/>
           <p:cNvSpPr>
             <a:spLocks noGrp="1"/>
           </p:cNvSpPr>
@@ -866,13 +1254,7 @@
       </p:sp>
       <p:sp>
         <p:nvSpPr>
-          <p:cNvPr id="5" name="Footer Placeholder 4">
-            <a:extLst>
-              <a:ext uri="{FF2B5EF4-FFF2-40B4-BE49-F238E27FC236}">
-                <a16:creationId xmlns:a16="http://schemas.microsoft.com/office/drawing/2014/main" id="{3363E788-FCA2-4FCF-BDDB-77819B9F16B2}"/>
-              </a:ext>
-            </a:extLst>
-          </p:cNvPr>
+          <p:cNvPr id="5" name="Footer Placeholder 4"/>
           <p:cNvSpPr>
             <a:spLocks noGrp="1"/>
           </p:cNvSpPr>
@@ -891,13 +1273,7 @@
       </p:sp>
       <p:sp>
         <p:nvSpPr>
-          <p:cNvPr id="6" name="Slide Number Placeholder 5">
-            <a:extLst>
-              <a:ext uri="{FF2B5EF4-FFF2-40B4-BE49-F238E27FC236}">
-                <a16:creationId xmlns:a16="http://schemas.microsoft.com/office/drawing/2014/main" id="{406B6361-322E-4853-B882-322C42254855}"/>
-              </a:ext>
-            </a:extLst>
-          </p:cNvPr>
+          <p:cNvPr id="6" name="Slide Number Placeholder 5"/>
           <p:cNvSpPr>
             <a:spLocks noGrp="1"/>
           </p:cNvSpPr>
@@ -921,7 +1297,7 @@
     </p:spTree>
     <p:extLst>
       <p:ext uri="{BB962C8B-B14F-4D97-AF65-F5344CB8AC3E}">
-        <p14:creationId xmlns:p14="http://schemas.microsoft.com/office/powerpoint/2010/main" val="2077373367"/>
+        <p14:creationId xmlns:p14="http://schemas.microsoft.com/office/powerpoint/2010/main" val="1056773184"/>
       </p:ext>
     </p:extLst>
   </p:cSld>
@@ -950,13 +1326,7 @@
       </p:grpSpPr>
       <p:sp>
         <p:nvSpPr>
-          <p:cNvPr id="2" name="Title 1">
-            <a:extLst>
-              <a:ext uri="{FF2B5EF4-FFF2-40B4-BE49-F238E27FC236}">
-                <a16:creationId xmlns:a16="http://schemas.microsoft.com/office/drawing/2014/main" id="{D94ECA9B-C82F-4E89-BC21-013F9ADE8AE0}"/>
-              </a:ext>
-            </a:extLst>
-          </p:cNvPr>
+          <p:cNvPr id="2" name="Title 1"/>
           <p:cNvSpPr>
             <a:spLocks noGrp="1"/>
           </p:cNvSpPr>
@@ -966,15 +1336,15 @@
         </p:nvSpPr>
         <p:spPr>
           <a:xfrm>
-            <a:off x="831850" y="1709738"/>
-            <a:ext cx="10515600" cy="2852737"/>
+            <a:off x="155972" y="911861"/>
+            <a:ext cx="1971675" cy="1521460"/>
           </a:xfrm>
         </p:spPr>
         <p:txBody>
           <a:bodyPr anchor="b"/>
           <a:lstStyle>
             <a:lvl1pPr>
-              <a:defRPr sz="6000"/>
+              <a:defRPr sz="1500"/>
             </a:lvl1pPr>
           </a:lstStyle>
           <a:p>
@@ -982,18 +1352,13 @@
               <a:rPr lang="en-US"/>
               <a:t>Click to edit Master title style</a:t>
             </a:r>
-          </a:p>
-        </p:txBody>
-      </p:sp>
-      <p:sp>
-        <p:nvSpPr>
-          <p:cNvPr id="3" name="Text Placeholder 2">
-            <a:extLst>
-              <a:ext uri="{FF2B5EF4-FFF2-40B4-BE49-F238E27FC236}">
-                <a16:creationId xmlns:a16="http://schemas.microsoft.com/office/drawing/2014/main" id="{4A070607-F2B9-4006-9E9E-3323B26136AE}"/>
-              </a:ext>
-            </a:extLst>
-          </p:cNvPr>
+            <a:endParaRPr lang="en-US" dirty="0"/>
+          </a:p>
+        </p:txBody>
+      </p:sp>
+      <p:sp>
+        <p:nvSpPr>
+          <p:cNvPr id="3" name="Text Placeholder 2"/>
           <p:cNvSpPr>
             <a:spLocks noGrp="1"/>
           </p:cNvSpPr>
@@ -1003,8 +1368,8 @@
         </p:nvSpPr>
         <p:spPr>
           <a:xfrm>
-            <a:off x="831850" y="4589463"/>
-            <a:ext cx="10515600" cy="1500187"/>
+            <a:off x="155972" y="2447714"/>
+            <a:ext cx="1971675" cy="800100"/>
           </a:xfrm>
         </p:spPr>
         <p:txBody>
@@ -1012,17 +1377,15 @@
           <a:lstStyle>
             <a:lvl1pPr marL="0" indent="0">
               <a:buNone/>
-              <a:defRPr sz="2400">
+              <a:defRPr sz="600">
                 <a:solidFill>
-                  <a:schemeClr val="tx1">
-                    <a:tint val="75000"/>
-                  </a:schemeClr>
+                  <a:schemeClr val="tx1"/>
                 </a:solidFill>
               </a:defRPr>
             </a:lvl1pPr>
-            <a:lvl2pPr marL="457200" indent="0">
-              <a:buNone/>
-              <a:defRPr sz="2000">
+            <a:lvl2pPr marL="114300" indent="0">
+              <a:buNone/>
+              <a:defRPr sz="500">
                 <a:solidFill>
                   <a:schemeClr val="tx1">
                     <a:tint val="75000"/>
@@ -1030,9 +1393,9 @@
                 </a:solidFill>
               </a:defRPr>
             </a:lvl2pPr>
-            <a:lvl3pPr marL="914400" indent="0">
-              <a:buNone/>
-              <a:defRPr sz="1800">
+            <a:lvl3pPr marL="228600" indent="0">
+              <a:buNone/>
+              <a:defRPr sz="450">
                 <a:solidFill>
                   <a:schemeClr val="tx1">
                     <a:tint val="75000"/>
@@ -1040,9 +1403,9 @@
                 </a:solidFill>
               </a:defRPr>
             </a:lvl3pPr>
-            <a:lvl4pPr marL="1371600" indent="0">
-              <a:buNone/>
-              <a:defRPr sz="1600">
+            <a:lvl4pPr marL="342900" indent="0">
+              <a:buNone/>
+              <a:defRPr sz="400">
                 <a:solidFill>
                   <a:schemeClr val="tx1">
                     <a:tint val="75000"/>
@@ -1050,9 +1413,9 @@
                 </a:solidFill>
               </a:defRPr>
             </a:lvl4pPr>
-            <a:lvl5pPr marL="1828800" indent="0">
-              <a:buNone/>
-              <a:defRPr sz="1600">
+            <a:lvl5pPr marL="457200" indent="0">
+              <a:buNone/>
+              <a:defRPr sz="400">
                 <a:solidFill>
                   <a:schemeClr val="tx1">
                     <a:tint val="75000"/>
@@ -1060,9 +1423,9 @@
                 </a:solidFill>
               </a:defRPr>
             </a:lvl5pPr>
-            <a:lvl6pPr marL="2286000" indent="0">
-              <a:buNone/>
-              <a:defRPr sz="1600">
+            <a:lvl6pPr marL="571500" indent="0">
+              <a:buNone/>
+              <a:defRPr sz="400">
                 <a:solidFill>
                   <a:schemeClr val="tx1">
                     <a:tint val="75000"/>
@@ -1070,9 +1433,9 @@
                 </a:solidFill>
               </a:defRPr>
             </a:lvl6pPr>
-            <a:lvl7pPr marL="2743200" indent="0">
-              <a:buNone/>
-              <a:defRPr sz="1600">
+            <a:lvl7pPr marL="685800" indent="0">
+              <a:buNone/>
+              <a:defRPr sz="400">
                 <a:solidFill>
                   <a:schemeClr val="tx1">
                     <a:tint val="75000"/>
@@ -1080,9 +1443,9 @@
                 </a:solidFill>
               </a:defRPr>
             </a:lvl7pPr>
-            <a:lvl8pPr marL="3200400" indent="0">
-              <a:buNone/>
-              <a:defRPr sz="1600">
+            <a:lvl8pPr marL="800100" indent="0">
+              <a:buNone/>
+              <a:defRPr sz="400">
                 <a:solidFill>
                   <a:schemeClr val="tx1">
                     <a:tint val="75000"/>
@@ -1090,9 +1453,9 @@
                 </a:solidFill>
               </a:defRPr>
             </a:lvl8pPr>
-            <a:lvl9pPr marL="3657600" indent="0">
-              <a:buNone/>
-              <a:defRPr sz="1600">
+            <a:lvl9pPr marL="914400" indent="0">
+              <a:buNone/>
+              <a:defRPr sz="400">
                 <a:solidFill>
                   <a:schemeClr val="tx1">
                     <a:tint val="75000"/>
@@ -1112,13 +1475,7 @@
       </p:sp>
       <p:sp>
         <p:nvSpPr>
-          <p:cNvPr id="4" name="Date Placeholder 3">
-            <a:extLst>
-              <a:ext uri="{FF2B5EF4-FFF2-40B4-BE49-F238E27FC236}">
-                <a16:creationId xmlns:a16="http://schemas.microsoft.com/office/drawing/2014/main" id="{D7B6C862-8A08-4C02-B174-A23DFBF92D3B}"/>
-              </a:ext>
-            </a:extLst>
-          </p:cNvPr>
+          <p:cNvPr id="4" name="Date Placeholder 3"/>
           <p:cNvSpPr>
             <a:spLocks noGrp="1"/>
           </p:cNvSpPr>
@@ -1141,13 +1498,7 @@
       </p:sp>
       <p:sp>
         <p:nvSpPr>
-          <p:cNvPr id="5" name="Footer Placeholder 4">
-            <a:extLst>
-              <a:ext uri="{FF2B5EF4-FFF2-40B4-BE49-F238E27FC236}">
-                <a16:creationId xmlns:a16="http://schemas.microsoft.com/office/drawing/2014/main" id="{0B9C4FB9-E5A3-4F04-B417-38CF79ED44BB}"/>
-              </a:ext>
-            </a:extLst>
-          </p:cNvPr>
+          <p:cNvPr id="5" name="Footer Placeholder 4"/>
           <p:cNvSpPr>
             <a:spLocks noGrp="1"/>
           </p:cNvSpPr>
@@ -1166,13 +1517,7 @@
       </p:sp>
       <p:sp>
         <p:nvSpPr>
-          <p:cNvPr id="6" name="Slide Number Placeholder 5">
-            <a:extLst>
-              <a:ext uri="{FF2B5EF4-FFF2-40B4-BE49-F238E27FC236}">
-                <a16:creationId xmlns:a16="http://schemas.microsoft.com/office/drawing/2014/main" id="{9944A388-5FDB-4B7A-BA6E-2C4EC352E821}"/>
-              </a:ext>
-            </a:extLst>
-          </p:cNvPr>
+          <p:cNvPr id="6" name="Slide Number Placeholder 5"/>
           <p:cNvSpPr>
             <a:spLocks noGrp="1"/>
           </p:cNvSpPr>
@@ -1196,7 +1541,7 @@
     </p:spTree>
     <p:extLst>
       <p:ext uri="{BB962C8B-B14F-4D97-AF65-F5344CB8AC3E}">
-        <p14:creationId xmlns:p14="http://schemas.microsoft.com/office/powerpoint/2010/main" val="3795965160"/>
+        <p14:creationId xmlns:p14="http://schemas.microsoft.com/office/powerpoint/2010/main" val="3878816328"/>
       </p:ext>
     </p:extLst>
   </p:cSld>
@@ -1225,13 +1570,7 @@
       </p:grpSpPr>
       <p:sp>
         <p:nvSpPr>
-          <p:cNvPr id="2" name="Title 1">
-            <a:extLst>
-              <a:ext uri="{FF2B5EF4-FFF2-40B4-BE49-F238E27FC236}">
-                <a16:creationId xmlns:a16="http://schemas.microsoft.com/office/drawing/2014/main" id="{ED9B9764-2870-494E-B3F8-CD041FDA7598}"/>
-              </a:ext>
-            </a:extLst>
-          </p:cNvPr>
+          <p:cNvPr id="2" name="Title 1"/>
           <p:cNvSpPr>
             <a:spLocks noGrp="1"/>
           </p:cNvSpPr>
@@ -1248,18 +1587,13 @@
               <a:rPr lang="en-US"/>
               <a:t>Click to edit Master title style</a:t>
             </a:r>
-          </a:p>
-        </p:txBody>
-      </p:sp>
-      <p:sp>
-        <p:nvSpPr>
-          <p:cNvPr id="3" name="Content Placeholder 2">
-            <a:extLst>
-              <a:ext uri="{FF2B5EF4-FFF2-40B4-BE49-F238E27FC236}">
-                <a16:creationId xmlns:a16="http://schemas.microsoft.com/office/drawing/2014/main" id="{DBD3764F-F5A4-4F6B-9042-040D94AC9936}"/>
-              </a:ext>
-            </a:extLst>
-          </p:cNvPr>
+            <a:endParaRPr lang="en-US" dirty="0"/>
+          </a:p>
+        </p:txBody>
+      </p:sp>
+      <p:sp>
+        <p:nvSpPr>
+          <p:cNvPr id="3" name="Content Placeholder 2"/>
           <p:cNvSpPr>
             <a:spLocks noGrp="1"/>
           </p:cNvSpPr>
@@ -1269,8 +1603,8 @@
         </p:nvSpPr>
         <p:spPr>
           <a:xfrm>
-            <a:off x="838200" y="1825625"/>
-            <a:ext cx="5181600" cy="4351338"/>
+            <a:off x="157163" y="973666"/>
+            <a:ext cx="971550" cy="2320714"/>
           </a:xfrm>
         </p:spPr>
         <p:txBody>
@@ -1310,18 +1644,13 @@
               <a:rPr lang="en-US"/>
               <a:t>Fifth level</a:t>
             </a:r>
-          </a:p>
-        </p:txBody>
-      </p:sp>
-      <p:sp>
-        <p:nvSpPr>
-          <p:cNvPr id="4" name="Content Placeholder 3">
-            <a:extLst>
-              <a:ext uri="{FF2B5EF4-FFF2-40B4-BE49-F238E27FC236}">
-                <a16:creationId xmlns:a16="http://schemas.microsoft.com/office/drawing/2014/main" id="{FD9DBF28-16F3-4E61-B721-C08AEC8A6058}"/>
-              </a:ext>
-            </a:extLst>
-          </p:cNvPr>
+            <a:endParaRPr lang="en-US" dirty="0"/>
+          </a:p>
+        </p:txBody>
+      </p:sp>
+      <p:sp>
+        <p:nvSpPr>
+          <p:cNvPr id="4" name="Content Placeholder 3"/>
           <p:cNvSpPr>
             <a:spLocks noGrp="1"/>
           </p:cNvSpPr>
@@ -1331,8 +1660,8 @@
         </p:nvSpPr>
         <p:spPr>
           <a:xfrm>
-            <a:off x="6172200" y="1825625"/>
-            <a:ext cx="5181600" cy="4351338"/>
+            <a:off x="1157288" y="973666"/>
+            <a:ext cx="971550" cy="2320714"/>
           </a:xfrm>
         </p:spPr>
         <p:txBody>
@@ -1372,18 +1701,13 @@
               <a:rPr lang="en-US"/>
               <a:t>Fifth level</a:t>
             </a:r>
-          </a:p>
-        </p:txBody>
-      </p:sp>
-      <p:sp>
-        <p:nvSpPr>
-          <p:cNvPr id="5" name="Date Placeholder 4">
-            <a:extLst>
-              <a:ext uri="{FF2B5EF4-FFF2-40B4-BE49-F238E27FC236}">
-                <a16:creationId xmlns:a16="http://schemas.microsoft.com/office/drawing/2014/main" id="{B1B6A392-4A66-41FF-B2FA-C043572D009C}"/>
-              </a:ext>
-            </a:extLst>
-          </p:cNvPr>
+            <a:endParaRPr lang="en-US" dirty="0"/>
+          </a:p>
+        </p:txBody>
+      </p:sp>
+      <p:sp>
+        <p:nvSpPr>
+          <p:cNvPr id="5" name="Date Placeholder 4"/>
           <p:cNvSpPr>
             <a:spLocks noGrp="1"/>
           </p:cNvSpPr>
@@ -1406,13 +1730,7 @@
       </p:sp>
       <p:sp>
         <p:nvSpPr>
-          <p:cNvPr id="6" name="Footer Placeholder 5">
-            <a:extLst>
-              <a:ext uri="{FF2B5EF4-FFF2-40B4-BE49-F238E27FC236}">
-                <a16:creationId xmlns:a16="http://schemas.microsoft.com/office/drawing/2014/main" id="{1FC97911-C1AE-463B-87F0-44CA5E98EAA3}"/>
-              </a:ext>
-            </a:extLst>
-          </p:cNvPr>
+          <p:cNvPr id="6" name="Footer Placeholder 5"/>
           <p:cNvSpPr>
             <a:spLocks noGrp="1"/>
           </p:cNvSpPr>
@@ -1431,13 +1749,7 @@
       </p:sp>
       <p:sp>
         <p:nvSpPr>
-          <p:cNvPr id="7" name="Slide Number Placeholder 6">
-            <a:extLst>
-              <a:ext uri="{FF2B5EF4-FFF2-40B4-BE49-F238E27FC236}">
-                <a16:creationId xmlns:a16="http://schemas.microsoft.com/office/drawing/2014/main" id="{B51B5516-FD9F-457E-988F-04C83A6C8E77}"/>
-              </a:ext>
-            </a:extLst>
-          </p:cNvPr>
+          <p:cNvPr id="7" name="Slide Number Placeholder 6"/>
           <p:cNvSpPr>
             <a:spLocks noGrp="1"/>
           </p:cNvSpPr>
@@ -1461,7 +1773,7 @@
     </p:spTree>
     <p:extLst>
       <p:ext uri="{BB962C8B-B14F-4D97-AF65-F5344CB8AC3E}">
-        <p14:creationId xmlns:p14="http://schemas.microsoft.com/office/powerpoint/2010/main" val="166645310"/>
+        <p14:creationId xmlns:p14="http://schemas.microsoft.com/office/powerpoint/2010/main" val="1083796028"/>
       </p:ext>
     </p:extLst>
   </p:cSld>
@@ -1490,13 +1802,7 @@
       </p:grpSpPr>
       <p:sp>
         <p:nvSpPr>
-          <p:cNvPr id="2" name="Title 1">
-            <a:extLst>
-              <a:ext uri="{FF2B5EF4-FFF2-40B4-BE49-F238E27FC236}">
-                <a16:creationId xmlns:a16="http://schemas.microsoft.com/office/drawing/2014/main" id="{20403561-6F6C-49EE-BBB1-DA1A8DDE545A}"/>
-              </a:ext>
-            </a:extLst>
-          </p:cNvPr>
+          <p:cNvPr id="2" name="Title 1"/>
           <p:cNvSpPr>
             <a:spLocks noGrp="1"/>
           </p:cNvSpPr>
@@ -1506,8 +1812,8 @@
         </p:nvSpPr>
         <p:spPr>
           <a:xfrm>
-            <a:off x="839788" y="365125"/>
-            <a:ext cx="10515600" cy="1325563"/>
+            <a:off x="157460" y="194734"/>
+            <a:ext cx="1971675" cy="706967"/>
           </a:xfrm>
         </p:spPr>
         <p:txBody>
@@ -1518,18 +1824,13 @@
               <a:rPr lang="en-US"/>
               <a:t>Click to edit Master title style</a:t>
             </a:r>
-          </a:p>
-        </p:txBody>
-      </p:sp>
-      <p:sp>
-        <p:nvSpPr>
-          <p:cNvPr id="3" name="Text Placeholder 2">
-            <a:extLst>
-              <a:ext uri="{FF2B5EF4-FFF2-40B4-BE49-F238E27FC236}">
-                <a16:creationId xmlns:a16="http://schemas.microsoft.com/office/drawing/2014/main" id="{0029B3A5-2812-4C46-A239-5E1841938161}"/>
-              </a:ext>
-            </a:extLst>
-          </p:cNvPr>
+            <a:endParaRPr lang="en-US" dirty="0"/>
+          </a:p>
+        </p:txBody>
+      </p:sp>
+      <p:sp>
+        <p:nvSpPr>
+          <p:cNvPr id="3" name="Text Placeholder 2"/>
           <p:cNvSpPr>
             <a:spLocks noGrp="1"/>
           </p:cNvSpPr>
@@ -1539,8 +1840,8 @@
         </p:nvSpPr>
         <p:spPr>
           <a:xfrm>
-            <a:off x="839788" y="1681163"/>
-            <a:ext cx="5157787" cy="823912"/>
+            <a:off x="157461" y="896620"/>
+            <a:ext cx="967085" cy="439420"/>
           </a:xfrm>
         </p:spPr>
         <p:txBody>
@@ -1548,39 +1849,39 @@
           <a:lstStyle>
             <a:lvl1pPr marL="0" indent="0">
               <a:buNone/>
-              <a:defRPr sz="2400" b="1"/>
+              <a:defRPr sz="600" b="1"/>
             </a:lvl1pPr>
-            <a:lvl2pPr marL="457200" indent="0">
-              <a:buNone/>
-              <a:defRPr sz="2000" b="1"/>
+            <a:lvl2pPr marL="114300" indent="0">
+              <a:buNone/>
+              <a:defRPr sz="500" b="1"/>
             </a:lvl2pPr>
-            <a:lvl3pPr marL="914400" indent="0">
-              <a:buNone/>
-              <a:defRPr sz="1800" b="1"/>
+            <a:lvl3pPr marL="228600" indent="0">
+              <a:buNone/>
+              <a:defRPr sz="450" b="1"/>
             </a:lvl3pPr>
-            <a:lvl4pPr marL="1371600" indent="0">
-              <a:buNone/>
-              <a:defRPr sz="1600" b="1"/>
+            <a:lvl4pPr marL="342900" indent="0">
+              <a:buNone/>
+              <a:defRPr sz="400" b="1"/>
             </a:lvl4pPr>
-            <a:lvl5pPr marL="1828800" indent="0">
-              <a:buNone/>
-              <a:defRPr sz="1600" b="1"/>
+            <a:lvl5pPr marL="457200" indent="0">
+              <a:buNone/>
+              <a:defRPr sz="400" b="1"/>
             </a:lvl5pPr>
-            <a:lvl6pPr marL="2286000" indent="0">
-              <a:buNone/>
-              <a:defRPr sz="1600" b="1"/>
+            <a:lvl6pPr marL="571500" indent="0">
+              <a:buNone/>
+              <a:defRPr sz="400" b="1"/>
             </a:lvl6pPr>
-            <a:lvl7pPr marL="2743200" indent="0">
-              <a:buNone/>
-              <a:defRPr sz="1600" b="1"/>
+            <a:lvl7pPr marL="685800" indent="0">
+              <a:buNone/>
+              <a:defRPr sz="400" b="1"/>
             </a:lvl7pPr>
-            <a:lvl8pPr marL="3200400" indent="0">
-              <a:buNone/>
-              <a:defRPr sz="1600" b="1"/>
+            <a:lvl8pPr marL="800100" indent="0">
+              <a:buNone/>
+              <a:defRPr sz="400" b="1"/>
             </a:lvl8pPr>
-            <a:lvl9pPr marL="3657600" indent="0">
-              <a:buNone/>
-              <a:defRPr sz="1600" b="1"/>
+            <a:lvl9pPr marL="914400" indent="0">
+              <a:buNone/>
+              <a:defRPr sz="400" b="1"/>
             </a:lvl9pPr>
           </a:lstStyle>
           <a:p>
@@ -1594,13 +1895,7 @@
       </p:sp>
       <p:sp>
         <p:nvSpPr>
-          <p:cNvPr id="4" name="Content Placeholder 3">
-            <a:extLst>
-              <a:ext uri="{FF2B5EF4-FFF2-40B4-BE49-F238E27FC236}">
-                <a16:creationId xmlns:a16="http://schemas.microsoft.com/office/drawing/2014/main" id="{2E61E2B8-B317-4604-B96F-8E9A9216EF98}"/>
-              </a:ext>
-            </a:extLst>
-          </p:cNvPr>
+          <p:cNvPr id="4" name="Content Placeholder 3"/>
           <p:cNvSpPr>
             <a:spLocks noGrp="1"/>
           </p:cNvSpPr>
@@ -1610,8 +1905,8 @@
         </p:nvSpPr>
         <p:spPr>
           <a:xfrm>
-            <a:off x="839788" y="2505075"/>
-            <a:ext cx="5157787" cy="3684588"/>
+            <a:off x="157461" y="1336040"/>
+            <a:ext cx="967085" cy="1965114"/>
           </a:xfrm>
         </p:spPr>
         <p:txBody>
@@ -1651,18 +1946,13 @@
               <a:rPr lang="en-US"/>
               <a:t>Fifth level</a:t>
             </a:r>
-          </a:p>
-        </p:txBody>
-      </p:sp>
-      <p:sp>
-        <p:nvSpPr>
-          <p:cNvPr id="5" name="Text Placeholder 4">
-            <a:extLst>
-              <a:ext uri="{FF2B5EF4-FFF2-40B4-BE49-F238E27FC236}">
-                <a16:creationId xmlns:a16="http://schemas.microsoft.com/office/drawing/2014/main" id="{FDE10225-4664-4111-9DCA-4E16C1FD1D84}"/>
-              </a:ext>
-            </a:extLst>
-          </p:cNvPr>
+            <a:endParaRPr lang="en-US" dirty="0"/>
+          </a:p>
+        </p:txBody>
+      </p:sp>
+      <p:sp>
+        <p:nvSpPr>
+          <p:cNvPr id="5" name="Text Placeholder 4"/>
           <p:cNvSpPr>
             <a:spLocks noGrp="1"/>
           </p:cNvSpPr>
@@ -1672,8 +1962,8 @@
         </p:nvSpPr>
         <p:spPr>
           <a:xfrm>
-            <a:off x="6172200" y="1681163"/>
-            <a:ext cx="5183188" cy="823912"/>
+            <a:off x="1157288" y="896620"/>
+            <a:ext cx="971848" cy="439420"/>
           </a:xfrm>
         </p:spPr>
         <p:txBody>
@@ -1681,39 +1971,39 @@
           <a:lstStyle>
             <a:lvl1pPr marL="0" indent="0">
               <a:buNone/>
-              <a:defRPr sz="2400" b="1"/>
+              <a:defRPr sz="600" b="1"/>
             </a:lvl1pPr>
-            <a:lvl2pPr marL="457200" indent="0">
-              <a:buNone/>
-              <a:defRPr sz="2000" b="1"/>
+            <a:lvl2pPr marL="114300" indent="0">
+              <a:buNone/>
+              <a:defRPr sz="500" b="1"/>
             </a:lvl2pPr>
-            <a:lvl3pPr marL="914400" indent="0">
-              <a:buNone/>
-              <a:defRPr sz="1800" b="1"/>
+            <a:lvl3pPr marL="228600" indent="0">
+              <a:buNone/>
+              <a:defRPr sz="450" b="1"/>
             </a:lvl3pPr>
-            <a:lvl4pPr marL="1371600" indent="0">
-              <a:buNone/>
-              <a:defRPr sz="1600" b="1"/>
+            <a:lvl4pPr marL="342900" indent="0">
+              <a:buNone/>
+              <a:defRPr sz="400" b="1"/>
             </a:lvl4pPr>
-            <a:lvl5pPr marL="1828800" indent="0">
-              <a:buNone/>
-              <a:defRPr sz="1600" b="1"/>
+            <a:lvl5pPr marL="457200" indent="0">
+              <a:buNone/>
+              <a:defRPr sz="400" b="1"/>
             </a:lvl5pPr>
-            <a:lvl6pPr marL="2286000" indent="0">
-              <a:buNone/>
-              <a:defRPr sz="1600" b="1"/>
+            <a:lvl6pPr marL="571500" indent="0">
+              <a:buNone/>
+              <a:defRPr sz="400" b="1"/>
             </a:lvl6pPr>
-            <a:lvl7pPr marL="2743200" indent="0">
-              <a:buNone/>
-              <a:defRPr sz="1600" b="1"/>
+            <a:lvl7pPr marL="685800" indent="0">
+              <a:buNone/>
+              <a:defRPr sz="400" b="1"/>
             </a:lvl7pPr>
-            <a:lvl8pPr marL="3200400" indent="0">
-              <a:buNone/>
-              <a:defRPr sz="1600" b="1"/>
+            <a:lvl8pPr marL="800100" indent="0">
+              <a:buNone/>
+              <a:defRPr sz="400" b="1"/>
             </a:lvl8pPr>
-            <a:lvl9pPr marL="3657600" indent="0">
-              <a:buNone/>
-              <a:defRPr sz="1600" b="1"/>
+            <a:lvl9pPr marL="914400" indent="0">
+              <a:buNone/>
+              <a:defRPr sz="400" b="1"/>
             </a:lvl9pPr>
           </a:lstStyle>
           <a:p>
@@ -1727,13 +2017,7 @@
       </p:sp>
       <p:sp>
         <p:nvSpPr>
-          <p:cNvPr id="6" name="Content Placeholder 5">
-            <a:extLst>
-              <a:ext uri="{FF2B5EF4-FFF2-40B4-BE49-F238E27FC236}">
-                <a16:creationId xmlns:a16="http://schemas.microsoft.com/office/drawing/2014/main" id="{2E7BEEBD-F552-45DC-BD9E-DD8D504650E5}"/>
-              </a:ext>
-            </a:extLst>
-          </p:cNvPr>
+          <p:cNvPr id="6" name="Content Placeholder 5"/>
           <p:cNvSpPr>
             <a:spLocks noGrp="1"/>
           </p:cNvSpPr>
@@ -1743,8 +2027,8 @@
         </p:nvSpPr>
         <p:spPr>
           <a:xfrm>
-            <a:off x="6172200" y="2505075"/>
-            <a:ext cx="5183188" cy="3684588"/>
+            <a:off x="1157288" y="1336040"/>
+            <a:ext cx="971848" cy="1965114"/>
           </a:xfrm>
         </p:spPr>
         <p:txBody>
@@ -1784,18 +2068,13 @@
               <a:rPr lang="en-US"/>
               <a:t>Fifth level</a:t>
             </a:r>
-          </a:p>
-        </p:txBody>
-      </p:sp>
-      <p:sp>
-        <p:nvSpPr>
-          <p:cNvPr id="7" name="Date Placeholder 6">
-            <a:extLst>
-              <a:ext uri="{FF2B5EF4-FFF2-40B4-BE49-F238E27FC236}">
-                <a16:creationId xmlns:a16="http://schemas.microsoft.com/office/drawing/2014/main" id="{B09B0F81-DE08-4011-A3AB-AB36EA986108}"/>
-              </a:ext>
-            </a:extLst>
-          </p:cNvPr>
+            <a:endParaRPr lang="en-US" dirty="0"/>
+          </a:p>
+        </p:txBody>
+      </p:sp>
+      <p:sp>
+        <p:nvSpPr>
+          <p:cNvPr id="7" name="Date Placeholder 6"/>
           <p:cNvSpPr>
             <a:spLocks noGrp="1"/>
           </p:cNvSpPr>
@@ -1818,13 +2097,7 @@
       </p:sp>
       <p:sp>
         <p:nvSpPr>
-          <p:cNvPr id="8" name="Footer Placeholder 7">
-            <a:extLst>
-              <a:ext uri="{FF2B5EF4-FFF2-40B4-BE49-F238E27FC236}">
-                <a16:creationId xmlns:a16="http://schemas.microsoft.com/office/drawing/2014/main" id="{887BD591-46B0-4C79-8302-4177D7C20674}"/>
-              </a:ext>
-            </a:extLst>
-          </p:cNvPr>
+          <p:cNvPr id="8" name="Footer Placeholder 7"/>
           <p:cNvSpPr>
             <a:spLocks noGrp="1"/>
           </p:cNvSpPr>
@@ -1843,13 +2116,7 @@
       </p:sp>
       <p:sp>
         <p:nvSpPr>
-          <p:cNvPr id="9" name="Slide Number Placeholder 8">
-            <a:extLst>
-              <a:ext uri="{FF2B5EF4-FFF2-40B4-BE49-F238E27FC236}">
-                <a16:creationId xmlns:a16="http://schemas.microsoft.com/office/drawing/2014/main" id="{BE19C8EE-8546-440D-A4CB-91F5967924EB}"/>
-              </a:ext>
-            </a:extLst>
-          </p:cNvPr>
+          <p:cNvPr id="9" name="Slide Number Placeholder 8"/>
           <p:cNvSpPr>
             <a:spLocks noGrp="1"/>
           </p:cNvSpPr>
@@ -1873,7 +2140,7 @@
     </p:spTree>
     <p:extLst>
       <p:ext uri="{BB962C8B-B14F-4D97-AF65-F5344CB8AC3E}">
-        <p14:creationId xmlns:p14="http://schemas.microsoft.com/office/powerpoint/2010/main" val="4192473673"/>
+        <p14:creationId xmlns:p14="http://schemas.microsoft.com/office/powerpoint/2010/main" val="4053286106"/>
       </p:ext>
     </p:extLst>
   </p:cSld>
@@ -1902,13 +2169,7 @@
       </p:grpSpPr>
       <p:sp>
         <p:nvSpPr>
-          <p:cNvPr id="2" name="Title 1">
-            <a:extLst>
-              <a:ext uri="{FF2B5EF4-FFF2-40B4-BE49-F238E27FC236}">
-                <a16:creationId xmlns:a16="http://schemas.microsoft.com/office/drawing/2014/main" id="{D871FD0B-4BD7-4774-8A8A-E38B02EA49AB}"/>
-              </a:ext>
-            </a:extLst>
-          </p:cNvPr>
+          <p:cNvPr id="2" name="Title 1"/>
           <p:cNvSpPr>
             <a:spLocks noGrp="1"/>
           </p:cNvSpPr>
@@ -1925,18 +2186,13 @@
               <a:rPr lang="en-US"/>
               <a:t>Click to edit Master title style</a:t>
             </a:r>
-          </a:p>
-        </p:txBody>
-      </p:sp>
-      <p:sp>
-        <p:nvSpPr>
-          <p:cNvPr id="3" name="Date Placeholder 2">
-            <a:extLst>
-              <a:ext uri="{FF2B5EF4-FFF2-40B4-BE49-F238E27FC236}">
-                <a16:creationId xmlns:a16="http://schemas.microsoft.com/office/drawing/2014/main" id="{EAA16E49-8D2C-4E71-8A93-BA0E7D26DC5A}"/>
-              </a:ext>
-            </a:extLst>
-          </p:cNvPr>
+            <a:endParaRPr lang="en-US" dirty="0"/>
+          </a:p>
+        </p:txBody>
+      </p:sp>
+      <p:sp>
+        <p:nvSpPr>
+          <p:cNvPr id="3" name="Date Placeholder 2"/>
           <p:cNvSpPr>
             <a:spLocks noGrp="1"/>
           </p:cNvSpPr>
@@ -1959,13 +2215,7 @@
       </p:sp>
       <p:sp>
         <p:nvSpPr>
-          <p:cNvPr id="4" name="Footer Placeholder 3">
-            <a:extLst>
-              <a:ext uri="{FF2B5EF4-FFF2-40B4-BE49-F238E27FC236}">
-                <a16:creationId xmlns:a16="http://schemas.microsoft.com/office/drawing/2014/main" id="{DFC807DF-B367-4708-99C5-FFDDDD94C305}"/>
-              </a:ext>
-            </a:extLst>
-          </p:cNvPr>
+          <p:cNvPr id="4" name="Footer Placeholder 3"/>
           <p:cNvSpPr>
             <a:spLocks noGrp="1"/>
           </p:cNvSpPr>
@@ -1984,13 +2234,7 @@
       </p:sp>
       <p:sp>
         <p:nvSpPr>
-          <p:cNvPr id="5" name="Slide Number Placeholder 4">
-            <a:extLst>
-              <a:ext uri="{FF2B5EF4-FFF2-40B4-BE49-F238E27FC236}">
-                <a16:creationId xmlns:a16="http://schemas.microsoft.com/office/drawing/2014/main" id="{ED5413E4-DE9E-4839-B197-E5B39E670E87}"/>
-              </a:ext>
-            </a:extLst>
-          </p:cNvPr>
+          <p:cNvPr id="5" name="Slide Number Placeholder 4"/>
           <p:cNvSpPr>
             <a:spLocks noGrp="1"/>
           </p:cNvSpPr>
@@ -2014,7 +2258,7 @@
     </p:spTree>
     <p:extLst>
       <p:ext uri="{BB962C8B-B14F-4D97-AF65-F5344CB8AC3E}">
-        <p14:creationId xmlns:p14="http://schemas.microsoft.com/office/powerpoint/2010/main" val="2845384210"/>
+        <p14:creationId xmlns:p14="http://schemas.microsoft.com/office/powerpoint/2010/main" val="2291324959"/>
       </p:ext>
     </p:extLst>
   </p:cSld>
@@ -2043,13 +2287,7 @@
       </p:grpSpPr>
       <p:sp>
         <p:nvSpPr>
-          <p:cNvPr id="2" name="Date Placeholder 1">
-            <a:extLst>
-              <a:ext uri="{FF2B5EF4-FFF2-40B4-BE49-F238E27FC236}">
-                <a16:creationId xmlns:a16="http://schemas.microsoft.com/office/drawing/2014/main" id="{0D91BACD-C81E-4D95-8E1A-AB1C23BB402C}"/>
-              </a:ext>
-            </a:extLst>
-          </p:cNvPr>
+          <p:cNvPr id="2" name="Date Placeholder 1"/>
           <p:cNvSpPr>
             <a:spLocks noGrp="1"/>
           </p:cNvSpPr>
@@ -2072,13 +2310,7 @@
       </p:sp>
       <p:sp>
         <p:nvSpPr>
-          <p:cNvPr id="3" name="Footer Placeholder 2">
-            <a:extLst>
-              <a:ext uri="{FF2B5EF4-FFF2-40B4-BE49-F238E27FC236}">
-                <a16:creationId xmlns:a16="http://schemas.microsoft.com/office/drawing/2014/main" id="{412DE51E-214A-42C5-AE03-0AB54280BD96}"/>
-              </a:ext>
-            </a:extLst>
-          </p:cNvPr>
+          <p:cNvPr id="3" name="Footer Placeholder 2"/>
           <p:cNvSpPr>
             <a:spLocks noGrp="1"/>
           </p:cNvSpPr>
@@ -2097,13 +2329,7 @@
       </p:sp>
       <p:sp>
         <p:nvSpPr>
-          <p:cNvPr id="4" name="Slide Number Placeholder 3">
-            <a:extLst>
-              <a:ext uri="{FF2B5EF4-FFF2-40B4-BE49-F238E27FC236}">
-                <a16:creationId xmlns:a16="http://schemas.microsoft.com/office/drawing/2014/main" id="{3E62DC77-62C0-4C52-9A7C-E01AC0EC8D30}"/>
-              </a:ext>
-            </a:extLst>
-          </p:cNvPr>
+          <p:cNvPr id="4" name="Slide Number Placeholder 3"/>
           <p:cNvSpPr>
             <a:spLocks noGrp="1"/>
           </p:cNvSpPr>
@@ -2127,7 +2353,7 @@
     </p:spTree>
     <p:extLst>
       <p:ext uri="{BB962C8B-B14F-4D97-AF65-F5344CB8AC3E}">
-        <p14:creationId xmlns:p14="http://schemas.microsoft.com/office/powerpoint/2010/main" val="1740906294"/>
+        <p14:creationId xmlns:p14="http://schemas.microsoft.com/office/powerpoint/2010/main" val="4125054221"/>
       </p:ext>
     </p:extLst>
   </p:cSld>
@@ -2156,13 +2382,7 @@
       </p:grpSpPr>
       <p:sp>
         <p:nvSpPr>
-          <p:cNvPr id="2" name="Title 1">
-            <a:extLst>
-              <a:ext uri="{FF2B5EF4-FFF2-40B4-BE49-F238E27FC236}">
-                <a16:creationId xmlns:a16="http://schemas.microsoft.com/office/drawing/2014/main" id="{82D3103F-AB5E-4E48-B0F2-855860140958}"/>
-              </a:ext>
-            </a:extLst>
-          </p:cNvPr>
+          <p:cNvPr id="2" name="Title 1"/>
           <p:cNvSpPr>
             <a:spLocks noGrp="1"/>
           </p:cNvSpPr>
@@ -2172,15 +2392,15 @@
         </p:nvSpPr>
         <p:spPr>
           <a:xfrm>
-            <a:off x="839788" y="457200"/>
-            <a:ext cx="3932237" cy="1600200"/>
+            <a:off x="157460" y="243840"/>
+            <a:ext cx="737295" cy="853440"/>
           </a:xfrm>
         </p:spPr>
         <p:txBody>
           <a:bodyPr anchor="b"/>
           <a:lstStyle>
             <a:lvl1pPr>
-              <a:defRPr sz="3200"/>
+              <a:defRPr sz="800"/>
             </a:lvl1pPr>
           </a:lstStyle>
           <a:p>
@@ -2188,18 +2408,13 @@
               <a:rPr lang="en-US"/>
               <a:t>Click to edit Master title style</a:t>
             </a:r>
-          </a:p>
-        </p:txBody>
-      </p:sp>
-      <p:sp>
-        <p:nvSpPr>
-          <p:cNvPr id="3" name="Content Placeholder 2">
-            <a:extLst>
-              <a:ext uri="{FF2B5EF4-FFF2-40B4-BE49-F238E27FC236}">
-                <a16:creationId xmlns:a16="http://schemas.microsoft.com/office/drawing/2014/main" id="{8898E0D9-DDC2-4CDA-9B66-8675A44F6E30}"/>
-              </a:ext>
-            </a:extLst>
-          </p:cNvPr>
+            <a:endParaRPr lang="en-US" dirty="0"/>
+          </a:p>
+        </p:txBody>
+      </p:sp>
+      <p:sp>
+        <p:nvSpPr>
+          <p:cNvPr id="3" name="Content Placeholder 2"/>
           <p:cNvSpPr>
             <a:spLocks noGrp="1"/>
           </p:cNvSpPr>
@@ -2209,39 +2424,39 @@
         </p:nvSpPr>
         <p:spPr>
           <a:xfrm>
-            <a:off x="5183188" y="987425"/>
-            <a:ext cx="6172200" cy="4873625"/>
+            <a:off x="971847" y="526627"/>
+            <a:ext cx="1157288" cy="2599267"/>
           </a:xfrm>
         </p:spPr>
         <p:txBody>
           <a:bodyPr/>
           <a:lstStyle>
             <a:lvl1pPr>
-              <a:defRPr sz="3200"/>
+              <a:defRPr sz="800"/>
             </a:lvl1pPr>
             <a:lvl2pPr>
-              <a:defRPr sz="2800"/>
+              <a:defRPr sz="700"/>
             </a:lvl2pPr>
             <a:lvl3pPr>
-              <a:defRPr sz="2400"/>
+              <a:defRPr sz="600"/>
             </a:lvl3pPr>
             <a:lvl4pPr>
-              <a:defRPr sz="2000"/>
+              <a:defRPr sz="500"/>
             </a:lvl4pPr>
             <a:lvl5pPr>
-              <a:defRPr sz="2000"/>
+              <a:defRPr sz="500"/>
             </a:lvl5pPr>
             <a:lvl6pPr>
-              <a:defRPr sz="2000"/>
+              <a:defRPr sz="500"/>
             </a:lvl6pPr>
             <a:lvl7pPr>
-              <a:defRPr sz="2000"/>
+              <a:defRPr sz="500"/>
             </a:lvl7pPr>
             <a:lvl8pPr>
-              <a:defRPr sz="2000"/>
+              <a:defRPr sz="500"/>
             </a:lvl8pPr>
             <a:lvl9pPr>
-              <a:defRPr sz="2000"/>
+              <a:defRPr sz="500"/>
             </a:lvl9pPr>
           </a:lstStyle>
           <a:p>
@@ -2278,18 +2493,13 @@
               <a:rPr lang="en-US"/>
               <a:t>Fifth level</a:t>
             </a:r>
-          </a:p>
-        </p:txBody>
-      </p:sp>
-      <p:sp>
-        <p:nvSpPr>
-          <p:cNvPr id="4" name="Text Placeholder 3">
-            <a:extLst>
-              <a:ext uri="{FF2B5EF4-FFF2-40B4-BE49-F238E27FC236}">
-                <a16:creationId xmlns:a16="http://schemas.microsoft.com/office/drawing/2014/main" id="{B943EA97-26D6-4F9E-88E7-D3F6DD2AFE68}"/>
-              </a:ext>
-            </a:extLst>
-          </p:cNvPr>
+            <a:endParaRPr lang="en-US" dirty="0"/>
+          </a:p>
+        </p:txBody>
+      </p:sp>
+      <p:sp>
+        <p:nvSpPr>
+          <p:cNvPr id="4" name="Text Placeholder 3"/>
           <p:cNvSpPr>
             <a:spLocks noGrp="1"/>
           </p:cNvSpPr>
@@ -2299,8 +2509,8 @@
         </p:nvSpPr>
         <p:spPr>
           <a:xfrm>
-            <a:off x="839788" y="2057400"/>
-            <a:ext cx="3932237" cy="3811588"/>
+            <a:off x="157460" y="1097280"/>
+            <a:ext cx="737295" cy="2032847"/>
           </a:xfrm>
         </p:spPr>
         <p:txBody>
@@ -2308,39 +2518,39 @@
           <a:lstStyle>
             <a:lvl1pPr marL="0" indent="0">
               <a:buNone/>
-              <a:defRPr sz="1600"/>
+              <a:defRPr sz="400"/>
             </a:lvl1pPr>
-            <a:lvl2pPr marL="457200" indent="0">
-              <a:buNone/>
-              <a:defRPr sz="1400"/>
+            <a:lvl2pPr marL="114300" indent="0">
+              <a:buNone/>
+              <a:defRPr sz="350"/>
             </a:lvl2pPr>
-            <a:lvl3pPr marL="914400" indent="0">
-              <a:buNone/>
-              <a:defRPr sz="1200"/>
+            <a:lvl3pPr marL="228600" indent="0">
+              <a:buNone/>
+              <a:defRPr sz="300"/>
             </a:lvl3pPr>
-            <a:lvl4pPr marL="1371600" indent="0">
-              <a:buNone/>
-              <a:defRPr sz="1000"/>
+            <a:lvl4pPr marL="342900" indent="0">
+              <a:buNone/>
+              <a:defRPr sz="250"/>
             </a:lvl4pPr>
-            <a:lvl5pPr marL="1828800" indent="0">
-              <a:buNone/>
-              <a:defRPr sz="1000"/>
+            <a:lvl5pPr marL="457200" indent="0">
+              <a:buNone/>
+              <a:defRPr sz="250"/>
             </a:lvl5pPr>
-            <a:lvl6pPr marL="2286000" indent="0">
-              <a:buNone/>
-              <a:defRPr sz="1000"/>
+            <a:lvl6pPr marL="571500" indent="0">
+              <a:buNone/>
+              <a:defRPr sz="250"/>
             </a:lvl6pPr>
-            <a:lvl7pPr marL="2743200" indent="0">
-              <a:buNone/>
-              <a:defRPr sz="1000"/>
+            <a:lvl7pPr marL="685800" indent="0">
+              <a:buNone/>
+              <a:defRPr sz="250"/>
             </a:lvl7pPr>
-            <a:lvl8pPr marL="3200400" indent="0">
-              <a:buNone/>
-              <a:defRPr sz="1000"/>
+            <a:lvl8pPr marL="800100" indent="0">
+              <a:buNone/>
+              <a:defRPr sz="250"/>
             </a:lvl8pPr>
-            <a:lvl9pPr marL="3657600" indent="0">
-              <a:buNone/>
-              <a:defRPr sz="1000"/>
+            <a:lvl9pPr marL="914400" indent="0">
+              <a:buNone/>
+              <a:defRPr sz="250"/>
             </a:lvl9pPr>
           </a:lstStyle>
           <a:p>
@@ -2354,13 +2564,7 @@
       </p:sp>
       <p:sp>
         <p:nvSpPr>
-          <p:cNvPr id="5" name="Date Placeholder 4">
-            <a:extLst>
-              <a:ext uri="{FF2B5EF4-FFF2-40B4-BE49-F238E27FC236}">
-                <a16:creationId xmlns:a16="http://schemas.microsoft.com/office/drawing/2014/main" id="{9443001C-2314-4813-AA0D-F7A4D65389B3}"/>
-              </a:ext>
-            </a:extLst>
-          </p:cNvPr>
+          <p:cNvPr id="5" name="Date Placeholder 4"/>
           <p:cNvSpPr>
             <a:spLocks noGrp="1"/>
           </p:cNvSpPr>
@@ -2383,13 +2587,7 @@
       </p:sp>
       <p:sp>
         <p:nvSpPr>
-          <p:cNvPr id="6" name="Footer Placeholder 5">
-            <a:extLst>
-              <a:ext uri="{FF2B5EF4-FFF2-40B4-BE49-F238E27FC236}">
-                <a16:creationId xmlns:a16="http://schemas.microsoft.com/office/drawing/2014/main" id="{139DC055-AC45-4C80-8026-CD4B6985E6FB}"/>
-              </a:ext>
-            </a:extLst>
-          </p:cNvPr>
+          <p:cNvPr id="6" name="Footer Placeholder 5"/>
           <p:cNvSpPr>
             <a:spLocks noGrp="1"/>
           </p:cNvSpPr>
@@ -2408,13 +2606,7 @@
       </p:sp>
       <p:sp>
         <p:nvSpPr>
-          <p:cNvPr id="7" name="Slide Number Placeholder 6">
-            <a:extLst>
-              <a:ext uri="{FF2B5EF4-FFF2-40B4-BE49-F238E27FC236}">
-                <a16:creationId xmlns:a16="http://schemas.microsoft.com/office/drawing/2014/main" id="{49D106FF-1EA3-4F6F-B9BB-B06924F9E696}"/>
-              </a:ext>
-            </a:extLst>
-          </p:cNvPr>
+          <p:cNvPr id="7" name="Slide Number Placeholder 6"/>
           <p:cNvSpPr>
             <a:spLocks noGrp="1"/>
           </p:cNvSpPr>
@@ -2438,7 +2630,7 @@
     </p:spTree>
     <p:extLst>
       <p:ext uri="{BB962C8B-B14F-4D97-AF65-F5344CB8AC3E}">
-        <p14:creationId xmlns:p14="http://schemas.microsoft.com/office/powerpoint/2010/main" val="3660344840"/>
+        <p14:creationId xmlns:p14="http://schemas.microsoft.com/office/powerpoint/2010/main" val="849187736"/>
       </p:ext>
     </p:extLst>
   </p:cSld>
@@ -2467,13 +2659,7 @@
       </p:grpSpPr>
       <p:sp>
         <p:nvSpPr>
-          <p:cNvPr id="2" name="Title 1">
-            <a:extLst>
-              <a:ext uri="{FF2B5EF4-FFF2-40B4-BE49-F238E27FC236}">
-                <a16:creationId xmlns:a16="http://schemas.microsoft.com/office/drawing/2014/main" id="{F64AAFDF-5860-4921-9E41-5242CFB5B973}"/>
-              </a:ext>
-            </a:extLst>
-          </p:cNvPr>
+          <p:cNvPr id="2" name="Title 1"/>
           <p:cNvSpPr>
             <a:spLocks noGrp="1"/>
           </p:cNvSpPr>
@@ -2483,15 +2669,15 @@
         </p:nvSpPr>
         <p:spPr>
           <a:xfrm>
-            <a:off x="839788" y="457200"/>
-            <a:ext cx="3932237" cy="1600200"/>
+            <a:off x="157460" y="243840"/>
+            <a:ext cx="737295" cy="853440"/>
           </a:xfrm>
         </p:spPr>
         <p:txBody>
           <a:bodyPr anchor="b"/>
           <a:lstStyle>
             <a:lvl1pPr>
-              <a:defRPr sz="3200"/>
+              <a:defRPr sz="800"/>
             </a:lvl1pPr>
           </a:lstStyle>
           <a:p>
@@ -2499,20 +2685,15 @@
               <a:rPr lang="en-US"/>
               <a:t>Click to edit Master title style</a:t>
             </a:r>
-          </a:p>
-        </p:txBody>
-      </p:sp>
-      <p:sp>
-        <p:nvSpPr>
-          <p:cNvPr id="3" name="Picture Placeholder 2">
-            <a:extLst>
-              <a:ext uri="{FF2B5EF4-FFF2-40B4-BE49-F238E27FC236}">
-                <a16:creationId xmlns:a16="http://schemas.microsoft.com/office/drawing/2014/main" id="{A398F58A-DECF-4739-AAB4-FD87CF06984B}"/>
-              </a:ext>
-            </a:extLst>
-          </p:cNvPr>
-          <p:cNvSpPr>
-            <a:spLocks noGrp="1"/>
+            <a:endParaRPr lang="en-US" dirty="0"/>
+          </a:p>
+        </p:txBody>
+      </p:sp>
+      <p:sp>
+        <p:nvSpPr>
+          <p:cNvPr id="3" name="Picture Placeholder 2"/>
+          <p:cNvSpPr>
+            <a:spLocks noGrp="1" noChangeAspect="1"/>
           </p:cNvSpPr>
           <p:nvPr>
             <p:ph type="pic" idx="1"/>
@@ -2520,64 +2701,62 @@
         </p:nvSpPr>
         <p:spPr>
           <a:xfrm>
-            <a:off x="5183188" y="987425"/>
-            <a:ext cx="6172200" cy="4873625"/>
+            <a:off x="971847" y="526627"/>
+            <a:ext cx="1157288" cy="2599267"/>
           </a:xfrm>
         </p:spPr>
         <p:txBody>
-          <a:bodyPr/>
+          <a:bodyPr anchor="t"/>
           <a:lstStyle>
             <a:lvl1pPr marL="0" indent="0">
               <a:buNone/>
-              <a:defRPr sz="3200"/>
+              <a:defRPr sz="800"/>
             </a:lvl1pPr>
-            <a:lvl2pPr marL="457200" indent="0">
-              <a:buNone/>
-              <a:defRPr sz="2800"/>
+            <a:lvl2pPr marL="114300" indent="0">
+              <a:buNone/>
+              <a:defRPr sz="700"/>
             </a:lvl2pPr>
-            <a:lvl3pPr marL="914400" indent="0">
-              <a:buNone/>
-              <a:defRPr sz="2400"/>
+            <a:lvl3pPr marL="228600" indent="0">
+              <a:buNone/>
+              <a:defRPr sz="600"/>
             </a:lvl3pPr>
-            <a:lvl4pPr marL="1371600" indent="0">
-              <a:buNone/>
-              <a:defRPr sz="2000"/>
+            <a:lvl4pPr marL="342900" indent="0">
+              <a:buNone/>
+              <a:defRPr sz="500"/>
             </a:lvl4pPr>
-            <a:lvl5pPr marL="1828800" indent="0">
-              <a:buNone/>
-              <a:defRPr sz="2000"/>
+            <a:lvl5pPr marL="457200" indent="0">
+              <a:buNone/>
+              <a:defRPr sz="500"/>
             </a:lvl5pPr>
-            <a:lvl6pPr marL="2286000" indent="0">
-              <a:buNone/>
-              <a:defRPr sz="2000"/>
+            <a:lvl6pPr marL="571500" indent="0">
+              <a:buNone/>
+              <a:defRPr sz="500"/>
             </a:lvl6pPr>
-            <a:lvl7pPr marL="2743200" indent="0">
-              <a:buNone/>
-              <a:defRPr sz="2000"/>
+            <a:lvl7pPr marL="685800" indent="0">
+              <a:buNone/>
+              <a:defRPr sz="500"/>
             </a:lvl7pPr>
-            <a:lvl8pPr marL="3200400" indent="0">
-              <a:buNone/>
-              <a:defRPr sz="2000"/>
+            <a:lvl8pPr marL="800100" indent="0">
+              <a:buNone/>
+              <a:defRPr sz="500"/>
             </a:lvl8pPr>
-            <a:lvl9pPr marL="3657600" indent="0">
-              <a:buNone/>
-              <a:defRPr sz="2000"/>
+            <a:lvl9pPr marL="914400" indent="0">
+              <a:buNone/>
+              <a:defRPr sz="500"/>
             </a:lvl9pPr>
           </a:lstStyle>
           <a:p>
-            <a:endParaRPr lang="en-US"/>
-          </a:p>
-        </p:txBody>
-      </p:sp>
-      <p:sp>
-        <p:nvSpPr>
-          <p:cNvPr id="4" name="Text Placeholder 3">
-            <a:extLst>
-              <a:ext uri="{FF2B5EF4-FFF2-40B4-BE49-F238E27FC236}">
-                <a16:creationId xmlns:a16="http://schemas.microsoft.com/office/drawing/2014/main" id="{87D10BF9-CAC7-4118-89CF-B50F2151CF76}"/>
-              </a:ext>
-            </a:extLst>
-          </p:cNvPr>
+            <a:r>
+              <a:rPr lang="en-US"/>
+              <a:t>Click icon to add picture</a:t>
+            </a:r>
+            <a:endParaRPr lang="en-US" dirty="0"/>
+          </a:p>
+        </p:txBody>
+      </p:sp>
+      <p:sp>
+        <p:nvSpPr>
+          <p:cNvPr id="4" name="Text Placeholder 3"/>
           <p:cNvSpPr>
             <a:spLocks noGrp="1"/>
           </p:cNvSpPr>
@@ -2587,8 +2766,8 @@
         </p:nvSpPr>
         <p:spPr>
           <a:xfrm>
-            <a:off x="839788" y="2057400"/>
-            <a:ext cx="3932237" cy="3811588"/>
+            <a:off x="157460" y="1097280"/>
+            <a:ext cx="737295" cy="2032847"/>
           </a:xfrm>
         </p:spPr>
         <p:txBody>
@@ -2596,39 +2775,39 @@
           <a:lstStyle>
             <a:lvl1pPr marL="0" indent="0">
               <a:buNone/>
-              <a:defRPr sz="1600"/>
+              <a:defRPr sz="400"/>
             </a:lvl1pPr>
-            <a:lvl2pPr marL="457200" indent="0">
-              <a:buNone/>
-              <a:defRPr sz="1400"/>
+            <a:lvl2pPr marL="114300" indent="0">
+              <a:buNone/>
+              <a:defRPr sz="350"/>
             </a:lvl2pPr>
-            <a:lvl3pPr marL="914400" indent="0">
-              <a:buNone/>
-              <a:defRPr sz="1200"/>
+            <a:lvl3pPr marL="228600" indent="0">
+              <a:buNone/>
+              <a:defRPr sz="300"/>
             </a:lvl3pPr>
-            <a:lvl4pPr marL="1371600" indent="0">
-              <a:buNone/>
-              <a:defRPr sz="1000"/>
+            <a:lvl4pPr marL="342900" indent="0">
+              <a:buNone/>
+              <a:defRPr sz="250"/>
             </a:lvl4pPr>
-            <a:lvl5pPr marL="1828800" indent="0">
-              <a:buNone/>
-              <a:defRPr sz="1000"/>
+            <a:lvl5pPr marL="457200" indent="0">
+              <a:buNone/>
+              <a:defRPr sz="250"/>
             </a:lvl5pPr>
-            <a:lvl6pPr marL="2286000" indent="0">
-              <a:buNone/>
-              <a:defRPr sz="1000"/>
+            <a:lvl6pPr marL="571500" indent="0">
+              <a:buNone/>
+              <a:defRPr sz="250"/>
             </a:lvl6pPr>
-            <a:lvl7pPr marL="2743200" indent="0">
-              <a:buNone/>
-              <a:defRPr sz="1000"/>
+            <a:lvl7pPr marL="685800" indent="0">
+              <a:buNone/>
+              <a:defRPr sz="250"/>
             </a:lvl7pPr>
-            <a:lvl8pPr marL="3200400" indent="0">
-              <a:buNone/>
-              <a:defRPr sz="1000"/>
+            <a:lvl8pPr marL="800100" indent="0">
+              <a:buNone/>
+              <a:defRPr sz="250"/>
             </a:lvl8pPr>
-            <a:lvl9pPr marL="3657600" indent="0">
-              <a:buNone/>
-              <a:defRPr sz="1000"/>
+            <a:lvl9pPr marL="914400" indent="0">
+              <a:buNone/>
+              <a:defRPr sz="250"/>
             </a:lvl9pPr>
           </a:lstStyle>
           <a:p>
@@ -2642,13 +2821,7 @@
       </p:sp>
       <p:sp>
         <p:nvSpPr>
-          <p:cNvPr id="5" name="Date Placeholder 4">
-            <a:extLst>
-              <a:ext uri="{FF2B5EF4-FFF2-40B4-BE49-F238E27FC236}">
-                <a16:creationId xmlns:a16="http://schemas.microsoft.com/office/drawing/2014/main" id="{7B95F12B-9BD3-4EE9-B1B3-D2DD113355FF}"/>
-              </a:ext>
-            </a:extLst>
-          </p:cNvPr>
+          <p:cNvPr id="5" name="Date Placeholder 4"/>
           <p:cNvSpPr>
             <a:spLocks noGrp="1"/>
           </p:cNvSpPr>
@@ -2671,13 +2844,7 @@
       </p:sp>
       <p:sp>
         <p:nvSpPr>
-          <p:cNvPr id="6" name="Footer Placeholder 5">
-            <a:extLst>
-              <a:ext uri="{FF2B5EF4-FFF2-40B4-BE49-F238E27FC236}">
-                <a16:creationId xmlns:a16="http://schemas.microsoft.com/office/drawing/2014/main" id="{AA84538C-7D69-4AC8-A93A-8F35C5803006}"/>
-              </a:ext>
-            </a:extLst>
-          </p:cNvPr>
+          <p:cNvPr id="6" name="Footer Placeholder 5"/>
           <p:cNvSpPr>
             <a:spLocks noGrp="1"/>
           </p:cNvSpPr>
@@ -2696,13 +2863,7 @@
       </p:sp>
       <p:sp>
         <p:nvSpPr>
-          <p:cNvPr id="7" name="Slide Number Placeholder 6">
-            <a:extLst>
-              <a:ext uri="{FF2B5EF4-FFF2-40B4-BE49-F238E27FC236}">
-                <a16:creationId xmlns:a16="http://schemas.microsoft.com/office/drawing/2014/main" id="{271D95A7-D9F7-45B2-B53E-C930DA1E2B20}"/>
-              </a:ext>
-            </a:extLst>
-          </p:cNvPr>
+          <p:cNvPr id="7" name="Slide Number Placeholder 6"/>
           <p:cNvSpPr>
             <a:spLocks noGrp="1"/>
           </p:cNvSpPr>
@@ -2726,7 +2887,7 @@
     </p:spTree>
     <p:extLst>
       <p:ext uri="{BB962C8B-B14F-4D97-AF65-F5344CB8AC3E}">
-        <p14:creationId xmlns:p14="http://schemas.microsoft.com/office/powerpoint/2010/main" val="3901823819"/>
+        <p14:creationId xmlns:p14="http://schemas.microsoft.com/office/powerpoint/2010/main" val="1580833762"/>
       </p:ext>
     </p:extLst>
   </p:cSld>
@@ -2760,13 +2921,7 @@
       </p:grpSpPr>
       <p:sp>
         <p:nvSpPr>
-          <p:cNvPr id="2" name="Title Placeholder 1">
-            <a:extLst>
-              <a:ext uri="{FF2B5EF4-FFF2-40B4-BE49-F238E27FC236}">
-                <a16:creationId xmlns:a16="http://schemas.microsoft.com/office/drawing/2014/main" id="{E34EAA1C-E43E-4848-A636-C3B107D0495A}"/>
-              </a:ext>
-            </a:extLst>
-          </p:cNvPr>
+          <p:cNvPr id="2" name="Title Placeholder 1"/>
           <p:cNvSpPr>
             <a:spLocks noGrp="1"/>
           </p:cNvSpPr>
@@ -2776,8 +2931,8 @@
         </p:nvSpPr>
         <p:spPr>
           <a:xfrm>
-            <a:off x="838200" y="365125"/>
-            <a:ext cx="10515600" cy="1325563"/>
+            <a:off x="157163" y="194734"/>
+            <a:ext cx="1971675" cy="706967"/>
           </a:xfrm>
           <a:prstGeom prst="rect">
             <a:avLst/>
@@ -2793,18 +2948,13 @@
               <a:rPr lang="en-US"/>
               <a:t>Click to edit Master title style</a:t>
             </a:r>
-          </a:p>
-        </p:txBody>
-      </p:sp>
-      <p:sp>
-        <p:nvSpPr>
-          <p:cNvPr id="3" name="Text Placeholder 2">
-            <a:extLst>
-              <a:ext uri="{FF2B5EF4-FFF2-40B4-BE49-F238E27FC236}">
-                <a16:creationId xmlns:a16="http://schemas.microsoft.com/office/drawing/2014/main" id="{681B4A27-43D3-4236-BBC9-E1F2AF8F25CD}"/>
-              </a:ext>
-            </a:extLst>
-          </p:cNvPr>
+            <a:endParaRPr lang="en-US" dirty="0"/>
+          </a:p>
+        </p:txBody>
+      </p:sp>
+      <p:sp>
+        <p:nvSpPr>
+          <p:cNvPr id="3" name="Text Placeholder 2"/>
           <p:cNvSpPr>
             <a:spLocks noGrp="1"/>
           </p:cNvSpPr>
@@ -2814,8 +2964,8 @@
         </p:nvSpPr>
         <p:spPr>
           <a:xfrm>
-            <a:off x="838200" y="1825625"/>
-            <a:ext cx="10515600" cy="4351338"/>
+            <a:off x="157163" y="973666"/>
+            <a:ext cx="1971675" cy="2320714"/>
           </a:xfrm>
           <a:prstGeom prst="rect">
             <a:avLst/>
@@ -2860,18 +3010,13 @@
               <a:rPr lang="en-US"/>
               <a:t>Fifth level</a:t>
             </a:r>
-          </a:p>
-        </p:txBody>
-      </p:sp>
-      <p:sp>
-        <p:nvSpPr>
-          <p:cNvPr id="4" name="Date Placeholder 3">
-            <a:extLst>
-              <a:ext uri="{FF2B5EF4-FFF2-40B4-BE49-F238E27FC236}">
-                <a16:creationId xmlns:a16="http://schemas.microsoft.com/office/drawing/2014/main" id="{47BCC920-3F28-4322-B833-BB0BD3BC4319}"/>
-              </a:ext>
-            </a:extLst>
-          </p:cNvPr>
+            <a:endParaRPr lang="en-US" dirty="0"/>
+          </a:p>
+        </p:txBody>
+      </p:sp>
+      <p:sp>
+        <p:nvSpPr>
+          <p:cNvPr id="4" name="Date Placeholder 3"/>
           <p:cNvSpPr>
             <a:spLocks noGrp="1"/>
           </p:cNvSpPr>
@@ -2881,8 +3026,8 @@
         </p:nvSpPr>
         <p:spPr>
           <a:xfrm>
-            <a:off x="838200" y="6356350"/>
-            <a:ext cx="2743200" cy="365125"/>
+            <a:off x="157163" y="3390054"/>
+            <a:ext cx="514350" cy="194733"/>
           </a:xfrm>
           <a:prstGeom prst="rect">
             <a:avLst/>
@@ -2892,7 +3037,7 @@
           <a:bodyPr vert="horz" lIns="91440" tIns="45720" rIns="91440" bIns="45720" rtlCol="0" anchor="ctr"/>
           <a:lstStyle>
             <a:lvl1pPr algn="l">
-              <a:defRPr sz="1200">
+              <a:defRPr sz="300">
                 <a:solidFill>
                   <a:schemeClr val="tx1">
                     <a:tint val="75000"/>
@@ -2912,13 +3057,7 @@
       </p:sp>
       <p:sp>
         <p:nvSpPr>
-          <p:cNvPr id="5" name="Footer Placeholder 4">
-            <a:extLst>
-              <a:ext uri="{FF2B5EF4-FFF2-40B4-BE49-F238E27FC236}">
-                <a16:creationId xmlns:a16="http://schemas.microsoft.com/office/drawing/2014/main" id="{D4E136FB-DE07-4CDF-AD24-246833E71BB4}"/>
-              </a:ext>
-            </a:extLst>
-          </p:cNvPr>
+          <p:cNvPr id="5" name="Footer Placeholder 4"/>
           <p:cNvSpPr>
             <a:spLocks noGrp="1"/>
           </p:cNvSpPr>
@@ -2928,8 +3067,8 @@
         </p:nvSpPr>
         <p:spPr>
           <a:xfrm>
-            <a:off x="4038600" y="6356350"/>
-            <a:ext cx="4114800" cy="365125"/>
+            <a:off x="757238" y="3390054"/>
+            <a:ext cx="771525" cy="194733"/>
           </a:xfrm>
           <a:prstGeom prst="rect">
             <a:avLst/>
@@ -2939,7 +3078,7 @@
           <a:bodyPr vert="horz" lIns="91440" tIns="45720" rIns="91440" bIns="45720" rtlCol="0" anchor="ctr"/>
           <a:lstStyle>
             <a:lvl1pPr algn="ctr">
-              <a:defRPr sz="1200">
+              <a:defRPr sz="300">
                 <a:solidFill>
                   <a:schemeClr val="tx1">
                     <a:tint val="75000"/>
@@ -2955,13 +3094,7 @@
       </p:sp>
       <p:sp>
         <p:nvSpPr>
-          <p:cNvPr id="6" name="Slide Number Placeholder 5">
-            <a:extLst>
-              <a:ext uri="{FF2B5EF4-FFF2-40B4-BE49-F238E27FC236}">
-                <a16:creationId xmlns:a16="http://schemas.microsoft.com/office/drawing/2014/main" id="{6E3B6A5D-E838-4D95-B6CB-8C24FF51168F}"/>
-              </a:ext>
-            </a:extLst>
-          </p:cNvPr>
+          <p:cNvPr id="6" name="Slide Number Placeholder 5"/>
           <p:cNvSpPr>
             <a:spLocks noGrp="1"/>
           </p:cNvSpPr>
@@ -2971,8 +3104,8 @@
         </p:nvSpPr>
         <p:spPr>
           <a:xfrm>
-            <a:off x="8610600" y="6356350"/>
-            <a:ext cx="2743200" cy="365125"/>
+            <a:off x="1614488" y="3390054"/>
+            <a:ext cx="514350" cy="194733"/>
           </a:xfrm>
           <a:prstGeom prst="rect">
             <a:avLst/>
@@ -2982,7 +3115,7 @@
           <a:bodyPr vert="horz" lIns="91440" tIns="45720" rIns="91440" bIns="45720" rtlCol="0" anchor="ctr"/>
           <a:lstStyle>
             <a:lvl1pPr algn="r">
-              <a:defRPr sz="1200">
+              <a:defRPr sz="300">
                 <a:solidFill>
                   <a:schemeClr val="tx1">
                     <a:tint val="75000"/>
@@ -3003,27 +3136,27 @@
     </p:spTree>
     <p:extLst>
       <p:ext uri="{BB962C8B-B14F-4D97-AF65-F5344CB8AC3E}">
-        <p14:creationId xmlns:p14="http://schemas.microsoft.com/office/powerpoint/2010/main" val="3792258535"/>
+        <p14:creationId xmlns:p14="http://schemas.microsoft.com/office/powerpoint/2010/main" val="3559230039"/>
       </p:ext>
     </p:extLst>
   </p:cSld>
   <p:clrMap bg1="lt1" tx1="dk1" bg2="lt2" tx2="dk2" accent1="accent1" accent2="accent2" accent3="accent3" accent4="accent4" accent5="accent5" accent6="accent6" hlink="hlink" folHlink="folHlink"/>
   <p:sldLayoutIdLst>
-    <p:sldLayoutId id="2147483649" r:id="rId1"/>
-    <p:sldLayoutId id="2147483650" r:id="rId2"/>
-    <p:sldLayoutId id="2147483651" r:id="rId3"/>
-    <p:sldLayoutId id="2147483652" r:id="rId4"/>
-    <p:sldLayoutId id="2147483653" r:id="rId5"/>
-    <p:sldLayoutId id="2147483654" r:id="rId6"/>
-    <p:sldLayoutId id="2147483655" r:id="rId7"/>
-    <p:sldLayoutId id="2147483656" r:id="rId8"/>
-    <p:sldLayoutId id="2147483657" r:id="rId9"/>
-    <p:sldLayoutId id="2147483658" r:id="rId10"/>
-    <p:sldLayoutId id="2147483659" r:id="rId11"/>
+    <p:sldLayoutId id="2147483673" r:id="rId1"/>
+    <p:sldLayoutId id="2147483674" r:id="rId2"/>
+    <p:sldLayoutId id="2147483675" r:id="rId3"/>
+    <p:sldLayoutId id="2147483676" r:id="rId4"/>
+    <p:sldLayoutId id="2147483677" r:id="rId5"/>
+    <p:sldLayoutId id="2147483678" r:id="rId6"/>
+    <p:sldLayoutId id="2147483679" r:id="rId7"/>
+    <p:sldLayoutId id="2147483680" r:id="rId8"/>
+    <p:sldLayoutId id="2147483681" r:id="rId9"/>
+    <p:sldLayoutId id="2147483682" r:id="rId10"/>
+    <p:sldLayoutId id="2147483683" r:id="rId11"/>
   </p:sldLayoutIdLst>
   <p:txStyles>
     <p:titleStyle>
-      <a:lvl1pPr algn="l" defTabSz="914400" rtl="0" eaLnBrk="1" latinLnBrk="0" hangingPunct="1">
+      <a:lvl1pPr algn="l" defTabSz="228600" rtl="0" eaLnBrk="1" latinLnBrk="0" hangingPunct="1">
         <a:lnSpc>
           <a:spcPct val="90000"/>
         </a:lnSpc>
@@ -3031,7 +3164,7 @@
           <a:spcPct val="0"/>
         </a:spcBef>
         <a:buNone/>
-        <a:defRPr sz="4400" kern="1200">
+        <a:defRPr sz="1100" kern="1200">
           <a:solidFill>
             <a:schemeClr val="tx1"/>
           </a:solidFill>
@@ -3042,16 +3175,16 @@
       </a:lvl1pPr>
     </p:titleStyle>
     <p:bodyStyle>
-      <a:lvl1pPr marL="228600" indent="-228600" algn="l" defTabSz="914400" rtl="0" eaLnBrk="1" latinLnBrk="0" hangingPunct="1">
+      <a:lvl1pPr marL="57150" indent="-57150" algn="l" defTabSz="228600" rtl="0" eaLnBrk="1" latinLnBrk="0" hangingPunct="1">
         <a:lnSpc>
           <a:spcPct val="90000"/>
         </a:lnSpc>
         <a:spcBef>
-          <a:spcPts val="1000"/>
+          <a:spcPts val="250"/>
         </a:spcBef>
         <a:buFont typeface="Arial" panose="020B0604020202020204" pitchFamily="34" charset="0"/>
         <a:buChar char="•"/>
-        <a:defRPr sz="2800" kern="1200">
+        <a:defRPr sz="700" kern="1200">
           <a:solidFill>
             <a:schemeClr val="tx1"/>
           </a:solidFill>
@@ -3060,16 +3193,16 @@
           <a:cs typeface="+mn-cs"/>
         </a:defRPr>
       </a:lvl1pPr>
-      <a:lvl2pPr marL="685800" indent="-228600" algn="l" defTabSz="914400" rtl="0" eaLnBrk="1" latinLnBrk="0" hangingPunct="1">
+      <a:lvl2pPr marL="171450" indent="-57150" algn="l" defTabSz="228600" rtl="0" eaLnBrk="1" latinLnBrk="0" hangingPunct="1">
         <a:lnSpc>
           <a:spcPct val="90000"/>
         </a:lnSpc>
         <a:spcBef>
-          <a:spcPts val="500"/>
+          <a:spcPts val="125"/>
         </a:spcBef>
         <a:buFont typeface="Arial" panose="020B0604020202020204" pitchFamily="34" charset="0"/>
         <a:buChar char="•"/>
-        <a:defRPr sz="2400" kern="1200">
+        <a:defRPr sz="600" kern="1200">
           <a:solidFill>
             <a:schemeClr val="tx1"/>
           </a:solidFill>
@@ -3078,16 +3211,16 @@
           <a:cs typeface="+mn-cs"/>
         </a:defRPr>
       </a:lvl2pPr>
-      <a:lvl3pPr marL="1143000" indent="-228600" algn="l" defTabSz="914400" rtl="0" eaLnBrk="1" latinLnBrk="0" hangingPunct="1">
+      <a:lvl3pPr marL="285750" indent="-57150" algn="l" defTabSz="228600" rtl="0" eaLnBrk="1" latinLnBrk="0" hangingPunct="1">
         <a:lnSpc>
           <a:spcPct val="90000"/>
         </a:lnSpc>
         <a:spcBef>
-          <a:spcPts val="500"/>
+          <a:spcPts val="125"/>
         </a:spcBef>
         <a:buFont typeface="Arial" panose="020B0604020202020204" pitchFamily="34" charset="0"/>
         <a:buChar char="•"/>
-        <a:defRPr sz="2000" kern="1200">
+        <a:defRPr sz="500" kern="1200">
           <a:solidFill>
             <a:schemeClr val="tx1"/>
           </a:solidFill>
@@ -3096,16 +3229,16 @@
           <a:cs typeface="+mn-cs"/>
         </a:defRPr>
       </a:lvl3pPr>
-      <a:lvl4pPr marL="1600200" indent="-228600" algn="l" defTabSz="914400" rtl="0" eaLnBrk="1" latinLnBrk="0" hangingPunct="1">
+      <a:lvl4pPr marL="400050" indent="-57150" algn="l" defTabSz="228600" rtl="0" eaLnBrk="1" latinLnBrk="0" hangingPunct="1">
         <a:lnSpc>
           <a:spcPct val="90000"/>
         </a:lnSpc>
         <a:spcBef>
-          <a:spcPts val="500"/>
+          <a:spcPts val="125"/>
         </a:spcBef>
         <a:buFont typeface="Arial" panose="020B0604020202020204" pitchFamily="34" charset="0"/>
         <a:buChar char="•"/>
-        <a:defRPr sz="1800" kern="1200">
+        <a:defRPr sz="450" kern="1200">
           <a:solidFill>
             <a:schemeClr val="tx1"/>
           </a:solidFill>
@@ -3114,16 +3247,16 @@
           <a:cs typeface="+mn-cs"/>
         </a:defRPr>
       </a:lvl4pPr>
-      <a:lvl5pPr marL="2057400" indent="-228600" algn="l" defTabSz="914400" rtl="0" eaLnBrk="1" latinLnBrk="0" hangingPunct="1">
+      <a:lvl5pPr marL="514350" indent="-57150" algn="l" defTabSz="228600" rtl="0" eaLnBrk="1" latinLnBrk="0" hangingPunct="1">
         <a:lnSpc>
           <a:spcPct val="90000"/>
         </a:lnSpc>
         <a:spcBef>
-          <a:spcPts val="500"/>
+          <a:spcPts val="125"/>
         </a:spcBef>
         <a:buFont typeface="Arial" panose="020B0604020202020204" pitchFamily="34" charset="0"/>
         <a:buChar char="•"/>
-        <a:defRPr sz="1800" kern="1200">
+        <a:defRPr sz="450" kern="1200">
           <a:solidFill>
             <a:schemeClr val="tx1"/>
           </a:solidFill>
@@ -3132,16 +3265,16 @@
           <a:cs typeface="+mn-cs"/>
         </a:defRPr>
       </a:lvl5pPr>
-      <a:lvl6pPr marL="2514600" indent="-228600" algn="l" defTabSz="914400" rtl="0" eaLnBrk="1" latinLnBrk="0" hangingPunct="1">
+      <a:lvl6pPr marL="628650" indent="-57150" algn="l" defTabSz="228600" rtl="0" eaLnBrk="1" latinLnBrk="0" hangingPunct="1">
         <a:lnSpc>
           <a:spcPct val="90000"/>
         </a:lnSpc>
         <a:spcBef>
-          <a:spcPts val="500"/>
+          <a:spcPts val="125"/>
         </a:spcBef>
         <a:buFont typeface="Arial" panose="020B0604020202020204" pitchFamily="34" charset="0"/>
         <a:buChar char="•"/>
-        <a:defRPr sz="1800" kern="1200">
+        <a:defRPr sz="450" kern="1200">
           <a:solidFill>
             <a:schemeClr val="tx1"/>
           </a:solidFill>
@@ -3150,16 +3283,16 @@
           <a:cs typeface="+mn-cs"/>
         </a:defRPr>
       </a:lvl6pPr>
-      <a:lvl7pPr marL="2971800" indent="-228600" algn="l" defTabSz="914400" rtl="0" eaLnBrk="1" latinLnBrk="0" hangingPunct="1">
+      <a:lvl7pPr marL="742950" indent="-57150" algn="l" defTabSz="228600" rtl="0" eaLnBrk="1" latinLnBrk="0" hangingPunct="1">
         <a:lnSpc>
           <a:spcPct val="90000"/>
         </a:lnSpc>
         <a:spcBef>
-          <a:spcPts val="500"/>
+          <a:spcPts val="125"/>
         </a:spcBef>
         <a:buFont typeface="Arial" panose="020B0604020202020204" pitchFamily="34" charset="0"/>
         <a:buChar char="•"/>
-        <a:defRPr sz="1800" kern="1200">
+        <a:defRPr sz="450" kern="1200">
           <a:solidFill>
             <a:schemeClr val="tx1"/>
           </a:solidFill>
@@ -3168,16 +3301,16 @@
           <a:cs typeface="+mn-cs"/>
         </a:defRPr>
       </a:lvl7pPr>
-      <a:lvl8pPr marL="3429000" indent="-228600" algn="l" defTabSz="914400" rtl="0" eaLnBrk="1" latinLnBrk="0" hangingPunct="1">
+      <a:lvl8pPr marL="857250" indent="-57150" algn="l" defTabSz="228600" rtl="0" eaLnBrk="1" latinLnBrk="0" hangingPunct="1">
         <a:lnSpc>
           <a:spcPct val="90000"/>
         </a:lnSpc>
         <a:spcBef>
-          <a:spcPts val="500"/>
+          <a:spcPts val="125"/>
         </a:spcBef>
         <a:buFont typeface="Arial" panose="020B0604020202020204" pitchFamily="34" charset="0"/>
         <a:buChar char="•"/>
-        <a:defRPr sz="1800" kern="1200">
+        <a:defRPr sz="450" kern="1200">
           <a:solidFill>
             <a:schemeClr val="tx1"/>
           </a:solidFill>
@@ -3186,16 +3319,16 @@
           <a:cs typeface="+mn-cs"/>
         </a:defRPr>
       </a:lvl8pPr>
-      <a:lvl9pPr marL="3886200" indent="-228600" algn="l" defTabSz="914400" rtl="0" eaLnBrk="1" latinLnBrk="0" hangingPunct="1">
+      <a:lvl9pPr marL="971550" indent="-57150" algn="l" defTabSz="228600" rtl="0" eaLnBrk="1" latinLnBrk="0" hangingPunct="1">
         <a:lnSpc>
           <a:spcPct val="90000"/>
         </a:lnSpc>
         <a:spcBef>
-          <a:spcPts val="500"/>
+          <a:spcPts val="125"/>
         </a:spcBef>
         <a:buFont typeface="Arial" panose="020B0604020202020204" pitchFamily="34" charset="0"/>
         <a:buChar char="•"/>
-        <a:defRPr sz="1800" kern="1200">
+        <a:defRPr sz="450" kern="1200">
           <a:solidFill>
             <a:schemeClr val="tx1"/>
           </a:solidFill>
@@ -3209,8 +3342,8 @@
       <a:defPPr>
         <a:defRPr lang="en-US"/>
       </a:defPPr>
-      <a:lvl1pPr marL="0" algn="l" defTabSz="914400" rtl="0" eaLnBrk="1" latinLnBrk="0" hangingPunct="1">
-        <a:defRPr sz="1800" kern="1200">
+      <a:lvl1pPr marL="0" algn="l" defTabSz="228600" rtl="0" eaLnBrk="1" latinLnBrk="0" hangingPunct="1">
+        <a:defRPr sz="450" kern="1200">
           <a:solidFill>
             <a:schemeClr val="tx1"/>
           </a:solidFill>
@@ -3219,8 +3352,8 @@
           <a:cs typeface="+mn-cs"/>
         </a:defRPr>
       </a:lvl1pPr>
-      <a:lvl2pPr marL="457200" algn="l" defTabSz="914400" rtl="0" eaLnBrk="1" latinLnBrk="0" hangingPunct="1">
-        <a:defRPr sz="1800" kern="1200">
+      <a:lvl2pPr marL="114300" algn="l" defTabSz="228600" rtl="0" eaLnBrk="1" latinLnBrk="0" hangingPunct="1">
+        <a:defRPr sz="450" kern="1200">
           <a:solidFill>
             <a:schemeClr val="tx1"/>
           </a:solidFill>
@@ -3229,8 +3362,8 @@
           <a:cs typeface="+mn-cs"/>
         </a:defRPr>
       </a:lvl2pPr>
-      <a:lvl3pPr marL="914400" algn="l" defTabSz="914400" rtl="0" eaLnBrk="1" latinLnBrk="0" hangingPunct="1">
-        <a:defRPr sz="1800" kern="1200">
+      <a:lvl3pPr marL="228600" algn="l" defTabSz="228600" rtl="0" eaLnBrk="1" latinLnBrk="0" hangingPunct="1">
+        <a:defRPr sz="450" kern="1200">
           <a:solidFill>
             <a:schemeClr val="tx1"/>
           </a:solidFill>
@@ -3239,8 +3372,8 @@
           <a:cs typeface="+mn-cs"/>
         </a:defRPr>
       </a:lvl3pPr>
-      <a:lvl4pPr marL="1371600" algn="l" defTabSz="914400" rtl="0" eaLnBrk="1" latinLnBrk="0" hangingPunct="1">
-        <a:defRPr sz="1800" kern="1200">
+      <a:lvl4pPr marL="342900" algn="l" defTabSz="228600" rtl="0" eaLnBrk="1" latinLnBrk="0" hangingPunct="1">
+        <a:defRPr sz="450" kern="1200">
           <a:solidFill>
             <a:schemeClr val="tx1"/>
           </a:solidFill>
@@ -3249,8 +3382,8 @@
           <a:cs typeface="+mn-cs"/>
         </a:defRPr>
       </a:lvl4pPr>
-      <a:lvl5pPr marL="1828800" algn="l" defTabSz="914400" rtl="0" eaLnBrk="1" latinLnBrk="0" hangingPunct="1">
-        <a:defRPr sz="1800" kern="1200">
+      <a:lvl5pPr marL="457200" algn="l" defTabSz="228600" rtl="0" eaLnBrk="1" latinLnBrk="0" hangingPunct="1">
+        <a:defRPr sz="450" kern="1200">
           <a:solidFill>
             <a:schemeClr val="tx1"/>
           </a:solidFill>
@@ -3259,8 +3392,8 @@
           <a:cs typeface="+mn-cs"/>
         </a:defRPr>
       </a:lvl5pPr>
-      <a:lvl6pPr marL="2286000" algn="l" defTabSz="914400" rtl="0" eaLnBrk="1" latinLnBrk="0" hangingPunct="1">
-        <a:defRPr sz="1800" kern="1200">
+      <a:lvl6pPr marL="571500" algn="l" defTabSz="228600" rtl="0" eaLnBrk="1" latinLnBrk="0" hangingPunct="1">
+        <a:defRPr sz="450" kern="1200">
           <a:solidFill>
             <a:schemeClr val="tx1"/>
           </a:solidFill>
@@ -3269,8 +3402,8 @@
           <a:cs typeface="+mn-cs"/>
         </a:defRPr>
       </a:lvl6pPr>
-      <a:lvl7pPr marL="2743200" algn="l" defTabSz="914400" rtl="0" eaLnBrk="1" latinLnBrk="0" hangingPunct="1">
-        <a:defRPr sz="1800" kern="1200">
+      <a:lvl7pPr marL="685800" algn="l" defTabSz="228600" rtl="0" eaLnBrk="1" latinLnBrk="0" hangingPunct="1">
+        <a:defRPr sz="450" kern="1200">
           <a:solidFill>
             <a:schemeClr val="tx1"/>
           </a:solidFill>
@@ -3279,8 +3412,8 @@
           <a:cs typeface="+mn-cs"/>
         </a:defRPr>
       </a:lvl7pPr>
-      <a:lvl8pPr marL="3200400" algn="l" defTabSz="914400" rtl="0" eaLnBrk="1" latinLnBrk="0" hangingPunct="1">
-        <a:defRPr sz="1800" kern="1200">
+      <a:lvl8pPr marL="800100" algn="l" defTabSz="228600" rtl="0" eaLnBrk="1" latinLnBrk="0" hangingPunct="1">
+        <a:defRPr sz="450" kern="1200">
           <a:solidFill>
             <a:schemeClr val="tx1"/>
           </a:solidFill>
@@ -3289,8 +3422,8 @@
           <a:cs typeface="+mn-cs"/>
         </a:defRPr>
       </a:lvl8pPr>
-      <a:lvl9pPr marL="3657600" algn="l" defTabSz="914400" rtl="0" eaLnBrk="1" latinLnBrk="0" hangingPunct="1">
-        <a:defRPr sz="1800" kern="1200">
+      <a:lvl9pPr marL="914400" algn="l" defTabSz="228600" rtl="0" eaLnBrk="1" latinLnBrk="0" hangingPunct="1">
+        <a:defRPr sz="450" kern="1200">
           <a:solidFill>
             <a:schemeClr val="tx1"/>
           </a:solidFill>
@@ -3321,6 +3454,36 @@
           <a:chExt cx="0" cy="0"/>
         </a:xfrm>
       </p:grpSpPr>
+      <p:graphicFrame>
+        <p:nvGraphicFramePr>
+          <p:cNvPr id="2" name="Chart 1">
+            <a:extLst>
+              <a:ext uri="{FF2B5EF4-FFF2-40B4-BE49-F238E27FC236}">
+                <a16:creationId xmlns:a16="http://schemas.microsoft.com/office/drawing/2014/main" id="{23448104-96C1-4A1B-B092-3807ABD141D6}"/>
+              </a:ext>
+            </a:extLst>
+          </p:cNvPr>
+          <p:cNvGraphicFramePr>
+            <a:graphicFrameLocks/>
+          </p:cNvGraphicFramePr>
+          <p:nvPr>
+            <p:extLst>
+              <p:ext uri="{D42A27DB-BD31-4B8C-83A1-F6EECF244321}">
+                <p14:modId xmlns:p14="http://schemas.microsoft.com/office/powerpoint/2010/main" val="2609025182"/>
+              </p:ext>
+            </p:extLst>
+          </p:nvPr>
+        </p:nvGraphicFramePr>
+        <p:xfrm>
+          <a:off x="0" y="0"/>
+          <a:ext cx="2286000" cy="3657600"/>
+        </p:xfrm>
+        <a:graphic>
+          <a:graphicData uri="http://schemas.openxmlformats.org/drawingml/2006/chart">
+            <c:chart xmlns:c="http://schemas.openxmlformats.org/drawingml/2006/chart" xmlns:r="http://schemas.openxmlformats.org/officeDocument/2006/relationships" r:id="rId2"/>
+          </a:graphicData>
+        </a:graphic>
+      </p:graphicFrame>
     </p:spTree>
     <p:extLst>
       <p:ext uri="{BB962C8B-B14F-4D97-AF65-F5344CB8AC3E}">
@@ -3337,7 +3500,7 @@
 <file path=ppt/theme/theme1.xml><?xml version="1.0" encoding="utf-8"?>
 <a:theme xmlns:a="http://schemas.openxmlformats.org/drawingml/2006/main" name="Office Theme">
   <a:themeElements>
-    <a:clrScheme name="Office">
+    <a:clrScheme name="Office Theme">
       <a:dk1>
         <a:sysClr val="windowText" lastClr="000000"/>
       </a:dk1>
@@ -3375,7 +3538,7 @@
         <a:srgbClr val="954F72"/>
       </a:folHlink>
     </a:clrScheme>
-    <a:fontScheme name="Office">
+    <a:fontScheme name="Office Theme">
       <a:majorFont>
         <a:latin typeface="Calibri Light" panose="020F0302020204030204"/>
         <a:ea typeface=""/>
@@ -3410,23 +3573,6 @@
         <a:font script="Viet" typeface="Times New Roman"/>
         <a:font script="Uigh" typeface="Microsoft Uighur"/>
         <a:font script="Geor" typeface="Sylfaen"/>
-        <a:font script="Armn" typeface="Arial"/>
-        <a:font script="Bugi" typeface="Leelawadee UI"/>
-        <a:font script="Bopo" typeface="Microsoft JhengHei"/>
-        <a:font script="Java" typeface="Javanese Text"/>
-        <a:font script="Lisu" typeface="Segoe UI"/>
-        <a:font script="Mymr" typeface="Myanmar Text"/>
-        <a:font script="Nkoo" typeface="Ebrima"/>
-        <a:font script="Olck" typeface="Nirmala UI"/>
-        <a:font script="Osma" typeface="Ebrima"/>
-        <a:font script="Phag" typeface="Phagspa"/>
-        <a:font script="Syrn" typeface="Estrangelo Edessa"/>
-        <a:font script="Syrj" typeface="Estrangelo Edessa"/>
-        <a:font script="Syre" typeface="Estrangelo Edessa"/>
-        <a:font script="Sora" typeface="Nirmala UI"/>
-        <a:font script="Tale" typeface="Microsoft Tai Le"/>
-        <a:font script="Talu" typeface="Microsoft New Tai Lue"/>
-        <a:font script="Tfng" typeface="Ebrima"/>
       </a:majorFont>
       <a:minorFont>
         <a:latin typeface="Calibri" panose="020F0502020204030204"/>
@@ -3462,26 +3608,9 @@
         <a:font script="Viet" typeface="Arial"/>
         <a:font script="Uigh" typeface="Microsoft Uighur"/>
         <a:font script="Geor" typeface="Sylfaen"/>
-        <a:font script="Armn" typeface="Arial"/>
-        <a:font script="Bugi" typeface="Leelawadee UI"/>
-        <a:font script="Bopo" typeface="Microsoft JhengHei"/>
-        <a:font script="Java" typeface="Javanese Text"/>
-        <a:font script="Lisu" typeface="Segoe UI"/>
-        <a:font script="Mymr" typeface="Myanmar Text"/>
-        <a:font script="Nkoo" typeface="Ebrima"/>
-        <a:font script="Olck" typeface="Nirmala UI"/>
-        <a:font script="Osma" typeface="Ebrima"/>
-        <a:font script="Phag" typeface="Phagspa"/>
-        <a:font script="Syrn" typeface="Estrangelo Edessa"/>
-        <a:font script="Syrj" typeface="Estrangelo Edessa"/>
-        <a:font script="Syre" typeface="Estrangelo Edessa"/>
-        <a:font script="Sora" typeface="Nirmala UI"/>
-        <a:font script="Tale" typeface="Microsoft Tai Le"/>
-        <a:font script="Talu" typeface="Microsoft New Tai Lue"/>
-        <a:font script="Tfng" typeface="Ebrima"/>
       </a:minorFont>
     </a:fontScheme>
-    <a:fmtScheme name="Office">
+    <a:fmtScheme name="Office Theme">
       <a:fillStyleLst>
         <a:solidFill>
           <a:schemeClr val="phClr"/>

--- a/images/objects_dropped.pptx
+++ b/images/objects_dropped.pptx
@@ -2,12 +2,12 @@
 <file path=ppt/presentation.xml><?xml version="1.0" encoding="utf-8"?>
 <p:presentation xmlns:a="http://schemas.openxmlformats.org/drawingml/2006/main" xmlns:r="http://schemas.openxmlformats.org/officeDocument/2006/relationships" xmlns:p="http://schemas.openxmlformats.org/presentationml/2006/main" saveSubsetFonts="1">
   <p:sldMasterIdLst>
-    <p:sldMasterId id="2147483672" r:id="rId1"/>
+    <p:sldMasterId id="2147483708" r:id="rId1"/>
   </p:sldMasterIdLst>
   <p:sldIdLst>
     <p:sldId id="256" r:id="rId2"/>
   </p:sldIdLst>
-  <p:sldSz cx="2286000" cy="3657600"/>
+  <p:sldSz cx="6400800" cy="2514600"/>
   <p:notesSz cx="6858000" cy="9144000"/>
   <p:defaultTextStyle>
     <a:defPPr>
@@ -130,7 +130,7 @@
     <c:plotArea>
       <c:layout/>
       <c:barChart>
-        <c:barDir val="col"/>
+        <c:barDir val="bar"/>
         <c:grouping val="stacked"/>
         <c:varyColors val="0"/>
         <c:ser>
@@ -138,7 +138,7 @@
           <c:order val="0"/>
           <c:tx>
             <c:strRef>
-              <c:f>'Programming Issues'!$B$34</c:f>
+              <c:f>'Programming Obstacles'!$B$34</c:f>
               <c:strCache>
                 <c:ptCount val="1"/>
                 <c:pt idx="0">
@@ -162,21 +162,21 @@
           <c:invertIfNegative val="0"/>
           <c:cat>
             <c:strRef>
-              <c:f>'Programming Issues'!$C$33:$D$33</c:f>
+              <c:f>'Programming Obstacles'!$C$33:$D$33</c:f>
               <c:strCache>
                 <c:ptCount val="2"/>
                 <c:pt idx="0">
                   <c:v>Duplo</c:v>
                 </c:pt>
                 <c:pt idx="1">
-                  <c:v>RSOY</c:v>
+                  <c:v>ROY</c:v>
                 </c:pt>
               </c:strCache>
             </c:strRef>
           </c:cat>
           <c:val>
             <c:numRef>
-              <c:f>'Programming Issues'!$C$34:$D$34</c:f>
+              <c:f>'Programming Obstacles'!$C$34:$D$34</c:f>
               <c:numCache>
                 <c:formatCode>General</c:formatCode>
                 <c:ptCount val="2"/>
@@ -191,7 +191,7 @@
           </c:val>
           <c:extLst>
             <c:ext xmlns:c16="http://schemas.microsoft.com/office/drawing/2014/chart" uri="{C3380CC4-5D6E-409C-BE32-E72D297353CC}">
-              <c16:uniqueId val="{00000000-6CDD-4EAE-93E4-10E3C957BD8F}"/>
+              <c16:uniqueId val="{00000000-D6D3-442B-A28A-A26DF7ACBCAA}"/>
             </c:ext>
           </c:extLst>
         </c:ser>
@@ -200,7 +200,7 @@
           <c:order val="1"/>
           <c:tx>
             <c:strRef>
-              <c:f>'Programming Issues'!$B$35</c:f>
+              <c:f>'Programming Obstacles'!$B$35</c:f>
               <c:strCache>
                 <c:ptCount val="1"/>
                 <c:pt idx="0">
@@ -226,28 +226,28 @@
             <c:errBarType val="minus"/>
             <c:errValType val="percentage"/>
             <c:noEndCap val="0"/>
-            <c:val val="100"/>
+            <c:val val="96"/>
             <c:spPr>
-              <a:ln w="19050"/>
+              <a:ln w="28575"/>
             </c:spPr>
           </c:errBars>
           <c:cat>
             <c:strRef>
-              <c:f>'Programming Issues'!$C$33:$D$33</c:f>
+              <c:f>'Programming Obstacles'!$C$33:$D$33</c:f>
               <c:strCache>
                 <c:ptCount val="2"/>
                 <c:pt idx="0">
                   <c:v>Duplo</c:v>
                 </c:pt>
                 <c:pt idx="1">
-                  <c:v>RSOY</c:v>
+                  <c:v>ROY</c:v>
                 </c:pt>
               </c:strCache>
             </c:strRef>
           </c:cat>
           <c:val>
             <c:numRef>
-              <c:f>'Programming Issues'!$C$35:$D$35</c:f>
+              <c:f>'Programming Obstacles'!$C$35:$D$35</c:f>
               <c:numCache>
                 <c:formatCode>General</c:formatCode>
                 <c:ptCount val="2"/>
@@ -262,7 +262,7 @@
           </c:val>
           <c:extLst>
             <c:ext xmlns:c16="http://schemas.microsoft.com/office/drawing/2014/chart" uri="{C3380CC4-5D6E-409C-BE32-E72D297353CC}">
-              <c16:uniqueId val="{00000001-6CDD-4EAE-93E4-10E3C957BD8F}"/>
+              <c16:uniqueId val="{00000001-D6D3-442B-A28A-A26DF7ACBCAA}"/>
             </c:ext>
           </c:extLst>
         </c:ser>
@@ -271,7 +271,7 @@
           <c:order val="2"/>
           <c:tx>
             <c:strRef>
-              <c:f>'Programming Issues'!$B$36</c:f>
+              <c:f>'Programming Obstacles'!$B$36</c:f>
               <c:strCache>
                 <c:ptCount val="1"/>
                 <c:pt idx="0">
@@ -281,7 +281,7 @@
             </c:strRef>
           </c:tx>
           <c:spPr>
-            <a:ln w="19050">
+            <a:ln w="28575">
               <a:solidFill>
                 <a:schemeClr val="tx1"/>
               </a:solidFill>
@@ -290,21 +290,21 @@
           <c:invertIfNegative val="0"/>
           <c:cat>
             <c:strRef>
-              <c:f>'Programming Issues'!$C$33:$D$33</c:f>
+              <c:f>'Programming Obstacles'!$C$33:$D$33</c:f>
               <c:strCache>
                 <c:ptCount val="2"/>
                 <c:pt idx="0">
                   <c:v>Duplo</c:v>
                 </c:pt>
                 <c:pt idx="1">
-                  <c:v>RSOY</c:v>
+                  <c:v>ROY</c:v>
                 </c:pt>
               </c:strCache>
             </c:strRef>
           </c:cat>
           <c:val>
             <c:numRef>
-              <c:f>'Programming Issues'!$C$36:$D$36</c:f>
+              <c:f>'Programming Obstacles'!$C$36:$D$36</c:f>
               <c:numCache>
                 <c:formatCode>General</c:formatCode>
                 <c:ptCount val="2"/>
@@ -319,7 +319,7 @@
           </c:val>
           <c:extLst>
             <c:ext xmlns:c16="http://schemas.microsoft.com/office/drawing/2014/chart" uri="{C3380CC4-5D6E-409C-BE32-E72D297353CC}">
-              <c16:uniqueId val="{00000002-6CDD-4EAE-93E4-10E3C957BD8F}"/>
+              <c16:uniqueId val="{00000002-D6D3-442B-A28A-A26DF7ACBCAA}"/>
             </c:ext>
           </c:extLst>
         </c:ser>
@@ -328,7 +328,7 @@
           <c:order val="3"/>
           <c:tx>
             <c:strRef>
-              <c:f>'Programming Issues'!$B$37</c:f>
+              <c:f>'Programming Obstacles'!$B$37</c:f>
               <c:strCache>
                 <c:ptCount val="1"/>
                 <c:pt idx="0">
@@ -338,66 +338,23 @@
             </c:strRef>
           </c:tx>
           <c:spPr>
-            <a:ln w="19050">
+            <a:solidFill>
+              <a:srgbClr val="FFDE53"/>
+            </a:solidFill>
+            <a:ln w="28575">
               <a:solidFill>
                 <a:schemeClr val="tx1"/>
               </a:solidFill>
             </a:ln>
           </c:spPr>
           <c:invertIfNegative val="0"/>
-          <c:dPt>
-            <c:idx val="0"/>
-            <c:invertIfNegative val="0"/>
-            <c:bubble3D val="0"/>
-            <c:spPr>
-              <a:solidFill>
-                <a:schemeClr val="accent4">
-                  <a:lumMod val="60000"/>
-                  <a:lumOff val="40000"/>
-                </a:schemeClr>
-              </a:solidFill>
-              <a:ln w="19050">
-                <a:solidFill>
-                  <a:schemeClr val="tx1"/>
-                </a:solidFill>
-              </a:ln>
-            </c:spPr>
-            <c:extLst>
-              <c:ext xmlns:c16="http://schemas.microsoft.com/office/drawing/2014/chart" uri="{C3380CC4-5D6E-409C-BE32-E72D297353CC}">
-                <c16:uniqueId val="{00000006-6CDD-4EAE-93E4-10E3C957BD8F}"/>
-              </c:ext>
-            </c:extLst>
-          </c:dPt>
-          <c:dPt>
-            <c:idx val="1"/>
-            <c:invertIfNegative val="0"/>
-            <c:bubble3D val="0"/>
-            <c:spPr>
-              <a:solidFill>
-                <a:schemeClr val="accent6">
-                  <a:lumMod val="60000"/>
-                  <a:lumOff val="40000"/>
-                </a:schemeClr>
-              </a:solidFill>
-              <a:ln w="19050">
-                <a:solidFill>
-                  <a:schemeClr val="tx1"/>
-                </a:solidFill>
-              </a:ln>
-            </c:spPr>
-            <c:extLst>
-              <c:ext xmlns:c16="http://schemas.microsoft.com/office/drawing/2014/chart" uri="{C3380CC4-5D6E-409C-BE32-E72D297353CC}">
-                <c16:uniqueId val="{00000005-6CDD-4EAE-93E4-10E3C957BD8F}"/>
-              </c:ext>
-            </c:extLst>
-          </c:dPt>
           <c:errBars>
             <c:errBarType val="plus"/>
             <c:errValType val="cust"/>
             <c:noEndCap val="0"/>
             <c:plus>
               <c:numRef>
-                <c:f>'Programming Issues'!$C$38:$D$38</c:f>
+                <c:f>'Programming Obstacles'!$C$38:$D$38</c:f>
                 <c:numCache>
                   <c:formatCode>General</c:formatCode>
                   <c:ptCount val="2"/>
@@ -411,30 +368,26 @@
               </c:numRef>
             </c:plus>
             <c:spPr>
-              <a:ln w="19050">
-                <a:solidFill>
-                  <a:schemeClr val="tx1"/>
-                </a:solidFill>
-              </a:ln>
+              <a:ln w="28575"/>
             </c:spPr>
           </c:errBars>
           <c:cat>
             <c:strRef>
-              <c:f>'Programming Issues'!$C$33:$D$33</c:f>
+              <c:f>'Programming Obstacles'!$C$33:$D$33</c:f>
               <c:strCache>
                 <c:ptCount val="2"/>
                 <c:pt idx="0">
                   <c:v>Duplo</c:v>
                 </c:pt>
                 <c:pt idx="1">
-                  <c:v>RSOY</c:v>
+                  <c:v>ROY</c:v>
                 </c:pt>
               </c:strCache>
             </c:strRef>
           </c:cat>
           <c:val>
             <c:numRef>
-              <c:f>'Programming Issues'!$C$37:$D$37</c:f>
+              <c:f>'Programming Obstacles'!$C$37:$D$37</c:f>
               <c:numCache>
                 <c:formatCode>General</c:formatCode>
                 <c:ptCount val="2"/>
@@ -449,7 +402,7 @@
           </c:val>
           <c:extLst>
             <c:ext xmlns:c16="http://schemas.microsoft.com/office/drawing/2014/chart" uri="{C3380CC4-5D6E-409C-BE32-E72D297353CC}">
-              <c16:uniqueId val="{00000003-6CDD-4EAE-93E4-10E3C957BD8F}"/>
+              <c16:uniqueId val="{00000003-D6D3-442B-A28A-A26DF7ACBCAA}"/>
             </c:ext>
           </c:extLst>
         </c:ser>
@@ -461,77 +414,18 @@
           <c:showPercent val="0"/>
           <c:showBubbleSize val="0"/>
         </c:dLbls>
-        <c:gapWidth val="150"/>
+        <c:gapWidth val="50"/>
         <c:overlap val="100"/>
         <c:axId val="1198167040"/>
         <c:axId val="1176041392"/>
       </c:barChart>
-      <c:scatterChart>
-        <c:scatterStyle val="lineMarker"/>
-        <c:varyColors val="0"/>
-        <c:ser>
-          <c:idx val="4"/>
-          <c:order val="4"/>
-          <c:tx>
-            <c:v>m</c:v>
-          </c:tx>
-          <c:spPr>
-            <a:ln w="19050">
-              <a:noFill/>
-            </a:ln>
-          </c:spPr>
-          <c:marker>
-            <c:symbol val="x"/>
-            <c:size val="5"/>
-            <c:spPr>
-              <a:ln w="19050">
-                <a:solidFill>
-                  <a:srgbClr val="000000"/>
-                </a:solidFill>
-                <a:prstDash val="solid"/>
-              </a:ln>
-            </c:spPr>
-          </c:marker>
-          <c:yVal>
-            <c:numRef>
-              <c:f>'Programming Issues'!$C$39:$D$39</c:f>
-              <c:numCache>
-                <c:formatCode>General</c:formatCode>
-                <c:ptCount val="2"/>
-                <c:pt idx="0">
-                  <c:v>4.72</c:v>
-                </c:pt>
-                <c:pt idx="1">
-                  <c:v>6.92</c:v>
-                </c:pt>
-              </c:numCache>
-            </c:numRef>
-          </c:yVal>
-          <c:smooth val="0"/>
-          <c:extLst>
-            <c:ext xmlns:c16="http://schemas.microsoft.com/office/drawing/2014/chart" uri="{C3380CC4-5D6E-409C-BE32-E72D297353CC}">
-              <c16:uniqueId val="{00000004-6CDD-4EAE-93E4-10E3C957BD8F}"/>
-            </c:ext>
-          </c:extLst>
-        </c:ser>
-        <c:dLbls>
-          <c:showLegendKey val="0"/>
-          <c:showVal val="0"/>
-          <c:showCatName val="0"/>
-          <c:showSerName val="0"/>
-          <c:showPercent val="0"/>
-          <c:showBubbleSize val="0"/>
-        </c:dLbls>
-        <c:axId val="1198167040"/>
-        <c:axId val="1176041392"/>
-      </c:scatterChart>
       <c:catAx>
         <c:axId val="1198167040"/>
         <c:scaling>
           <c:orientation val="minMax"/>
         </c:scaling>
         <c:delete val="0"/>
-        <c:axPos val="b"/>
+        <c:axPos val="l"/>
         <c:numFmt formatCode="General" sourceLinked="1"/>
         <c:majorTickMark val="out"/>
         <c:minorTickMark val="none"/>
@@ -548,10 +442,29 @@
         <c:scaling>
           <c:orientation val="minMax"/>
           <c:max val="40"/>
+          <c:min val="0"/>
         </c:scaling>
         <c:delete val="0"/>
-        <c:axPos val="l"/>
+        <c:axPos val="b"/>
         <c:majorGridlines/>
+        <c:title>
+          <c:tx>
+            <c:rich>
+              <a:bodyPr/>
+              <a:lstStyle/>
+              <a:p>
+                <a:pPr>
+                  <a:defRPr/>
+                </a:pPr>
+                <a:r>
+                  <a:rPr lang="en-US" b="0"/>
+                  <a:t>Occurrences</a:t>
+                </a:r>
+              </a:p>
+            </c:rich>
+          </c:tx>
+          <c:overlay val="0"/>
+        </c:title>
         <c:numFmt formatCode="General" sourceLinked="1"/>
         <c:majorTickMark val="out"/>
         <c:minorTickMark val="none"/>
@@ -559,6 +472,7 @@
         <c:crossAx val="1198167040"/>
         <c:crosses val="autoZero"/>
         <c:crossBetween val="between"/>
+        <c:majorUnit val="5"/>
       </c:valAx>
       <c:spPr>
         <a:solidFill>
@@ -584,7 +498,7 @@
     <a:lstStyle/>
     <a:p>
       <a:pPr>
-        <a:defRPr sz="1200"/>
+        <a:defRPr sz="2000"/>
       </a:pPr>
       <a:endParaRPr lang="en-US"/>
     </a:p>
@@ -624,15 +538,15 @@
         </p:nvSpPr>
         <p:spPr>
           <a:xfrm>
-            <a:off x="171450" y="598593"/>
-            <a:ext cx="1943100" cy="1273387"/>
+            <a:off x="800100" y="411533"/>
+            <a:ext cx="4800600" cy="875453"/>
           </a:xfrm>
         </p:spPr>
         <p:txBody>
           <a:bodyPr anchor="b"/>
           <a:lstStyle>
             <a:lvl1pPr algn="ctr">
-              <a:defRPr sz="1500"/>
+              <a:defRPr sz="2200"/>
             </a:lvl1pPr>
           </a:lstStyle>
           <a:p>
@@ -656,8 +570,8 @@
         </p:nvSpPr>
         <p:spPr>
           <a:xfrm>
-            <a:off x="285750" y="1921087"/>
-            <a:ext cx="1714500" cy="883073"/>
+            <a:off x="800100" y="1320747"/>
+            <a:ext cx="4800600" cy="607113"/>
           </a:xfrm>
         </p:spPr>
         <p:txBody>
@@ -665,39 +579,39 @@
           <a:lstStyle>
             <a:lvl1pPr marL="0" indent="0" algn="ctr">
               <a:buNone/>
-              <a:defRPr sz="600"/>
+              <a:defRPr sz="880"/>
             </a:lvl1pPr>
-            <a:lvl2pPr marL="114300" indent="0" algn="ctr">
-              <a:buNone/>
-              <a:defRPr sz="500"/>
+            <a:lvl2pPr marL="167655" indent="0" algn="ctr">
+              <a:buNone/>
+              <a:defRPr sz="733"/>
             </a:lvl2pPr>
-            <a:lvl3pPr marL="228600" indent="0" algn="ctr">
-              <a:buNone/>
-              <a:defRPr sz="450"/>
+            <a:lvl3pPr marL="335310" indent="0" algn="ctr">
+              <a:buNone/>
+              <a:defRPr sz="660"/>
             </a:lvl3pPr>
-            <a:lvl4pPr marL="342900" indent="0" algn="ctr">
-              <a:buNone/>
-              <a:defRPr sz="400"/>
+            <a:lvl4pPr marL="502966" indent="0" algn="ctr">
+              <a:buNone/>
+              <a:defRPr sz="587"/>
             </a:lvl4pPr>
-            <a:lvl5pPr marL="457200" indent="0" algn="ctr">
-              <a:buNone/>
-              <a:defRPr sz="400"/>
+            <a:lvl5pPr marL="670621" indent="0" algn="ctr">
+              <a:buNone/>
+              <a:defRPr sz="587"/>
             </a:lvl5pPr>
-            <a:lvl6pPr marL="571500" indent="0" algn="ctr">
-              <a:buNone/>
-              <a:defRPr sz="400"/>
+            <a:lvl6pPr marL="838276" indent="0" algn="ctr">
+              <a:buNone/>
+              <a:defRPr sz="587"/>
             </a:lvl6pPr>
-            <a:lvl7pPr marL="685800" indent="0" algn="ctr">
-              <a:buNone/>
-              <a:defRPr sz="400"/>
+            <a:lvl7pPr marL="1005931" indent="0" algn="ctr">
+              <a:buNone/>
+              <a:defRPr sz="587"/>
             </a:lvl7pPr>
-            <a:lvl8pPr marL="800100" indent="0" algn="ctr">
-              <a:buNone/>
-              <a:defRPr sz="400"/>
+            <a:lvl8pPr marL="1173587" indent="0" algn="ctr">
+              <a:buNone/>
+              <a:defRPr sz="587"/>
             </a:lvl8pPr>
-            <a:lvl9pPr marL="914400" indent="0" algn="ctr">
-              <a:buNone/>
-              <a:defRPr sz="400"/>
+            <a:lvl9pPr marL="1341242" indent="0" algn="ctr">
+              <a:buNone/>
+              <a:defRPr sz="587"/>
             </a:lvl9pPr>
           </a:lstStyle>
           <a:p>
@@ -726,7 +640,7 @@
           <a:p>
             <a:fld id="{B2EC105D-F84F-4B0D-B186-F026FCD65647}" type="datetimeFigureOut">
               <a:rPr lang="en-US" smtClean="0"/>
-              <a:t>2/8/2023</a:t>
+              <a:t>2/21/2023</a:t>
             </a:fld>
             <a:endParaRPr lang="en-US"/>
           </a:p>
@@ -777,7 +691,7 @@
     </p:spTree>
     <p:extLst>
       <p:ext uri="{BB962C8B-B14F-4D97-AF65-F5344CB8AC3E}">
-        <p14:creationId xmlns:p14="http://schemas.microsoft.com/office/powerpoint/2010/main" val="1530688099"/>
+        <p14:creationId xmlns:p14="http://schemas.microsoft.com/office/powerpoint/2010/main" val="2015369508"/>
       </p:ext>
     </p:extLst>
   </p:cSld>
@@ -896,7 +810,7 @@
           <a:p>
             <a:fld id="{B2EC105D-F84F-4B0D-B186-F026FCD65647}" type="datetimeFigureOut">
               <a:rPr lang="en-US" smtClean="0"/>
-              <a:t>2/8/2023</a:t>
+              <a:t>2/21/2023</a:t>
             </a:fld>
             <a:endParaRPr lang="en-US"/>
           </a:p>
@@ -947,7 +861,7 @@
     </p:spTree>
     <p:extLst>
       <p:ext uri="{BB962C8B-B14F-4D97-AF65-F5344CB8AC3E}">
-        <p14:creationId xmlns:p14="http://schemas.microsoft.com/office/powerpoint/2010/main" val="2063032866"/>
+        <p14:creationId xmlns:p14="http://schemas.microsoft.com/office/powerpoint/2010/main" val="3123261786"/>
       </p:ext>
     </p:extLst>
   </p:cSld>
@@ -986,8 +900,8 @@
         </p:nvSpPr>
         <p:spPr>
           <a:xfrm>
-            <a:off x="1635919" y="194733"/>
-            <a:ext cx="492919" cy="3099647"/>
+            <a:off x="4580572" y="133879"/>
+            <a:ext cx="1380173" cy="2131007"/>
           </a:xfrm>
         </p:spPr>
         <p:txBody>
@@ -1014,8 +928,8 @@
         </p:nvSpPr>
         <p:spPr>
           <a:xfrm>
-            <a:off x="157163" y="194733"/>
-            <a:ext cx="1450181" cy="3099647"/>
+            <a:off x="440055" y="133879"/>
+            <a:ext cx="4060508" cy="2131007"/>
           </a:xfrm>
         </p:spPr>
         <p:txBody>
@@ -1076,7 +990,7 @@
           <a:p>
             <a:fld id="{B2EC105D-F84F-4B0D-B186-F026FCD65647}" type="datetimeFigureOut">
               <a:rPr lang="en-US" smtClean="0"/>
-              <a:t>2/8/2023</a:t>
+              <a:t>2/21/2023</a:t>
             </a:fld>
             <a:endParaRPr lang="en-US"/>
           </a:p>
@@ -1127,7 +1041,7 @@
     </p:spTree>
     <p:extLst>
       <p:ext uri="{BB962C8B-B14F-4D97-AF65-F5344CB8AC3E}">
-        <p14:creationId xmlns:p14="http://schemas.microsoft.com/office/powerpoint/2010/main" val="2990557364"/>
+        <p14:creationId xmlns:p14="http://schemas.microsoft.com/office/powerpoint/2010/main" val="3876283703"/>
       </p:ext>
     </p:extLst>
   </p:cSld>
@@ -1246,7 +1160,7 @@
           <a:p>
             <a:fld id="{B2EC105D-F84F-4B0D-B186-F026FCD65647}" type="datetimeFigureOut">
               <a:rPr lang="en-US" smtClean="0"/>
-              <a:t>2/8/2023</a:t>
+              <a:t>2/21/2023</a:t>
             </a:fld>
             <a:endParaRPr lang="en-US"/>
           </a:p>
@@ -1297,7 +1211,7 @@
     </p:spTree>
     <p:extLst>
       <p:ext uri="{BB962C8B-B14F-4D97-AF65-F5344CB8AC3E}">
-        <p14:creationId xmlns:p14="http://schemas.microsoft.com/office/powerpoint/2010/main" val="1056773184"/>
+        <p14:creationId xmlns:p14="http://schemas.microsoft.com/office/powerpoint/2010/main" val="655606358"/>
       </p:ext>
     </p:extLst>
   </p:cSld>
@@ -1336,15 +1250,15 @@
         </p:nvSpPr>
         <p:spPr>
           <a:xfrm>
-            <a:off x="155972" y="911861"/>
-            <a:ext cx="1971675" cy="1521460"/>
+            <a:off x="436721" y="626904"/>
+            <a:ext cx="5520690" cy="1046004"/>
           </a:xfrm>
         </p:spPr>
         <p:txBody>
           <a:bodyPr anchor="b"/>
           <a:lstStyle>
             <a:lvl1pPr>
-              <a:defRPr sz="1500"/>
+              <a:defRPr sz="2200"/>
             </a:lvl1pPr>
           </a:lstStyle>
           <a:p>
@@ -1368,8 +1282,8 @@
         </p:nvSpPr>
         <p:spPr>
           <a:xfrm>
-            <a:off x="155972" y="2447714"/>
-            <a:ext cx="1971675" cy="800100"/>
+            <a:off x="436721" y="1682803"/>
+            <a:ext cx="5520690" cy="550069"/>
           </a:xfrm>
         </p:spPr>
         <p:txBody>
@@ -1377,15 +1291,17 @@
           <a:lstStyle>
             <a:lvl1pPr marL="0" indent="0">
               <a:buNone/>
-              <a:defRPr sz="600">
+              <a:defRPr sz="880">
                 <a:solidFill>
-                  <a:schemeClr val="tx1"/>
+                  <a:schemeClr val="tx1">
+                    <a:tint val="75000"/>
+                  </a:schemeClr>
                 </a:solidFill>
               </a:defRPr>
             </a:lvl1pPr>
-            <a:lvl2pPr marL="114300" indent="0">
-              <a:buNone/>
-              <a:defRPr sz="500">
+            <a:lvl2pPr marL="167655" indent="0">
+              <a:buNone/>
+              <a:defRPr sz="733">
                 <a:solidFill>
                   <a:schemeClr val="tx1">
                     <a:tint val="75000"/>
@@ -1393,9 +1309,9 @@
                 </a:solidFill>
               </a:defRPr>
             </a:lvl2pPr>
-            <a:lvl3pPr marL="228600" indent="0">
-              <a:buNone/>
-              <a:defRPr sz="450">
+            <a:lvl3pPr marL="335310" indent="0">
+              <a:buNone/>
+              <a:defRPr sz="660">
                 <a:solidFill>
                   <a:schemeClr val="tx1">
                     <a:tint val="75000"/>
@@ -1403,9 +1319,9 @@
                 </a:solidFill>
               </a:defRPr>
             </a:lvl3pPr>
-            <a:lvl4pPr marL="342900" indent="0">
-              <a:buNone/>
-              <a:defRPr sz="400">
+            <a:lvl4pPr marL="502966" indent="0">
+              <a:buNone/>
+              <a:defRPr sz="587">
                 <a:solidFill>
                   <a:schemeClr val="tx1">
                     <a:tint val="75000"/>
@@ -1413,9 +1329,9 @@
                 </a:solidFill>
               </a:defRPr>
             </a:lvl4pPr>
-            <a:lvl5pPr marL="457200" indent="0">
-              <a:buNone/>
-              <a:defRPr sz="400">
+            <a:lvl5pPr marL="670621" indent="0">
+              <a:buNone/>
+              <a:defRPr sz="587">
                 <a:solidFill>
                   <a:schemeClr val="tx1">
                     <a:tint val="75000"/>
@@ -1423,9 +1339,9 @@
                 </a:solidFill>
               </a:defRPr>
             </a:lvl5pPr>
-            <a:lvl6pPr marL="571500" indent="0">
-              <a:buNone/>
-              <a:defRPr sz="400">
+            <a:lvl6pPr marL="838276" indent="0">
+              <a:buNone/>
+              <a:defRPr sz="587">
                 <a:solidFill>
                   <a:schemeClr val="tx1">
                     <a:tint val="75000"/>
@@ -1433,9 +1349,9 @@
                 </a:solidFill>
               </a:defRPr>
             </a:lvl6pPr>
-            <a:lvl7pPr marL="685800" indent="0">
-              <a:buNone/>
-              <a:defRPr sz="400">
+            <a:lvl7pPr marL="1005931" indent="0">
+              <a:buNone/>
+              <a:defRPr sz="587">
                 <a:solidFill>
                   <a:schemeClr val="tx1">
                     <a:tint val="75000"/>
@@ -1443,9 +1359,9 @@
                 </a:solidFill>
               </a:defRPr>
             </a:lvl7pPr>
-            <a:lvl8pPr marL="800100" indent="0">
-              <a:buNone/>
-              <a:defRPr sz="400">
+            <a:lvl8pPr marL="1173587" indent="0">
+              <a:buNone/>
+              <a:defRPr sz="587">
                 <a:solidFill>
                   <a:schemeClr val="tx1">
                     <a:tint val="75000"/>
@@ -1453,9 +1369,9 @@
                 </a:solidFill>
               </a:defRPr>
             </a:lvl8pPr>
-            <a:lvl9pPr marL="914400" indent="0">
-              <a:buNone/>
-              <a:defRPr sz="400">
+            <a:lvl9pPr marL="1341242" indent="0">
+              <a:buNone/>
+              <a:defRPr sz="587">
                 <a:solidFill>
                   <a:schemeClr val="tx1">
                     <a:tint val="75000"/>
@@ -1490,7 +1406,7 @@
           <a:p>
             <a:fld id="{B2EC105D-F84F-4B0D-B186-F026FCD65647}" type="datetimeFigureOut">
               <a:rPr lang="en-US" smtClean="0"/>
-              <a:t>2/8/2023</a:t>
+              <a:t>2/21/2023</a:t>
             </a:fld>
             <a:endParaRPr lang="en-US"/>
           </a:p>
@@ -1541,7 +1457,7 @@
     </p:spTree>
     <p:extLst>
       <p:ext uri="{BB962C8B-B14F-4D97-AF65-F5344CB8AC3E}">
-        <p14:creationId xmlns:p14="http://schemas.microsoft.com/office/powerpoint/2010/main" val="3878816328"/>
+        <p14:creationId xmlns:p14="http://schemas.microsoft.com/office/powerpoint/2010/main" val="3666111397"/>
       </p:ext>
     </p:extLst>
   </p:cSld>
@@ -1603,8 +1519,8 @@
         </p:nvSpPr>
         <p:spPr>
           <a:xfrm>
-            <a:off x="157163" y="973666"/>
-            <a:ext cx="971550" cy="2320714"/>
+            <a:off x="440055" y="669396"/>
+            <a:ext cx="2720340" cy="1595491"/>
           </a:xfrm>
         </p:spPr>
         <p:txBody>
@@ -1660,8 +1576,8 @@
         </p:nvSpPr>
         <p:spPr>
           <a:xfrm>
-            <a:off x="1157288" y="973666"/>
-            <a:ext cx="971550" cy="2320714"/>
+            <a:off x="3240405" y="669396"/>
+            <a:ext cx="2720340" cy="1595491"/>
           </a:xfrm>
         </p:spPr>
         <p:txBody>
@@ -1722,7 +1638,7 @@
           <a:p>
             <a:fld id="{B2EC105D-F84F-4B0D-B186-F026FCD65647}" type="datetimeFigureOut">
               <a:rPr lang="en-US" smtClean="0"/>
-              <a:t>2/8/2023</a:t>
+              <a:t>2/21/2023</a:t>
             </a:fld>
             <a:endParaRPr lang="en-US"/>
           </a:p>
@@ -1773,7 +1689,7 @@
     </p:spTree>
     <p:extLst>
       <p:ext uri="{BB962C8B-B14F-4D97-AF65-F5344CB8AC3E}">
-        <p14:creationId xmlns:p14="http://schemas.microsoft.com/office/powerpoint/2010/main" val="1083796028"/>
+        <p14:creationId xmlns:p14="http://schemas.microsoft.com/office/powerpoint/2010/main" val="1907284312"/>
       </p:ext>
     </p:extLst>
   </p:cSld>
@@ -1812,8 +1728,8 @@
         </p:nvSpPr>
         <p:spPr>
           <a:xfrm>
-            <a:off x="157460" y="194734"/>
-            <a:ext cx="1971675" cy="706967"/>
+            <a:off x="440889" y="133879"/>
+            <a:ext cx="5520690" cy="486040"/>
           </a:xfrm>
         </p:spPr>
         <p:txBody>
@@ -1840,8 +1756,8 @@
         </p:nvSpPr>
         <p:spPr>
           <a:xfrm>
-            <a:off x="157461" y="896620"/>
-            <a:ext cx="967085" cy="439420"/>
+            <a:off x="440889" y="616426"/>
+            <a:ext cx="2707838" cy="302101"/>
           </a:xfrm>
         </p:spPr>
         <p:txBody>
@@ -1849,39 +1765,39 @@
           <a:lstStyle>
             <a:lvl1pPr marL="0" indent="0">
               <a:buNone/>
-              <a:defRPr sz="600" b="1"/>
+              <a:defRPr sz="880" b="1"/>
             </a:lvl1pPr>
-            <a:lvl2pPr marL="114300" indent="0">
-              <a:buNone/>
-              <a:defRPr sz="500" b="1"/>
+            <a:lvl2pPr marL="167655" indent="0">
+              <a:buNone/>
+              <a:defRPr sz="733" b="1"/>
             </a:lvl2pPr>
-            <a:lvl3pPr marL="228600" indent="0">
-              <a:buNone/>
-              <a:defRPr sz="450" b="1"/>
+            <a:lvl3pPr marL="335310" indent="0">
+              <a:buNone/>
+              <a:defRPr sz="660" b="1"/>
             </a:lvl3pPr>
-            <a:lvl4pPr marL="342900" indent="0">
-              <a:buNone/>
-              <a:defRPr sz="400" b="1"/>
+            <a:lvl4pPr marL="502966" indent="0">
+              <a:buNone/>
+              <a:defRPr sz="587" b="1"/>
             </a:lvl4pPr>
-            <a:lvl5pPr marL="457200" indent="0">
-              <a:buNone/>
-              <a:defRPr sz="400" b="1"/>
+            <a:lvl5pPr marL="670621" indent="0">
+              <a:buNone/>
+              <a:defRPr sz="587" b="1"/>
             </a:lvl5pPr>
-            <a:lvl6pPr marL="571500" indent="0">
-              <a:buNone/>
-              <a:defRPr sz="400" b="1"/>
+            <a:lvl6pPr marL="838276" indent="0">
+              <a:buNone/>
+              <a:defRPr sz="587" b="1"/>
             </a:lvl6pPr>
-            <a:lvl7pPr marL="685800" indent="0">
-              <a:buNone/>
-              <a:defRPr sz="400" b="1"/>
+            <a:lvl7pPr marL="1005931" indent="0">
+              <a:buNone/>
+              <a:defRPr sz="587" b="1"/>
             </a:lvl7pPr>
-            <a:lvl8pPr marL="800100" indent="0">
-              <a:buNone/>
-              <a:defRPr sz="400" b="1"/>
+            <a:lvl8pPr marL="1173587" indent="0">
+              <a:buNone/>
+              <a:defRPr sz="587" b="1"/>
             </a:lvl8pPr>
-            <a:lvl9pPr marL="914400" indent="0">
-              <a:buNone/>
-              <a:defRPr sz="400" b="1"/>
+            <a:lvl9pPr marL="1341242" indent="0">
+              <a:buNone/>
+              <a:defRPr sz="587" b="1"/>
             </a:lvl9pPr>
           </a:lstStyle>
           <a:p>
@@ -1905,8 +1821,8 @@
         </p:nvSpPr>
         <p:spPr>
           <a:xfrm>
-            <a:off x="157461" y="1336040"/>
-            <a:ext cx="967085" cy="1965114"/>
+            <a:off x="440889" y="918527"/>
+            <a:ext cx="2707838" cy="1351016"/>
           </a:xfrm>
         </p:spPr>
         <p:txBody>
@@ -1962,8 +1878,8 @@
         </p:nvSpPr>
         <p:spPr>
           <a:xfrm>
-            <a:off x="1157288" y="896620"/>
-            <a:ext cx="971848" cy="439420"/>
+            <a:off x="3240405" y="616426"/>
+            <a:ext cx="2721174" cy="302101"/>
           </a:xfrm>
         </p:spPr>
         <p:txBody>
@@ -1971,39 +1887,39 @@
           <a:lstStyle>
             <a:lvl1pPr marL="0" indent="0">
               <a:buNone/>
-              <a:defRPr sz="600" b="1"/>
+              <a:defRPr sz="880" b="1"/>
             </a:lvl1pPr>
-            <a:lvl2pPr marL="114300" indent="0">
-              <a:buNone/>
-              <a:defRPr sz="500" b="1"/>
+            <a:lvl2pPr marL="167655" indent="0">
+              <a:buNone/>
+              <a:defRPr sz="733" b="1"/>
             </a:lvl2pPr>
-            <a:lvl3pPr marL="228600" indent="0">
-              <a:buNone/>
-              <a:defRPr sz="450" b="1"/>
+            <a:lvl3pPr marL="335310" indent="0">
+              <a:buNone/>
+              <a:defRPr sz="660" b="1"/>
             </a:lvl3pPr>
-            <a:lvl4pPr marL="342900" indent="0">
-              <a:buNone/>
-              <a:defRPr sz="400" b="1"/>
+            <a:lvl4pPr marL="502966" indent="0">
+              <a:buNone/>
+              <a:defRPr sz="587" b="1"/>
             </a:lvl4pPr>
-            <a:lvl5pPr marL="457200" indent="0">
-              <a:buNone/>
-              <a:defRPr sz="400" b="1"/>
+            <a:lvl5pPr marL="670621" indent="0">
+              <a:buNone/>
+              <a:defRPr sz="587" b="1"/>
             </a:lvl5pPr>
-            <a:lvl6pPr marL="571500" indent="0">
-              <a:buNone/>
-              <a:defRPr sz="400" b="1"/>
+            <a:lvl6pPr marL="838276" indent="0">
+              <a:buNone/>
+              <a:defRPr sz="587" b="1"/>
             </a:lvl6pPr>
-            <a:lvl7pPr marL="685800" indent="0">
-              <a:buNone/>
-              <a:defRPr sz="400" b="1"/>
+            <a:lvl7pPr marL="1005931" indent="0">
+              <a:buNone/>
+              <a:defRPr sz="587" b="1"/>
             </a:lvl7pPr>
-            <a:lvl8pPr marL="800100" indent="0">
-              <a:buNone/>
-              <a:defRPr sz="400" b="1"/>
+            <a:lvl8pPr marL="1173587" indent="0">
+              <a:buNone/>
+              <a:defRPr sz="587" b="1"/>
             </a:lvl8pPr>
-            <a:lvl9pPr marL="914400" indent="0">
-              <a:buNone/>
-              <a:defRPr sz="400" b="1"/>
+            <a:lvl9pPr marL="1341242" indent="0">
+              <a:buNone/>
+              <a:defRPr sz="587" b="1"/>
             </a:lvl9pPr>
           </a:lstStyle>
           <a:p>
@@ -2027,8 +1943,8 @@
         </p:nvSpPr>
         <p:spPr>
           <a:xfrm>
-            <a:off x="1157288" y="1336040"/>
-            <a:ext cx="971848" cy="1965114"/>
+            <a:off x="3240405" y="918527"/>
+            <a:ext cx="2721174" cy="1351016"/>
           </a:xfrm>
         </p:spPr>
         <p:txBody>
@@ -2089,7 +2005,7 @@
           <a:p>
             <a:fld id="{B2EC105D-F84F-4B0D-B186-F026FCD65647}" type="datetimeFigureOut">
               <a:rPr lang="en-US" smtClean="0"/>
-              <a:t>2/8/2023</a:t>
+              <a:t>2/21/2023</a:t>
             </a:fld>
             <a:endParaRPr lang="en-US"/>
           </a:p>
@@ -2140,7 +2056,7 @@
     </p:spTree>
     <p:extLst>
       <p:ext uri="{BB962C8B-B14F-4D97-AF65-F5344CB8AC3E}">
-        <p14:creationId xmlns:p14="http://schemas.microsoft.com/office/powerpoint/2010/main" val="4053286106"/>
+        <p14:creationId xmlns:p14="http://schemas.microsoft.com/office/powerpoint/2010/main" val="1526890675"/>
       </p:ext>
     </p:extLst>
   </p:cSld>
@@ -2207,7 +2123,7 @@
           <a:p>
             <a:fld id="{B2EC105D-F84F-4B0D-B186-F026FCD65647}" type="datetimeFigureOut">
               <a:rPr lang="en-US" smtClean="0"/>
-              <a:t>2/8/2023</a:t>
+              <a:t>2/21/2023</a:t>
             </a:fld>
             <a:endParaRPr lang="en-US"/>
           </a:p>
@@ -2258,7 +2174,7 @@
     </p:spTree>
     <p:extLst>
       <p:ext uri="{BB962C8B-B14F-4D97-AF65-F5344CB8AC3E}">
-        <p14:creationId xmlns:p14="http://schemas.microsoft.com/office/powerpoint/2010/main" val="2291324959"/>
+        <p14:creationId xmlns:p14="http://schemas.microsoft.com/office/powerpoint/2010/main" val="3150829081"/>
       </p:ext>
     </p:extLst>
   </p:cSld>
@@ -2302,7 +2218,7 @@
           <a:p>
             <a:fld id="{B2EC105D-F84F-4B0D-B186-F026FCD65647}" type="datetimeFigureOut">
               <a:rPr lang="en-US" smtClean="0"/>
-              <a:t>2/8/2023</a:t>
+              <a:t>2/21/2023</a:t>
             </a:fld>
             <a:endParaRPr lang="en-US"/>
           </a:p>
@@ -2353,7 +2269,7 @@
     </p:spTree>
     <p:extLst>
       <p:ext uri="{BB962C8B-B14F-4D97-AF65-F5344CB8AC3E}">
-        <p14:creationId xmlns:p14="http://schemas.microsoft.com/office/powerpoint/2010/main" val="4125054221"/>
+        <p14:creationId xmlns:p14="http://schemas.microsoft.com/office/powerpoint/2010/main" val="3191909664"/>
       </p:ext>
     </p:extLst>
   </p:cSld>
@@ -2392,15 +2308,15 @@
         </p:nvSpPr>
         <p:spPr>
           <a:xfrm>
-            <a:off x="157460" y="243840"/>
-            <a:ext cx="737295" cy="853440"/>
+            <a:off x="440889" y="167640"/>
+            <a:ext cx="2064424" cy="586740"/>
           </a:xfrm>
         </p:spPr>
         <p:txBody>
           <a:bodyPr anchor="b"/>
           <a:lstStyle>
             <a:lvl1pPr>
-              <a:defRPr sz="800"/>
+              <a:defRPr sz="1173"/>
             </a:lvl1pPr>
           </a:lstStyle>
           <a:p>
@@ -2424,39 +2340,39 @@
         </p:nvSpPr>
         <p:spPr>
           <a:xfrm>
-            <a:off x="971847" y="526627"/>
-            <a:ext cx="1157288" cy="2599267"/>
+            <a:off x="2721174" y="362056"/>
+            <a:ext cx="3240405" cy="1786996"/>
           </a:xfrm>
         </p:spPr>
         <p:txBody>
           <a:bodyPr/>
           <a:lstStyle>
             <a:lvl1pPr>
-              <a:defRPr sz="800"/>
+              <a:defRPr sz="1173"/>
             </a:lvl1pPr>
             <a:lvl2pPr>
-              <a:defRPr sz="700"/>
+              <a:defRPr sz="1027"/>
             </a:lvl2pPr>
             <a:lvl3pPr>
-              <a:defRPr sz="600"/>
+              <a:defRPr sz="880"/>
             </a:lvl3pPr>
             <a:lvl4pPr>
-              <a:defRPr sz="500"/>
+              <a:defRPr sz="733"/>
             </a:lvl4pPr>
             <a:lvl5pPr>
-              <a:defRPr sz="500"/>
+              <a:defRPr sz="733"/>
             </a:lvl5pPr>
             <a:lvl6pPr>
-              <a:defRPr sz="500"/>
+              <a:defRPr sz="733"/>
             </a:lvl6pPr>
             <a:lvl7pPr>
-              <a:defRPr sz="500"/>
+              <a:defRPr sz="733"/>
             </a:lvl7pPr>
             <a:lvl8pPr>
-              <a:defRPr sz="500"/>
+              <a:defRPr sz="733"/>
             </a:lvl8pPr>
             <a:lvl9pPr>
-              <a:defRPr sz="500"/>
+              <a:defRPr sz="733"/>
             </a:lvl9pPr>
           </a:lstStyle>
           <a:p>
@@ -2509,8 +2425,8 @@
         </p:nvSpPr>
         <p:spPr>
           <a:xfrm>
-            <a:off x="157460" y="1097280"/>
-            <a:ext cx="737295" cy="2032847"/>
+            <a:off x="440889" y="754380"/>
+            <a:ext cx="2064424" cy="1397582"/>
           </a:xfrm>
         </p:spPr>
         <p:txBody>
@@ -2518,39 +2434,39 @@
           <a:lstStyle>
             <a:lvl1pPr marL="0" indent="0">
               <a:buNone/>
-              <a:defRPr sz="400"/>
+              <a:defRPr sz="587"/>
             </a:lvl1pPr>
-            <a:lvl2pPr marL="114300" indent="0">
-              <a:buNone/>
-              <a:defRPr sz="350"/>
+            <a:lvl2pPr marL="167655" indent="0">
+              <a:buNone/>
+              <a:defRPr sz="513"/>
             </a:lvl2pPr>
-            <a:lvl3pPr marL="228600" indent="0">
-              <a:buNone/>
-              <a:defRPr sz="300"/>
+            <a:lvl3pPr marL="335310" indent="0">
+              <a:buNone/>
+              <a:defRPr sz="440"/>
             </a:lvl3pPr>
-            <a:lvl4pPr marL="342900" indent="0">
-              <a:buNone/>
-              <a:defRPr sz="250"/>
+            <a:lvl4pPr marL="502966" indent="0">
+              <a:buNone/>
+              <a:defRPr sz="367"/>
             </a:lvl4pPr>
-            <a:lvl5pPr marL="457200" indent="0">
-              <a:buNone/>
-              <a:defRPr sz="250"/>
+            <a:lvl5pPr marL="670621" indent="0">
+              <a:buNone/>
+              <a:defRPr sz="367"/>
             </a:lvl5pPr>
-            <a:lvl6pPr marL="571500" indent="0">
-              <a:buNone/>
-              <a:defRPr sz="250"/>
+            <a:lvl6pPr marL="838276" indent="0">
+              <a:buNone/>
+              <a:defRPr sz="367"/>
             </a:lvl6pPr>
-            <a:lvl7pPr marL="685800" indent="0">
-              <a:buNone/>
-              <a:defRPr sz="250"/>
+            <a:lvl7pPr marL="1005931" indent="0">
+              <a:buNone/>
+              <a:defRPr sz="367"/>
             </a:lvl7pPr>
-            <a:lvl8pPr marL="800100" indent="0">
-              <a:buNone/>
-              <a:defRPr sz="250"/>
+            <a:lvl8pPr marL="1173587" indent="0">
+              <a:buNone/>
+              <a:defRPr sz="367"/>
             </a:lvl8pPr>
-            <a:lvl9pPr marL="914400" indent="0">
-              <a:buNone/>
-              <a:defRPr sz="250"/>
+            <a:lvl9pPr marL="1341242" indent="0">
+              <a:buNone/>
+              <a:defRPr sz="367"/>
             </a:lvl9pPr>
           </a:lstStyle>
           <a:p>
@@ -2579,7 +2495,7 @@
           <a:p>
             <a:fld id="{B2EC105D-F84F-4B0D-B186-F026FCD65647}" type="datetimeFigureOut">
               <a:rPr lang="en-US" smtClean="0"/>
-              <a:t>2/8/2023</a:t>
+              <a:t>2/21/2023</a:t>
             </a:fld>
             <a:endParaRPr lang="en-US"/>
           </a:p>
@@ -2630,7 +2546,7 @@
     </p:spTree>
     <p:extLst>
       <p:ext uri="{BB962C8B-B14F-4D97-AF65-F5344CB8AC3E}">
-        <p14:creationId xmlns:p14="http://schemas.microsoft.com/office/powerpoint/2010/main" val="849187736"/>
+        <p14:creationId xmlns:p14="http://schemas.microsoft.com/office/powerpoint/2010/main" val="2699568999"/>
       </p:ext>
     </p:extLst>
   </p:cSld>
@@ -2669,15 +2585,15 @@
         </p:nvSpPr>
         <p:spPr>
           <a:xfrm>
-            <a:off x="157460" y="243840"/>
-            <a:ext cx="737295" cy="853440"/>
+            <a:off x="440889" y="167640"/>
+            <a:ext cx="2064424" cy="586740"/>
           </a:xfrm>
         </p:spPr>
         <p:txBody>
           <a:bodyPr anchor="b"/>
           <a:lstStyle>
             <a:lvl1pPr>
-              <a:defRPr sz="800"/>
+              <a:defRPr sz="1173"/>
             </a:lvl1pPr>
           </a:lstStyle>
           <a:p>
@@ -2701,8 +2617,8 @@
         </p:nvSpPr>
         <p:spPr>
           <a:xfrm>
-            <a:off x="971847" y="526627"/>
-            <a:ext cx="1157288" cy="2599267"/>
+            <a:off x="2721174" y="362056"/>
+            <a:ext cx="3240405" cy="1786996"/>
           </a:xfrm>
         </p:spPr>
         <p:txBody>
@@ -2710,39 +2626,39 @@
           <a:lstStyle>
             <a:lvl1pPr marL="0" indent="0">
               <a:buNone/>
-              <a:defRPr sz="800"/>
+              <a:defRPr sz="1173"/>
             </a:lvl1pPr>
-            <a:lvl2pPr marL="114300" indent="0">
-              <a:buNone/>
-              <a:defRPr sz="700"/>
+            <a:lvl2pPr marL="167655" indent="0">
+              <a:buNone/>
+              <a:defRPr sz="1027"/>
             </a:lvl2pPr>
-            <a:lvl3pPr marL="228600" indent="0">
-              <a:buNone/>
-              <a:defRPr sz="600"/>
+            <a:lvl3pPr marL="335310" indent="0">
+              <a:buNone/>
+              <a:defRPr sz="880"/>
             </a:lvl3pPr>
-            <a:lvl4pPr marL="342900" indent="0">
-              <a:buNone/>
-              <a:defRPr sz="500"/>
+            <a:lvl4pPr marL="502966" indent="0">
+              <a:buNone/>
+              <a:defRPr sz="733"/>
             </a:lvl4pPr>
-            <a:lvl5pPr marL="457200" indent="0">
-              <a:buNone/>
-              <a:defRPr sz="500"/>
+            <a:lvl5pPr marL="670621" indent="0">
+              <a:buNone/>
+              <a:defRPr sz="733"/>
             </a:lvl5pPr>
-            <a:lvl6pPr marL="571500" indent="0">
-              <a:buNone/>
-              <a:defRPr sz="500"/>
+            <a:lvl6pPr marL="838276" indent="0">
+              <a:buNone/>
+              <a:defRPr sz="733"/>
             </a:lvl6pPr>
-            <a:lvl7pPr marL="685800" indent="0">
-              <a:buNone/>
-              <a:defRPr sz="500"/>
+            <a:lvl7pPr marL="1005931" indent="0">
+              <a:buNone/>
+              <a:defRPr sz="733"/>
             </a:lvl7pPr>
-            <a:lvl8pPr marL="800100" indent="0">
-              <a:buNone/>
-              <a:defRPr sz="500"/>
+            <a:lvl8pPr marL="1173587" indent="0">
+              <a:buNone/>
+              <a:defRPr sz="733"/>
             </a:lvl8pPr>
-            <a:lvl9pPr marL="914400" indent="0">
-              <a:buNone/>
-              <a:defRPr sz="500"/>
+            <a:lvl9pPr marL="1341242" indent="0">
+              <a:buNone/>
+              <a:defRPr sz="733"/>
             </a:lvl9pPr>
           </a:lstStyle>
           <a:p>
@@ -2766,8 +2682,8 @@
         </p:nvSpPr>
         <p:spPr>
           <a:xfrm>
-            <a:off x="157460" y="1097280"/>
-            <a:ext cx="737295" cy="2032847"/>
+            <a:off x="440889" y="754380"/>
+            <a:ext cx="2064424" cy="1397582"/>
           </a:xfrm>
         </p:spPr>
         <p:txBody>
@@ -2775,39 +2691,39 @@
           <a:lstStyle>
             <a:lvl1pPr marL="0" indent="0">
               <a:buNone/>
-              <a:defRPr sz="400"/>
+              <a:defRPr sz="587"/>
             </a:lvl1pPr>
-            <a:lvl2pPr marL="114300" indent="0">
-              <a:buNone/>
-              <a:defRPr sz="350"/>
+            <a:lvl2pPr marL="167655" indent="0">
+              <a:buNone/>
+              <a:defRPr sz="513"/>
             </a:lvl2pPr>
-            <a:lvl3pPr marL="228600" indent="0">
-              <a:buNone/>
-              <a:defRPr sz="300"/>
+            <a:lvl3pPr marL="335310" indent="0">
+              <a:buNone/>
+              <a:defRPr sz="440"/>
             </a:lvl3pPr>
-            <a:lvl4pPr marL="342900" indent="0">
-              <a:buNone/>
-              <a:defRPr sz="250"/>
+            <a:lvl4pPr marL="502966" indent="0">
+              <a:buNone/>
+              <a:defRPr sz="367"/>
             </a:lvl4pPr>
-            <a:lvl5pPr marL="457200" indent="0">
-              <a:buNone/>
-              <a:defRPr sz="250"/>
+            <a:lvl5pPr marL="670621" indent="0">
+              <a:buNone/>
+              <a:defRPr sz="367"/>
             </a:lvl5pPr>
-            <a:lvl6pPr marL="571500" indent="0">
-              <a:buNone/>
-              <a:defRPr sz="250"/>
+            <a:lvl6pPr marL="838276" indent="0">
+              <a:buNone/>
+              <a:defRPr sz="367"/>
             </a:lvl6pPr>
-            <a:lvl7pPr marL="685800" indent="0">
-              <a:buNone/>
-              <a:defRPr sz="250"/>
+            <a:lvl7pPr marL="1005931" indent="0">
+              <a:buNone/>
+              <a:defRPr sz="367"/>
             </a:lvl7pPr>
-            <a:lvl8pPr marL="800100" indent="0">
-              <a:buNone/>
-              <a:defRPr sz="250"/>
+            <a:lvl8pPr marL="1173587" indent="0">
+              <a:buNone/>
+              <a:defRPr sz="367"/>
             </a:lvl8pPr>
-            <a:lvl9pPr marL="914400" indent="0">
-              <a:buNone/>
-              <a:defRPr sz="250"/>
+            <a:lvl9pPr marL="1341242" indent="0">
+              <a:buNone/>
+              <a:defRPr sz="367"/>
             </a:lvl9pPr>
           </a:lstStyle>
           <a:p>
@@ -2836,7 +2752,7 @@
           <a:p>
             <a:fld id="{B2EC105D-F84F-4B0D-B186-F026FCD65647}" type="datetimeFigureOut">
               <a:rPr lang="en-US" smtClean="0"/>
-              <a:t>2/8/2023</a:t>
+              <a:t>2/21/2023</a:t>
             </a:fld>
             <a:endParaRPr lang="en-US"/>
           </a:p>
@@ -2887,7 +2803,7 @@
     </p:spTree>
     <p:extLst>
       <p:ext uri="{BB962C8B-B14F-4D97-AF65-F5344CB8AC3E}">
-        <p14:creationId xmlns:p14="http://schemas.microsoft.com/office/powerpoint/2010/main" val="1580833762"/>
+        <p14:creationId xmlns:p14="http://schemas.microsoft.com/office/powerpoint/2010/main" val="652660274"/>
       </p:ext>
     </p:extLst>
   </p:cSld>
@@ -2931,8 +2847,8 @@
         </p:nvSpPr>
         <p:spPr>
           <a:xfrm>
-            <a:off x="157163" y="194734"/>
-            <a:ext cx="1971675" cy="706967"/>
+            <a:off x="440055" y="133879"/>
+            <a:ext cx="5520690" cy="486040"/>
           </a:xfrm>
           <a:prstGeom prst="rect">
             <a:avLst/>
@@ -2964,8 +2880,8 @@
         </p:nvSpPr>
         <p:spPr>
           <a:xfrm>
-            <a:off x="157163" y="973666"/>
-            <a:ext cx="1971675" cy="2320714"/>
+            <a:off x="440055" y="669396"/>
+            <a:ext cx="5520690" cy="1595491"/>
           </a:xfrm>
           <a:prstGeom prst="rect">
             <a:avLst/>
@@ -3026,8 +2942,8 @@
         </p:nvSpPr>
         <p:spPr>
           <a:xfrm>
-            <a:off x="157163" y="3390054"/>
-            <a:ext cx="514350" cy="194733"/>
+            <a:off x="440055" y="2330662"/>
+            <a:ext cx="1440180" cy="133879"/>
           </a:xfrm>
           <a:prstGeom prst="rect">
             <a:avLst/>
@@ -3037,7 +2953,7 @@
           <a:bodyPr vert="horz" lIns="91440" tIns="45720" rIns="91440" bIns="45720" rtlCol="0" anchor="ctr"/>
           <a:lstStyle>
             <a:lvl1pPr algn="l">
-              <a:defRPr sz="300">
+              <a:defRPr sz="440">
                 <a:solidFill>
                   <a:schemeClr val="tx1">
                     <a:tint val="75000"/>
@@ -3049,7 +2965,7 @@
           <a:p>
             <a:fld id="{B2EC105D-F84F-4B0D-B186-F026FCD65647}" type="datetimeFigureOut">
               <a:rPr lang="en-US" smtClean="0"/>
-              <a:t>2/8/2023</a:t>
+              <a:t>2/21/2023</a:t>
             </a:fld>
             <a:endParaRPr lang="en-US"/>
           </a:p>
@@ -3067,8 +2983,8 @@
         </p:nvSpPr>
         <p:spPr>
           <a:xfrm>
-            <a:off x="757238" y="3390054"/>
-            <a:ext cx="771525" cy="194733"/>
+            <a:off x="2120265" y="2330662"/>
+            <a:ext cx="2160270" cy="133879"/>
           </a:xfrm>
           <a:prstGeom prst="rect">
             <a:avLst/>
@@ -3078,7 +2994,7 @@
           <a:bodyPr vert="horz" lIns="91440" tIns="45720" rIns="91440" bIns="45720" rtlCol="0" anchor="ctr"/>
           <a:lstStyle>
             <a:lvl1pPr algn="ctr">
-              <a:defRPr sz="300">
+              <a:defRPr sz="440">
                 <a:solidFill>
                   <a:schemeClr val="tx1">
                     <a:tint val="75000"/>
@@ -3104,8 +3020,8 @@
         </p:nvSpPr>
         <p:spPr>
           <a:xfrm>
-            <a:off x="1614488" y="3390054"/>
-            <a:ext cx="514350" cy="194733"/>
+            <a:off x="4520565" y="2330662"/>
+            <a:ext cx="1440180" cy="133879"/>
           </a:xfrm>
           <a:prstGeom prst="rect">
             <a:avLst/>
@@ -3115,7 +3031,7 @@
           <a:bodyPr vert="horz" lIns="91440" tIns="45720" rIns="91440" bIns="45720" rtlCol="0" anchor="ctr"/>
           <a:lstStyle>
             <a:lvl1pPr algn="r">
-              <a:defRPr sz="300">
+              <a:defRPr sz="440">
                 <a:solidFill>
                   <a:schemeClr val="tx1">
                     <a:tint val="75000"/>
@@ -3136,27 +3052,27 @@
     </p:spTree>
     <p:extLst>
       <p:ext uri="{BB962C8B-B14F-4D97-AF65-F5344CB8AC3E}">
-        <p14:creationId xmlns:p14="http://schemas.microsoft.com/office/powerpoint/2010/main" val="3559230039"/>
+        <p14:creationId xmlns:p14="http://schemas.microsoft.com/office/powerpoint/2010/main" val="2230930851"/>
       </p:ext>
     </p:extLst>
   </p:cSld>
   <p:clrMap bg1="lt1" tx1="dk1" bg2="lt2" tx2="dk2" accent1="accent1" accent2="accent2" accent3="accent3" accent4="accent4" accent5="accent5" accent6="accent6" hlink="hlink" folHlink="folHlink"/>
   <p:sldLayoutIdLst>
-    <p:sldLayoutId id="2147483673" r:id="rId1"/>
-    <p:sldLayoutId id="2147483674" r:id="rId2"/>
-    <p:sldLayoutId id="2147483675" r:id="rId3"/>
-    <p:sldLayoutId id="2147483676" r:id="rId4"/>
-    <p:sldLayoutId id="2147483677" r:id="rId5"/>
-    <p:sldLayoutId id="2147483678" r:id="rId6"/>
-    <p:sldLayoutId id="2147483679" r:id="rId7"/>
-    <p:sldLayoutId id="2147483680" r:id="rId8"/>
-    <p:sldLayoutId id="2147483681" r:id="rId9"/>
-    <p:sldLayoutId id="2147483682" r:id="rId10"/>
-    <p:sldLayoutId id="2147483683" r:id="rId11"/>
+    <p:sldLayoutId id="2147483709" r:id="rId1"/>
+    <p:sldLayoutId id="2147483710" r:id="rId2"/>
+    <p:sldLayoutId id="2147483711" r:id="rId3"/>
+    <p:sldLayoutId id="2147483712" r:id="rId4"/>
+    <p:sldLayoutId id="2147483713" r:id="rId5"/>
+    <p:sldLayoutId id="2147483714" r:id="rId6"/>
+    <p:sldLayoutId id="2147483715" r:id="rId7"/>
+    <p:sldLayoutId id="2147483716" r:id="rId8"/>
+    <p:sldLayoutId id="2147483717" r:id="rId9"/>
+    <p:sldLayoutId id="2147483718" r:id="rId10"/>
+    <p:sldLayoutId id="2147483719" r:id="rId11"/>
   </p:sldLayoutIdLst>
   <p:txStyles>
     <p:titleStyle>
-      <a:lvl1pPr algn="l" defTabSz="228600" rtl="0" eaLnBrk="1" latinLnBrk="0" hangingPunct="1">
+      <a:lvl1pPr algn="l" defTabSz="335310" rtl="0" eaLnBrk="1" latinLnBrk="0" hangingPunct="1">
         <a:lnSpc>
           <a:spcPct val="90000"/>
         </a:lnSpc>
@@ -3164,7 +3080,7 @@
           <a:spcPct val="0"/>
         </a:spcBef>
         <a:buNone/>
-        <a:defRPr sz="1100" kern="1200">
+        <a:defRPr sz="1613" kern="1200">
           <a:solidFill>
             <a:schemeClr val="tx1"/>
           </a:solidFill>
@@ -3175,16 +3091,16 @@
       </a:lvl1pPr>
     </p:titleStyle>
     <p:bodyStyle>
-      <a:lvl1pPr marL="57150" indent="-57150" algn="l" defTabSz="228600" rtl="0" eaLnBrk="1" latinLnBrk="0" hangingPunct="1">
+      <a:lvl1pPr marL="83828" indent="-83828" algn="l" defTabSz="335310" rtl="0" eaLnBrk="1" latinLnBrk="0" hangingPunct="1">
         <a:lnSpc>
           <a:spcPct val="90000"/>
         </a:lnSpc>
         <a:spcBef>
-          <a:spcPts val="250"/>
+          <a:spcPts val="367"/>
         </a:spcBef>
         <a:buFont typeface="Arial" panose="020B0604020202020204" pitchFamily="34" charset="0"/>
         <a:buChar char="•"/>
-        <a:defRPr sz="700" kern="1200">
+        <a:defRPr sz="1027" kern="1200">
           <a:solidFill>
             <a:schemeClr val="tx1"/>
           </a:solidFill>
@@ -3193,16 +3109,16 @@
           <a:cs typeface="+mn-cs"/>
         </a:defRPr>
       </a:lvl1pPr>
-      <a:lvl2pPr marL="171450" indent="-57150" algn="l" defTabSz="228600" rtl="0" eaLnBrk="1" latinLnBrk="0" hangingPunct="1">
+      <a:lvl2pPr marL="251483" indent="-83828" algn="l" defTabSz="335310" rtl="0" eaLnBrk="1" latinLnBrk="0" hangingPunct="1">
         <a:lnSpc>
           <a:spcPct val="90000"/>
         </a:lnSpc>
         <a:spcBef>
-          <a:spcPts val="125"/>
+          <a:spcPts val="183"/>
         </a:spcBef>
         <a:buFont typeface="Arial" panose="020B0604020202020204" pitchFamily="34" charset="0"/>
         <a:buChar char="•"/>
-        <a:defRPr sz="600" kern="1200">
+        <a:defRPr sz="880" kern="1200">
           <a:solidFill>
             <a:schemeClr val="tx1"/>
           </a:solidFill>
@@ -3211,16 +3127,16 @@
           <a:cs typeface="+mn-cs"/>
         </a:defRPr>
       </a:lvl2pPr>
-      <a:lvl3pPr marL="285750" indent="-57150" algn="l" defTabSz="228600" rtl="0" eaLnBrk="1" latinLnBrk="0" hangingPunct="1">
+      <a:lvl3pPr marL="419138" indent="-83828" algn="l" defTabSz="335310" rtl="0" eaLnBrk="1" latinLnBrk="0" hangingPunct="1">
         <a:lnSpc>
           <a:spcPct val="90000"/>
         </a:lnSpc>
         <a:spcBef>
-          <a:spcPts val="125"/>
+          <a:spcPts val="183"/>
         </a:spcBef>
         <a:buFont typeface="Arial" panose="020B0604020202020204" pitchFamily="34" charset="0"/>
         <a:buChar char="•"/>
-        <a:defRPr sz="500" kern="1200">
+        <a:defRPr sz="733" kern="1200">
           <a:solidFill>
             <a:schemeClr val="tx1"/>
           </a:solidFill>
@@ -3229,16 +3145,16 @@
           <a:cs typeface="+mn-cs"/>
         </a:defRPr>
       </a:lvl3pPr>
-      <a:lvl4pPr marL="400050" indent="-57150" algn="l" defTabSz="228600" rtl="0" eaLnBrk="1" latinLnBrk="0" hangingPunct="1">
+      <a:lvl4pPr marL="586793" indent="-83828" algn="l" defTabSz="335310" rtl="0" eaLnBrk="1" latinLnBrk="0" hangingPunct="1">
         <a:lnSpc>
           <a:spcPct val="90000"/>
         </a:lnSpc>
         <a:spcBef>
-          <a:spcPts val="125"/>
+          <a:spcPts val="183"/>
         </a:spcBef>
         <a:buFont typeface="Arial" panose="020B0604020202020204" pitchFamily="34" charset="0"/>
         <a:buChar char="•"/>
-        <a:defRPr sz="450" kern="1200">
+        <a:defRPr sz="660" kern="1200">
           <a:solidFill>
             <a:schemeClr val="tx1"/>
           </a:solidFill>
@@ -3247,16 +3163,16 @@
           <a:cs typeface="+mn-cs"/>
         </a:defRPr>
       </a:lvl4pPr>
-      <a:lvl5pPr marL="514350" indent="-57150" algn="l" defTabSz="228600" rtl="0" eaLnBrk="1" latinLnBrk="0" hangingPunct="1">
+      <a:lvl5pPr marL="754449" indent="-83828" algn="l" defTabSz="335310" rtl="0" eaLnBrk="1" latinLnBrk="0" hangingPunct="1">
         <a:lnSpc>
           <a:spcPct val="90000"/>
         </a:lnSpc>
         <a:spcBef>
-          <a:spcPts val="125"/>
+          <a:spcPts val="183"/>
         </a:spcBef>
         <a:buFont typeface="Arial" panose="020B0604020202020204" pitchFamily="34" charset="0"/>
         <a:buChar char="•"/>
-        <a:defRPr sz="450" kern="1200">
+        <a:defRPr sz="660" kern="1200">
           <a:solidFill>
             <a:schemeClr val="tx1"/>
           </a:solidFill>
@@ -3265,16 +3181,16 @@
           <a:cs typeface="+mn-cs"/>
         </a:defRPr>
       </a:lvl5pPr>
-      <a:lvl6pPr marL="628650" indent="-57150" algn="l" defTabSz="228600" rtl="0" eaLnBrk="1" latinLnBrk="0" hangingPunct="1">
+      <a:lvl6pPr marL="922104" indent="-83828" algn="l" defTabSz="335310" rtl="0" eaLnBrk="1" latinLnBrk="0" hangingPunct="1">
         <a:lnSpc>
           <a:spcPct val="90000"/>
         </a:lnSpc>
         <a:spcBef>
-          <a:spcPts val="125"/>
+          <a:spcPts val="183"/>
         </a:spcBef>
         <a:buFont typeface="Arial" panose="020B0604020202020204" pitchFamily="34" charset="0"/>
         <a:buChar char="•"/>
-        <a:defRPr sz="450" kern="1200">
+        <a:defRPr sz="660" kern="1200">
           <a:solidFill>
             <a:schemeClr val="tx1"/>
           </a:solidFill>
@@ -3283,16 +3199,16 @@
           <a:cs typeface="+mn-cs"/>
         </a:defRPr>
       </a:lvl6pPr>
-      <a:lvl7pPr marL="742950" indent="-57150" algn="l" defTabSz="228600" rtl="0" eaLnBrk="1" latinLnBrk="0" hangingPunct="1">
+      <a:lvl7pPr marL="1089759" indent="-83828" algn="l" defTabSz="335310" rtl="0" eaLnBrk="1" latinLnBrk="0" hangingPunct="1">
         <a:lnSpc>
           <a:spcPct val="90000"/>
         </a:lnSpc>
         <a:spcBef>
-          <a:spcPts val="125"/>
+          <a:spcPts val="183"/>
         </a:spcBef>
         <a:buFont typeface="Arial" panose="020B0604020202020204" pitchFamily="34" charset="0"/>
         <a:buChar char="•"/>
-        <a:defRPr sz="450" kern="1200">
+        <a:defRPr sz="660" kern="1200">
           <a:solidFill>
             <a:schemeClr val="tx1"/>
           </a:solidFill>
@@ -3301,16 +3217,16 @@
           <a:cs typeface="+mn-cs"/>
         </a:defRPr>
       </a:lvl7pPr>
-      <a:lvl8pPr marL="857250" indent="-57150" algn="l" defTabSz="228600" rtl="0" eaLnBrk="1" latinLnBrk="0" hangingPunct="1">
+      <a:lvl8pPr marL="1257414" indent="-83828" algn="l" defTabSz="335310" rtl="0" eaLnBrk="1" latinLnBrk="0" hangingPunct="1">
         <a:lnSpc>
           <a:spcPct val="90000"/>
         </a:lnSpc>
         <a:spcBef>
-          <a:spcPts val="125"/>
+          <a:spcPts val="183"/>
         </a:spcBef>
         <a:buFont typeface="Arial" panose="020B0604020202020204" pitchFamily="34" charset="0"/>
         <a:buChar char="•"/>
-        <a:defRPr sz="450" kern="1200">
+        <a:defRPr sz="660" kern="1200">
           <a:solidFill>
             <a:schemeClr val="tx1"/>
           </a:solidFill>
@@ -3319,16 +3235,16 @@
           <a:cs typeface="+mn-cs"/>
         </a:defRPr>
       </a:lvl8pPr>
-      <a:lvl9pPr marL="971550" indent="-57150" algn="l" defTabSz="228600" rtl="0" eaLnBrk="1" latinLnBrk="0" hangingPunct="1">
+      <a:lvl9pPr marL="1425070" indent="-83828" algn="l" defTabSz="335310" rtl="0" eaLnBrk="1" latinLnBrk="0" hangingPunct="1">
         <a:lnSpc>
           <a:spcPct val="90000"/>
         </a:lnSpc>
         <a:spcBef>
-          <a:spcPts val="125"/>
+          <a:spcPts val="183"/>
         </a:spcBef>
         <a:buFont typeface="Arial" panose="020B0604020202020204" pitchFamily="34" charset="0"/>
         <a:buChar char="•"/>
-        <a:defRPr sz="450" kern="1200">
+        <a:defRPr sz="660" kern="1200">
           <a:solidFill>
             <a:schemeClr val="tx1"/>
           </a:solidFill>
@@ -3342,8 +3258,8 @@
       <a:defPPr>
         <a:defRPr lang="en-US"/>
       </a:defPPr>
-      <a:lvl1pPr marL="0" algn="l" defTabSz="228600" rtl="0" eaLnBrk="1" latinLnBrk="0" hangingPunct="1">
-        <a:defRPr sz="450" kern="1200">
+      <a:lvl1pPr marL="0" algn="l" defTabSz="335310" rtl="0" eaLnBrk="1" latinLnBrk="0" hangingPunct="1">
+        <a:defRPr sz="660" kern="1200">
           <a:solidFill>
             <a:schemeClr val="tx1"/>
           </a:solidFill>
@@ -3352,8 +3268,8 @@
           <a:cs typeface="+mn-cs"/>
         </a:defRPr>
       </a:lvl1pPr>
-      <a:lvl2pPr marL="114300" algn="l" defTabSz="228600" rtl="0" eaLnBrk="1" latinLnBrk="0" hangingPunct="1">
-        <a:defRPr sz="450" kern="1200">
+      <a:lvl2pPr marL="167655" algn="l" defTabSz="335310" rtl="0" eaLnBrk="1" latinLnBrk="0" hangingPunct="1">
+        <a:defRPr sz="660" kern="1200">
           <a:solidFill>
             <a:schemeClr val="tx1"/>
           </a:solidFill>
@@ -3362,8 +3278,8 @@
           <a:cs typeface="+mn-cs"/>
         </a:defRPr>
       </a:lvl2pPr>
-      <a:lvl3pPr marL="228600" algn="l" defTabSz="228600" rtl="0" eaLnBrk="1" latinLnBrk="0" hangingPunct="1">
-        <a:defRPr sz="450" kern="1200">
+      <a:lvl3pPr marL="335310" algn="l" defTabSz="335310" rtl="0" eaLnBrk="1" latinLnBrk="0" hangingPunct="1">
+        <a:defRPr sz="660" kern="1200">
           <a:solidFill>
             <a:schemeClr val="tx1"/>
           </a:solidFill>
@@ -3372,8 +3288,8 @@
           <a:cs typeface="+mn-cs"/>
         </a:defRPr>
       </a:lvl3pPr>
-      <a:lvl4pPr marL="342900" algn="l" defTabSz="228600" rtl="0" eaLnBrk="1" latinLnBrk="0" hangingPunct="1">
-        <a:defRPr sz="450" kern="1200">
+      <a:lvl4pPr marL="502966" algn="l" defTabSz="335310" rtl="0" eaLnBrk="1" latinLnBrk="0" hangingPunct="1">
+        <a:defRPr sz="660" kern="1200">
           <a:solidFill>
             <a:schemeClr val="tx1"/>
           </a:solidFill>
@@ -3382,8 +3298,8 @@
           <a:cs typeface="+mn-cs"/>
         </a:defRPr>
       </a:lvl4pPr>
-      <a:lvl5pPr marL="457200" algn="l" defTabSz="228600" rtl="0" eaLnBrk="1" latinLnBrk="0" hangingPunct="1">
-        <a:defRPr sz="450" kern="1200">
+      <a:lvl5pPr marL="670621" algn="l" defTabSz="335310" rtl="0" eaLnBrk="1" latinLnBrk="0" hangingPunct="1">
+        <a:defRPr sz="660" kern="1200">
           <a:solidFill>
             <a:schemeClr val="tx1"/>
           </a:solidFill>
@@ -3392,8 +3308,8 @@
           <a:cs typeface="+mn-cs"/>
         </a:defRPr>
       </a:lvl5pPr>
-      <a:lvl6pPr marL="571500" algn="l" defTabSz="228600" rtl="0" eaLnBrk="1" latinLnBrk="0" hangingPunct="1">
-        <a:defRPr sz="450" kern="1200">
+      <a:lvl6pPr marL="838276" algn="l" defTabSz="335310" rtl="0" eaLnBrk="1" latinLnBrk="0" hangingPunct="1">
+        <a:defRPr sz="660" kern="1200">
           <a:solidFill>
             <a:schemeClr val="tx1"/>
           </a:solidFill>
@@ -3402,8 +3318,8 @@
           <a:cs typeface="+mn-cs"/>
         </a:defRPr>
       </a:lvl6pPr>
-      <a:lvl7pPr marL="685800" algn="l" defTabSz="228600" rtl="0" eaLnBrk="1" latinLnBrk="0" hangingPunct="1">
-        <a:defRPr sz="450" kern="1200">
+      <a:lvl7pPr marL="1005931" algn="l" defTabSz="335310" rtl="0" eaLnBrk="1" latinLnBrk="0" hangingPunct="1">
+        <a:defRPr sz="660" kern="1200">
           <a:solidFill>
             <a:schemeClr val="tx1"/>
           </a:solidFill>
@@ -3412,8 +3328,8 @@
           <a:cs typeface="+mn-cs"/>
         </a:defRPr>
       </a:lvl7pPr>
-      <a:lvl8pPr marL="800100" algn="l" defTabSz="228600" rtl="0" eaLnBrk="1" latinLnBrk="0" hangingPunct="1">
-        <a:defRPr sz="450" kern="1200">
+      <a:lvl8pPr marL="1173587" algn="l" defTabSz="335310" rtl="0" eaLnBrk="1" latinLnBrk="0" hangingPunct="1">
+        <a:defRPr sz="660" kern="1200">
           <a:solidFill>
             <a:schemeClr val="tx1"/>
           </a:solidFill>
@@ -3422,8 +3338,8 @@
           <a:cs typeface="+mn-cs"/>
         </a:defRPr>
       </a:lvl8pPr>
-      <a:lvl9pPr marL="914400" algn="l" defTabSz="228600" rtl="0" eaLnBrk="1" latinLnBrk="0" hangingPunct="1">
-        <a:defRPr sz="450" kern="1200">
+      <a:lvl9pPr marL="1341242" algn="l" defTabSz="335310" rtl="0" eaLnBrk="1" latinLnBrk="0" hangingPunct="1">
+        <a:defRPr sz="660" kern="1200">
           <a:solidFill>
             <a:schemeClr val="tx1"/>
           </a:solidFill>
@@ -3456,7 +3372,7 @@
       </p:grpSpPr>
       <p:graphicFrame>
         <p:nvGraphicFramePr>
-          <p:cNvPr id="2" name="Chart 1">
+          <p:cNvPr id="3" name="Chart 2">
             <a:extLst>
               <a:ext uri="{FF2B5EF4-FFF2-40B4-BE49-F238E27FC236}">
                 <a16:creationId xmlns:a16="http://schemas.microsoft.com/office/drawing/2014/main" id="{23448104-96C1-4A1B-B092-3807ABD141D6}"/>
@@ -3469,14 +3385,14 @@
           <p:nvPr>
             <p:extLst>
               <p:ext uri="{D42A27DB-BD31-4B8C-83A1-F6EECF244321}">
-                <p14:modId xmlns:p14="http://schemas.microsoft.com/office/powerpoint/2010/main" val="2609025182"/>
+                <p14:modId xmlns:p14="http://schemas.microsoft.com/office/powerpoint/2010/main" val="292624599"/>
               </p:ext>
             </p:extLst>
           </p:nvPr>
         </p:nvGraphicFramePr>
         <p:xfrm>
           <a:off x="0" y="0"/>
-          <a:ext cx="2286000" cy="3657600"/>
+          <a:ext cx="6400800" cy="2514600"/>
         </p:xfrm>
         <a:graphic>
           <a:graphicData uri="http://schemas.openxmlformats.org/drawingml/2006/chart">

--- a/images/objects_dropped.pptx
+++ b/images/objects_dropped.pptx
@@ -125,6 +125,7 @@
       <c:style val="2"/>
     </mc:Fallback>
   </mc:AlternateContent>
+  <c:clrMapOvr bg1="lt1" tx1="dk1" bg2="lt2" tx2="dk2" accent1="accent1" accent2="accent2" accent3="accent3" accent4="accent4" accent5="accent5" accent6="accent6" hlink="hlink" folHlink="folHlink"/>
   <c:chart>
     <c:autoTitleDeleted val="1"/>
     <c:plotArea>
@@ -138,7 +139,7 @@
           <c:order val="0"/>
           <c:tx>
             <c:strRef>
-              <c:f>'Programming Obstacles'!$B$34</c:f>
+              <c:f>'Programming Obstacles'!$B$35</c:f>
               <c:strCache>
                 <c:ptCount val="1"/>
                 <c:pt idx="0">
@@ -162,7 +163,7 @@
           <c:invertIfNegative val="0"/>
           <c:cat>
             <c:strRef>
-              <c:f>'Programming Obstacles'!$C$33:$D$33</c:f>
+              <c:f>'Programming Obstacles'!$C$34:$D$34</c:f>
               <c:strCache>
                 <c:ptCount val="2"/>
                 <c:pt idx="0">
@@ -176,7 +177,7 @@
           </c:cat>
           <c:val>
             <c:numRef>
-              <c:f>'Programming Obstacles'!$C$34:$D$34</c:f>
+              <c:f>'Programming Obstacles'!$C$35:$D$35</c:f>
               <c:numCache>
                 <c:formatCode>General</c:formatCode>
                 <c:ptCount val="2"/>
@@ -191,7 +192,7 @@
           </c:val>
           <c:extLst>
             <c:ext xmlns:c16="http://schemas.microsoft.com/office/drawing/2014/chart" uri="{C3380CC4-5D6E-409C-BE32-E72D297353CC}">
-              <c16:uniqueId val="{00000000-D6D3-442B-A28A-A26DF7ACBCAA}"/>
+              <c16:uniqueId val="{00000000-FCBC-419D-ABAF-BF6C536DEDA0}"/>
             </c:ext>
           </c:extLst>
         </c:ser>
@@ -200,7 +201,7 @@
           <c:order val="1"/>
           <c:tx>
             <c:strRef>
-              <c:f>'Programming Obstacles'!$B$35</c:f>
+              <c:f>'Programming Obstacles'!$B$36</c:f>
               <c:strCache>
                 <c:ptCount val="1"/>
                 <c:pt idx="0">
@@ -226,14 +227,14 @@
             <c:errBarType val="minus"/>
             <c:errValType val="percentage"/>
             <c:noEndCap val="0"/>
-            <c:val val="96"/>
+            <c:val val="90"/>
             <c:spPr>
               <a:ln w="28575"/>
             </c:spPr>
           </c:errBars>
           <c:cat>
             <c:strRef>
-              <c:f>'Programming Obstacles'!$C$33:$D$33</c:f>
+              <c:f>'Programming Obstacles'!$C$34:$D$34</c:f>
               <c:strCache>
                 <c:ptCount val="2"/>
                 <c:pt idx="0">
@@ -247,12 +248,12 @@
           </c:cat>
           <c:val>
             <c:numRef>
-              <c:f>'Programming Obstacles'!$C$35:$D$35</c:f>
+              <c:f>'Programming Obstacles'!$C$36:$D$36</c:f>
               <c:numCache>
                 <c:formatCode>General</c:formatCode>
                 <c:ptCount val="2"/>
                 <c:pt idx="0">
-                  <c:v>2</c:v>
+                  <c:v>1.25</c:v>
                 </c:pt>
                 <c:pt idx="1">
                   <c:v>2</c:v>
@@ -262,7 +263,7 @@
           </c:val>
           <c:extLst>
             <c:ext xmlns:c16="http://schemas.microsoft.com/office/drawing/2014/chart" uri="{C3380CC4-5D6E-409C-BE32-E72D297353CC}">
-              <c16:uniqueId val="{00000001-D6D3-442B-A28A-A26DF7ACBCAA}"/>
+              <c16:uniqueId val="{00000001-FCBC-419D-ABAF-BF6C536DEDA0}"/>
             </c:ext>
           </c:extLst>
         </c:ser>
@@ -271,7 +272,7 @@
           <c:order val="2"/>
           <c:tx>
             <c:strRef>
-              <c:f>'Programming Obstacles'!$B$36</c:f>
+              <c:f>'Programming Obstacles'!$B$37</c:f>
               <c:strCache>
                 <c:ptCount val="1"/>
                 <c:pt idx="0">
@@ -290,7 +291,7 @@
           <c:invertIfNegative val="0"/>
           <c:cat>
             <c:strRef>
-              <c:f>'Programming Obstacles'!$C$33:$D$33</c:f>
+              <c:f>'Programming Obstacles'!$C$34:$D$34</c:f>
               <c:strCache>
                 <c:ptCount val="2"/>
                 <c:pt idx="0">
@@ -304,22 +305,22 @@
           </c:cat>
           <c:val>
             <c:numRef>
-              <c:f>'Programming Obstacles'!$C$36:$D$36</c:f>
+              <c:f>'Programming Obstacles'!$C$37:$D$37</c:f>
               <c:numCache>
                 <c:formatCode>General</c:formatCode>
                 <c:ptCount val="2"/>
                 <c:pt idx="0">
-                  <c:v>1</c:v>
+                  <c:v>1.75</c:v>
                 </c:pt>
                 <c:pt idx="1">
-                  <c:v>3</c:v>
+                  <c:v>2.5</c:v>
                 </c:pt>
               </c:numCache>
             </c:numRef>
           </c:val>
           <c:extLst>
             <c:ext xmlns:c16="http://schemas.microsoft.com/office/drawing/2014/chart" uri="{C3380CC4-5D6E-409C-BE32-E72D297353CC}">
-              <c16:uniqueId val="{00000002-D6D3-442B-A28A-A26DF7ACBCAA}"/>
+              <c16:uniqueId val="{00000002-FCBC-419D-ABAF-BF6C536DEDA0}"/>
             </c:ext>
           </c:extLst>
         </c:ser>
@@ -328,7 +329,7 @@
           <c:order val="3"/>
           <c:tx>
             <c:strRef>
-              <c:f>'Programming Obstacles'!$B$37</c:f>
+              <c:f>'Programming Obstacles'!$B$38</c:f>
               <c:strCache>
                 <c:ptCount val="1"/>
                 <c:pt idx="0">
@@ -354,12 +355,12 @@
             <c:noEndCap val="0"/>
             <c:plus>
               <c:numRef>
-                <c:f>'Programming Obstacles'!$C$38:$D$38</c:f>
+                <c:f>'Programming Obstacles'!$C$39:$D$39</c:f>
                 <c:numCache>
                   <c:formatCode>General</c:formatCode>
                   <c:ptCount val="2"/>
                   <c:pt idx="0">
-                    <c:v>8</c:v>
+                    <c:v>8.25</c:v>
                   </c:pt>
                   <c:pt idx="1">
                     <c:v>12</c:v>
@@ -373,7 +374,7 @@
           </c:errBars>
           <c:cat>
             <c:strRef>
-              <c:f>'Programming Obstacles'!$C$33:$D$33</c:f>
+              <c:f>'Programming Obstacles'!$C$34:$D$34</c:f>
               <c:strCache>
                 <c:ptCount val="2"/>
                 <c:pt idx="0">
@@ -387,22 +388,22 @@
           </c:cat>
           <c:val>
             <c:numRef>
-              <c:f>'Programming Obstacles'!$C$37:$D$37</c:f>
+              <c:f>'Programming Obstacles'!$C$38:$D$38</c:f>
               <c:numCache>
                 <c:formatCode>General</c:formatCode>
                 <c:ptCount val="2"/>
                 <c:pt idx="0">
-                  <c:v>4</c:v>
+                  <c:v>3.75</c:v>
                 </c:pt>
                 <c:pt idx="1">
-                  <c:v>3</c:v>
+                  <c:v>3.5</c:v>
                 </c:pt>
               </c:numCache>
             </c:numRef>
           </c:val>
           <c:extLst>
             <c:ext xmlns:c16="http://schemas.microsoft.com/office/drawing/2014/chart" uri="{C3380CC4-5D6E-409C-BE32-E72D297353CC}">
-              <c16:uniqueId val="{00000003-D6D3-442B-A28A-A26DF7ACBCAA}"/>
+              <c16:uniqueId val="{00000003-FCBC-419D-ABAF-BF6C536DEDA0}"/>
             </c:ext>
           </c:extLst>
         </c:ser>
@@ -458,8 +459,13 @@
                 </a:pPr>
                 <a:r>
                   <a:rPr lang="en-US" b="0"/>
-                  <a:t>Occurrences</a:t>
+                  <a:t>#</a:t>
                 </a:r>
+                <a:r>
+                  <a:rPr lang="en-US" b="0" baseline="0"/>
+                  <a:t> Occurrences</a:t>
+                </a:r>
+                <a:endParaRPr lang="en-US" b="0"/>
               </a:p>
             </c:rich>
           </c:tx>
@@ -484,14 +490,8 @@
     </c:plotArea>
     <c:plotVisOnly val="1"/>
     <c:dispBlanksAs val="gap"/>
-    <c:extLst>
-      <c:ext xmlns:c16r3="http://schemas.microsoft.com/office/drawing/2017/03/chart" uri="{56B9EC1D-385E-4148-901F-78D8002777C0}">
-        <c16r3:dataDisplayOptions16>
-          <c16r3:dispNaAsBlank val="1"/>
-        </c16r3:dataDisplayOptions16>
-      </c:ext>
-    </c:extLst>
     <c:showDLblsOverMax val="0"/>
+    <c:extLst/>
   </c:chart>
   <c:txPr>
     <a:bodyPr/>
@@ -503,7 +503,7 @@
       <a:endParaRPr lang="en-US"/>
     </a:p>
   </c:txPr>
-  <c:externalData r:id="rId1">
+  <c:externalData r:id="rId2">
     <c:autoUpdate val="0"/>
   </c:externalData>
 </c:chartSpace>
@@ -640,7 +640,7 @@
           <a:p>
             <a:fld id="{B2EC105D-F84F-4B0D-B186-F026FCD65647}" type="datetimeFigureOut">
               <a:rPr lang="en-US" smtClean="0"/>
-              <a:t>2/21/2023</a:t>
+              <a:t>2/22/2023</a:t>
             </a:fld>
             <a:endParaRPr lang="en-US"/>
           </a:p>
@@ -810,7 +810,7 @@
           <a:p>
             <a:fld id="{B2EC105D-F84F-4B0D-B186-F026FCD65647}" type="datetimeFigureOut">
               <a:rPr lang="en-US" smtClean="0"/>
-              <a:t>2/21/2023</a:t>
+              <a:t>2/22/2023</a:t>
             </a:fld>
             <a:endParaRPr lang="en-US"/>
           </a:p>
@@ -990,7 +990,7 @@
           <a:p>
             <a:fld id="{B2EC105D-F84F-4B0D-B186-F026FCD65647}" type="datetimeFigureOut">
               <a:rPr lang="en-US" smtClean="0"/>
-              <a:t>2/21/2023</a:t>
+              <a:t>2/22/2023</a:t>
             </a:fld>
             <a:endParaRPr lang="en-US"/>
           </a:p>
@@ -1160,7 +1160,7 @@
           <a:p>
             <a:fld id="{B2EC105D-F84F-4B0D-B186-F026FCD65647}" type="datetimeFigureOut">
               <a:rPr lang="en-US" smtClean="0"/>
-              <a:t>2/21/2023</a:t>
+              <a:t>2/22/2023</a:t>
             </a:fld>
             <a:endParaRPr lang="en-US"/>
           </a:p>
@@ -1406,7 +1406,7 @@
           <a:p>
             <a:fld id="{B2EC105D-F84F-4B0D-B186-F026FCD65647}" type="datetimeFigureOut">
               <a:rPr lang="en-US" smtClean="0"/>
-              <a:t>2/21/2023</a:t>
+              <a:t>2/22/2023</a:t>
             </a:fld>
             <a:endParaRPr lang="en-US"/>
           </a:p>
@@ -1638,7 +1638,7 @@
           <a:p>
             <a:fld id="{B2EC105D-F84F-4B0D-B186-F026FCD65647}" type="datetimeFigureOut">
               <a:rPr lang="en-US" smtClean="0"/>
-              <a:t>2/21/2023</a:t>
+              <a:t>2/22/2023</a:t>
             </a:fld>
             <a:endParaRPr lang="en-US"/>
           </a:p>
@@ -2005,7 +2005,7 @@
           <a:p>
             <a:fld id="{B2EC105D-F84F-4B0D-B186-F026FCD65647}" type="datetimeFigureOut">
               <a:rPr lang="en-US" smtClean="0"/>
-              <a:t>2/21/2023</a:t>
+              <a:t>2/22/2023</a:t>
             </a:fld>
             <a:endParaRPr lang="en-US"/>
           </a:p>
@@ -2123,7 +2123,7 @@
           <a:p>
             <a:fld id="{B2EC105D-F84F-4B0D-B186-F026FCD65647}" type="datetimeFigureOut">
               <a:rPr lang="en-US" smtClean="0"/>
-              <a:t>2/21/2023</a:t>
+              <a:t>2/22/2023</a:t>
             </a:fld>
             <a:endParaRPr lang="en-US"/>
           </a:p>
@@ -2218,7 +2218,7 @@
           <a:p>
             <a:fld id="{B2EC105D-F84F-4B0D-B186-F026FCD65647}" type="datetimeFigureOut">
               <a:rPr lang="en-US" smtClean="0"/>
-              <a:t>2/21/2023</a:t>
+              <a:t>2/22/2023</a:t>
             </a:fld>
             <a:endParaRPr lang="en-US"/>
           </a:p>
@@ -2495,7 +2495,7 @@
           <a:p>
             <a:fld id="{B2EC105D-F84F-4B0D-B186-F026FCD65647}" type="datetimeFigureOut">
               <a:rPr lang="en-US" smtClean="0"/>
-              <a:t>2/21/2023</a:t>
+              <a:t>2/22/2023</a:t>
             </a:fld>
             <a:endParaRPr lang="en-US"/>
           </a:p>
@@ -2752,7 +2752,7 @@
           <a:p>
             <a:fld id="{B2EC105D-F84F-4B0D-B186-F026FCD65647}" type="datetimeFigureOut">
               <a:rPr lang="en-US" smtClean="0"/>
-              <a:t>2/21/2023</a:t>
+              <a:t>2/22/2023</a:t>
             </a:fld>
             <a:endParaRPr lang="en-US"/>
           </a:p>
@@ -2965,7 +2965,7 @@
           <a:p>
             <a:fld id="{B2EC105D-F84F-4B0D-B186-F026FCD65647}" type="datetimeFigureOut">
               <a:rPr lang="en-US" smtClean="0"/>
-              <a:t>2/21/2023</a:t>
+              <a:t>2/22/2023</a:t>
             </a:fld>
             <a:endParaRPr lang="en-US"/>
           </a:p>
@@ -3372,10 +3372,10 @@
       </p:grpSpPr>
       <p:graphicFrame>
         <p:nvGraphicFramePr>
-          <p:cNvPr id="3" name="Chart 2">
+          <p:cNvPr id="6" name="Chart 5">
             <a:extLst>
               <a:ext uri="{FF2B5EF4-FFF2-40B4-BE49-F238E27FC236}">
-                <a16:creationId xmlns:a16="http://schemas.microsoft.com/office/drawing/2014/main" id="{23448104-96C1-4A1B-B092-3807ABD141D6}"/>
+                <a16:creationId xmlns:a16="http://schemas.microsoft.com/office/drawing/2014/main" id="{27F6F362-7273-4BD6-8906-4017104B70CF}"/>
               </a:ext>
             </a:extLst>
           </p:cNvPr>
@@ -3385,14 +3385,14 @@
           <p:nvPr>
             <p:extLst>
               <p:ext uri="{D42A27DB-BD31-4B8C-83A1-F6EECF244321}">
-                <p14:modId xmlns:p14="http://schemas.microsoft.com/office/powerpoint/2010/main" val="292624599"/>
+                <p14:modId xmlns:p14="http://schemas.microsoft.com/office/powerpoint/2010/main" val="3151984301"/>
               </p:ext>
             </p:extLst>
           </p:nvPr>
         </p:nvGraphicFramePr>
         <p:xfrm>
           <a:off x="0" y="0"/>
-          <a:ext cx="6400800" cy="2514600"/>
+          <a:ext cx="6400799" cy="2514600"/>
         </p:xfrm>
         <a:graphic>
           <a:graphicData uri="http://schemas.openxmlformats.org/drawingml/2006/chart">
@@ -3672,4 +3672,256 @@
     </a:ext>
   </a:extLst>
 </a:theme>
+</file>
+
+<file path=ppt/theme/themeOverride1.xml><?xml version="1.0" encoding="utf-8"?>
+<a:themeOverride xmlns:a="http://schemas.openxmlformats.org/drawingml/2006/main">
+  <a:clrScheme name="Office Theme">
+    <a:dk1>
+      <a:sysClr val="windowText" lastClr="000000"/>
+    </a:dk1>
+    <a:lt1>
+      <a:sysClr val="window" lastClr="FFFFFF"/>
+    </a:lt1>
+    <a:dk2>
+      <a:srgbClr val="44546A"/>
+    </a:dk2>
+    <a:lt2>
+      <a:srgbClr val="E7E6E6"/>
+    </a:lt2>
+    <a:accent1>
+      <a:srgbClr val="4472C4"/>
+    </a:accent1>
+    <a:accent2>
+      <a:srgbClr val="ED7D31"/>
+    </a:accent2>
+    <a:accent3>
+      <a:srgbClr val="A5A5A5"/>
+    </a:accent3>
+    <a:accent4>
+      <a:srgbClr val="FFC000"/>
+    </a:accent4>
+    <a:accent5>
+      <a:srgbClr val="5B9BD5"/>
+    </a:accent5>
+    <a:accent6>
+      <a:srgbClr val="70AD47"/>
+    </a:accent6>
+    <a:hlink>
+      <a:srgbClr val="0563C1"/>
+    </a:hlink>
+    <a:folHlink>
+      <a:srgbClr val="954F72"/>
+    </a:folHlink>
+  </a:clrScheme>
+  <a:fontScheme name="Office Theme">
+    <a:majorFont>
+      <a:latin typeface="Calibri Light" panose="020F0302020204030204"/>
+      <a:ea typeface=""/>
+      <a:cs typeface=""/>
+      <a:font script="Jpan" typeface="游ゴシック Light"/>
+      <a:font script="Hang" typeface="맑은 고딕"/>
+      <a:font script="Hans" typeface="等线 Light"/>
+      <a:font script="Hant" typeface="新細明體"/>
+      <a:font script="Arab" typeface="Times New Roman"/>
+      <a:font script="Hebr" typeface="Times New Roman"/>
+      <a:font script="Thai" typeface="Angsana New"/>
+      <a:font script="Ethi" typeface="Nyala"/>
+      <a:font script="Beng" typeface="Vrinda"/>
+      <a:font script="Gujr" typeface="Shruti"/>
+      <a:font script="Khmr" typeface="MoolBoran"/>
+      <a:font script="Knda" typeface="Tunga"/>
+      <a:font script="Guru" typeface="Raavi"/>
+      <a:font script="Cans" typeface="Euphemia"/>
+      <a:font script="Cher" typeface="Plantagenet Cherokee"/>
+      <a:font script="Yiii" typeface="Microsoft Yi Baiti"/>
+      <a:font script="Tibt" typeface="Microsoft Himalaya"/>
+      <a:font script="Thaa" typeface="MV Boli"/>
+      <a:font script="Deva" typeface="Mangal"/>
+      <a:font script="Telu" typeface="Gautami"/>
+      <a:font script="Taml" typeface="Latha"/>
+      <a:font script="Syrc" typeface="Estrangelo Edessa"/>
+      <a:font script="Orya" typeface="Kalinga"/>
+      <a:font script="Mlym" typeface="Kartika"/>
+      <a:font script="Laoo" typeface="DokChampa"/>
+      <a:font script="Sinh" typeface="Iskoola Pota"/>
+      <a:font script="Mong" typeface="Mongolian Baiti"/>
+      <a:font script="Viet" typeface="Times New Roman"/>
+      <a:font script="Uigh" typeface="Microsoft Uighur"/>
+      <a:font script="Geor" typeface="Sylfaen"/>
+    </a:majorFont>
+    <a:minorFont>
+      <a:latin typeface="Calibri" panose="020F0502020204030204"/>
+      <a:ea typeface=""/>
+      <a:cs typeface=""/>
+      <a:font script="Jpan" typeface="游ゴシック"/>
+      <a:font script="Hang" typeface="맑은 고딕"/>
+      <a:font script="Hans" typeface="等线"/>
+      <a:font script="Hant" typeface="新細明體"/>
+      <a:font script="Arab" typeface="Arial"/>
+      <a:font script="Hebr" typeface="Arial"/>
+      <a:font script="Thai" typeface="Cordia New"/>
+      <a:font script="Ethi" typeface="Nyala"/>
+      <a:font script="Beng" typeface="Vrinda"/>
+      <a:font script="Gujr" typeface="Shruti"/>
+      <a:font script="Khmr" typeface="DaunPenh"/>
+      <a:font script="Knda" typeface="Tunga"/>
+      <a:font script="Guru" typeface="Raavi"/>
+      <a:font script="Cans" typeface="Euphemia"/>
+      <a:font script="Cher" typeface="Plantagenet Cherokee"/>
+      <a:font script="Yiii" typeface="Microsoft Yi Baiti"/>
+      <a:font script="Tibt" typeface="Microsoft Himalaya"/>
+      <a:font script="Thaa" typeface="MV Boli"/>
+      <a:font script="Deva" typeface="Mangal"/>
+      <a:font script="Telu" typeface="Gautami"/>
+      <a:font script="Taml" typeface="Latha"/>
+      <a:font script="Syrc" typeface="Estrangelo Edessa"/>
+      <a:font script="Orya" typeface="Kalinga"/>
+      <a:font script="Mlym" typeface="Kartika"/>
+      <a:font script="Laoo" typeface="DokChampa"/>
+      <a:font script="Sinh" typeface="Iskoola Pota"/>
+      <a:font script="Mong" typeface="Mongolian Baiti"/>
+      <a:font script="Viet" typeface="Arial"/>
+      <a:font script="Uigh" typeface="Microsoft Uighur"/>
+      <a:font script="Geor" typeface="Sylfaen"/>
+    </a:minorFont>
+  </a:fontScheme>
+  <a:fmtScheme name="Office Theme">
+    <a:fillStyleLst>
+      <a:solidFill>
+        <a:schemeClr val="phClr"/>
+      </a:solidFill>
+      <a:gradFill rotWithShape="1">
+        <a:gsLst>
+          <a:gs pos="0">
+            <a:schemeClr val="phClr">
+              <a:lumMod val="110000"/>
+              <a:satMod val="105000"/>
+              <a:tint val="67000"/>
+            </a:schemeClr>
+          </a:gs>
+          <a:gs pos="50000">
+            <a:schemeClr val="phClr">
+              <a:lumMod val="105000"/>
+              <a:satMod val="103000"/>
+              <a:tint val="73000"/>
+            </a:schemeClr>
+          </a:gs>
+          <a:gs pos="100000">
+            <a:schemeClr val="phClr">
+              <a:lumMod val="105000"/>
+              <a:satMod val="109000"/>
+              <a:tint val="81000"/>
+            </a:schemeClr>
+          </a:gs>
+        </a:gsLst>
+        <a:lin ang="5400000" scaled="0"/>
+      </a:gradFill>
+      <a:gradFill rotWithShape="1">
+        <a:gsLst>
+          <a:gs pos="0">
+            <a:schemeClr val="phClr">
+              <a:satMod val="103000"/>
+              <a:lumMod val="102000"/>
+              <a:tint val="94000"/>
+            </a:schemeClr>
+          </a:gs>
+          <a:gs pos="50000">
+            <a:schemeClr val="phClr">
+              <a:satMod val="110000"/>
+              <a:lumMod val="100000"/>
+              <a:shade val="100000"/>
+            </a:schemeClr>
+          </a:gs>
+          <a:gs pos="100000">
+            <a:schemeClr val="phClr">
+              <a:lumMod val="99000"/>
+              <a:satMod val="120000"/>
+              <a:shade val="78000"/>
+            </a:schemeClr>
+          </a:gs>
+        </a:gsLst>
+        <a:lin ang="5400000" scaled="0"/>
+      </a:gradFill>
+    </a:fillStyleLst>
+    <a:lnStyleLst>
+      <a:ln w="6350" cap="flat" cmpd="sng" algn="ctr">
+        <a:solidFill>
+          <a:schemeClr val="phClr"/>
+        </a:solidFill>
+        <a:prstDash val="solid"/>
+        <a:miter lim="800000"/>
+      </a:ln>
+      <a:ln w="12700" cap="flat" cmpd="sng" algn="ctr">
+        <a:solidFill>
+          <a:schemeClr val="phClr"/>
+        </a:solidFill>
+        <a:prstDash val="solid"/>
+        <a:miter lim="800000"/>
+      </a:ln>
+      <a:ln w="19050" cap="flat" cmpd="sng" algn="ctr">
+        <a:solidFill>
+          <a:schemeClr val="phClr"/>
+        </a:solidFill>
+        <a:prstDash val="solid"/>
+        <a:miter lim="800000"/>
+      </a:ln>
+    </a:lnStyleLst>
+    <a:effectStyleLst>
+      <a:effectStyle>
+        <a:effectLst/>
+      </a:effectStyle>
+      <a:effectStyle>
+        <a:effectLst/>
+      </a:effectStyle>
+      <a:effectStyle>
+        <a:effectLst>
+          <a:outerShdw blurRad="57150" dist="19050" dir="5400000" algn="ctr" rotWithShape="0">
+            <a:srgbClr val="000000">
+              <a:alpha val="63000"/>
+            </a:srgbClr>
+          </a:outerShdw>
+        </a:effectLst>
+      </a:effectStyle>
+    </a:effectStyleLst>
+    <a:bgFillStyleLst>
+      <a:solidFill>
+        <a:schemeClr val="phClr"/>
+      </a:solidFill>
+      <a:solidFill>
+        <a:schemeClr val="phClr">
+          <a:tint val="95000"/>
+          <a:satMod val="170000"/>
+        </a:schemeClr>
+      </a:solidFill>
+      <a:gradFill rotWithShape="1">
+        <a:gsLst>
+          <a:gs pos="0">
+            <a:schemeClr val="phClr">
+              <a:tint val="93000"/>
+              <a:satMod val="150000"/>
+              <a:shade val="98000"/>
+              <a:lumMod val="102000"/>
+            </a:schemeClr>
+          </a:gs>
+          <a:gs pos="50000">
+            <a:schemeClr val="phClr">
+              <a:tint val="98000"/>
+              <a:satMod val="130000"/>
+              <a:shade val="90000"/>
+              <a:lumMod val="103000"/>
+            </a:schemeClr>
+          </a:gs>
+          <a:gs pos="100000">
+            <a:schemeClr val="phClr">
+              <a:shade val="63000"/>
+              <a:satMod val="120000"/>
+            </a:schemeClr>
+          </a:gs>
+        </a:gsLst>
+        <a:lin ang="5400000" scaled="0"/>
+      </a:gradFill>
+    </a:bgFillStyleLst>
+  </a:fmtScheme>
+</a:themeOverride>
 </file>